--- a/AZ-104 Azure storage - Ahmed Wahid.pptx
+++ b/AZ-104 Azure storage - Ahmed Wahid.pptx
@@ -42754,7 +42754,7 @@
         <p:spPr>
           <a:xfrm>
             <a:off x="1040235" y="2170389"/>
-            <a:ext cx="3374771" cy="4148138"/>
+            <a:ext cx="3838161" cy="4148138"/>
           </a:xfrm>
           <a:prstGeom prst="rect">
             <a:avLst/>

--- a/AZ-104 Azure storage - Ahmed Wahid.pptx
+++ b/AZ-104 Azure storage - Ahmed Wahid.pptx
@@ -38666,7 +38666,7 @@
                 <a:ea typeface="+mn-ea"/>
                 <a:cs typeface="+mn-cs"/>
               </a:rPr>
-              <a:t>No specific prerequisites are needed for this course</a:t>
+              <a:t>It’s preferred that you have gone through AZ-900 to be familiar with basic cloud concepts but it’s not mandatory as we will talk about each topic from the beginning</a:t>
             </a:r>
           </a:p>
         </p:txBody>
@@ -47379,7 +47379,7 @@
 
 <file path=ppt/tags/tag1.xml><?xml version="1.0" encoding="utf-8"?>
 <p:tagLst xmlns:a="http://schemas.openxmlformats.org/drawingml/2006/main" xmlns:r="http://schemas.openxmlformats.org/officeDocument/2006/relationships" xmlns:p="http://schemas.openxmlformats.org/presentationml/2006/main">
-  <p:tag name="LASTSLIDEVIEWED" val="276,4,Objectives"/>
+  <p:tag name="LASTSLIDEVIEWED" val="277,2,Prerequisites"/>
 </p:tagLst>
 </file>
 

--- a/AZ-104 Azure storage - Ahmed Wahid.pptx
+++ b/AZ-104 Azure storage - Ahmed Wahid.pptx
@@ -5,34 +5,35 @@
     <p:sldMasterId id="2147483648" r:id="rId1"/>
   </p:sldMasterIdLst>
   <p:notesMasterIdLst>
-    <p:notesMasterId r:id="rId22"/>
+    <p:notesMasterId r:id="rId23"/>
   </p:notesMasterIdLst>
   <p:sldIdLst>
     <p:sldId id="256" r:id="rId2"/>
     <p:sldId id="277" r:id="rId3"/>
     <p:sldId id="273" r:id="rId4"/>
     <p:sldId id="276" r:id="rId5"/>
-    <p:sldId id="257" r:id="rId6"/>
-    <p:sldId id="260" r:id="rId7"/>
-    <p:sldId id="261" r:id="rId8"/>
-    <p:sldId id="262" r:id="rId9"/>
-    <p:sldId id="263" r:id="rId10"/>
-    <p:sldId id="264" r:id="rId11"/>
-    <p:sldId id="258" r:id="rId12"/>
-    <p:sldId id="265" r:id="rId13"/>
-    <p:sldId id="266" r:id="rId14"/>
-    <p:sldId id="267" r:id="rId15"/>
-    <p:sldId id="268" r:id="rId16"/>
-    <p:sldId id="269" r:id="rId17"/>
-    <p:sldId id="272" r:id="rId18"/>
-    <p:sldId id="270" r:id="rId19"/>
-    <p:sldId id="274" r:id="rId20"/>
-    <p:sldId id="275" r:id="rId21"/>
+    <p:sldId id="278" r:id="rId6"/>
+    <p:sldId id="257" r:id="rId7"/>
+    <p:sldId id="260" r:id="rId8"/>
+    <p:sldId id="261" r:id="rId9"/>
+    <p:sldId id="262" r:id="rId10"/>
+    <p:sldId id="263" r:id="rId11"/>
+    <p:sldId id="264" r:id="rId12"/>
+    <p:sldId id="258" r:id="rId13"/>
+    <p:sldId id="265" r:id="rId14"/>
+    <p:sldId id="266" r:id="rId15"/>
+    <p:sldId id="267" r:id="rId16"/>
+    <p:sldId id="268" r:id="rId17"/>
+    <p:sldId id="269" r:id="rId18"/>
+    <p:sldId id="272" r:id="rId19"/>
+    <p:sldId id="270" r:id="rId20"/>
+    <p:sldId id="274" r:id="rId21"/>
+    <p:sldId id="275" r:id="rId22"/>
   </p:sldIdLst>
   <p:sldSz cx="12192000" cy="6858000"/>
   <p:notesSz cx="6858000" cy="9144000"/>
   <p:custDataLst>
-    <p:tags r:id="rId23"/>
+    <p:tags r:id="rId24"/>
   </p:custDataLst>
   <p:defaultTextStyle>
     <a:defPPr>
@@ -140,13 +141,285 @@
 <file path=ppt/revisionInfo.xml><?xml version="1.0" encoding="utf-8"?>
 <p1510:revInfo xmlns:a="http://schemas.openxmlformats.org/drawingml/2006/main" xmlns:r="http://schemas.openxmlformats.org/officeDocument/2006/relationships" xmlns:p1510="http://schemas.microsoft.com/office/powerpoint/2015/10/main">
   <p1510:revLst>
-    <p1510:client id="{2D1EAA8E-0CC3-4E50-99D8-E37C8E4BA196}" v="73" dt="2024-03-04T18:09:04.575"/>
+    <p1510:client id="{D91C64BC-6BD5-4105-82A4-7516B22A28F6}" v="78" dt="2024-03-09T07:41:49.037"/>
   </p1510:revLst>
 </p1510:revInfo>
 </file>
 
 <file path=ppt/changesInfos/changesInfo1.xml><?xml version="1.0" encoding="utf-8"?>
 <pc:chgInfo xmlns:a="http://schemas.openxmlformats.org/drawingml/2006/main" xmlns:r="http://schemas.openxmlformats.org/officeDocument/2006/relationships" xmlns:ac="http://schemas.microsoft.com/office/drawing/2013/main/command" xmlns:pc="http://schemas.microsoft.com/office/powerpoint/2013/main/command">
+  <pc:docChgLst>
+    <pc:chgData name="Ahmed Wahid (MiddleEast)" userId="25dae0fa-eb51-4ad2-93ca-2c111508eac5" providerId="ADAL" clId="{D91C64BC-6BD5-4105-82A4-7516B22A28F6}"/>
+    <pc:docChg chg="undo custSel modSld sldOrd replTag">
+      <pc:chgData name="Ahmed Wahid (MiddleEast)" userId="25dae0fa-eb51-4ad2-93ca-2c111508eac5" providerId="ADAL" clId="{D91C64BC-6BD5-4105-82A4-7516B22A28F6}" dt="2024-03-09T08:17:44.162" v="311"/>
+      <pc:docMkLst>
+        <pc:docMk/>
+      </pc:docMkLst>
+      <pc:sldChg chg="mod modShow">
+        <pc:chgData name="Ahmed Wahid (MiddleEast)" userId="25dae0fa-eb51-4ad2-93ca-2c111508eac5" providerId="ADAL" clId="{D91C64BC-6BD5-4105-82A4-7516B22A28F6}" dt="2024-03-09T07:30:33.613" v="122" actId="729"/>
+        <pc:sldMkLst>
+          <pc:docMk/>
+          <pc:sldMk cId="2934266022" sldId="260"/>
+        </pc:sldMkLst>
+      </pc:sldChg>
+      <pc:sldChg chg="mod modShow">
+        <pc:chgData name="Ahmed Wahid (MiddleEast)" userId="25dae0fa-eb51-4ad2-93ca-2c111508eac5" providerId="ADAL" clId="{D91C64BC-6BD5-4105-82A4-7516B22A28F6}" dt="2024-03-09T07:39:52.128" v="208" actId="729"/>
+        <pc:sldMkLst>
+          <pc:docMk/>
+          <pc:sldMk cId="1979897575" sldId="262"/>
+        </pc:sldMkLst>
+      </pc:sldChg>
+      <pc:sldChg chg="mod modShow">
+        <pc:chgData name="Ahmed Wahid (MiddleEast)" userId="25dae0fa-eb51-4ad2-93ca-2c111508eac5" providerId="ADAL" clId="{D91C64BC-6BD5-4105-82A4-7516B22A28F6}" dt="2024-03-09T07:32:31.360" v="162" actId="729"/>
+        <pc:sldMkLst>
+          <pc:docMk/>
+          <pc:sldMk cId="2627071567" sldId="263"/>
+        </pc:sldMkLst>
+      </pc:sldChg>
+      <pc:sldChg chg="mod modShow">
+        <pc:chgData name="Ahmed Wahid (MiddleEast)" userId="25dae0fa-eb51-4ad2-93ca-2c111508eac5" providerId="ADAL" clId="{D91C64BC-6BD5-4105-82A4-7516B22A28F6}" dt="2024-03-09T07:32:34.024" v="164" actId="729"/>
+        <pc:sldMkLst>
+          <pc:docMk/>
+          <pc:sldMk cId="2431492044" sldId="264"/>
+        </pc:sldMkLst>
+      </pc:sldChg>
+      <pc:sldChg chg="mod modShow">
+        <pc:chgData name="Ahmed Wahid (MiddleEast)" userId="25dae0fa-eb51-4ad2-93ca-2c111508eac5" providerId="ADAL" clId="{D91C64BC-6BD5-4105-82A4-7516B22A28F6}" dt="2024-03-09T07:33:25.439" v="166" actId="729"/>
+        <pc:sldMkLst>
+          <pc:docMk/>
+          <pc:sldMk cId="3882644242" sldId="265"/>
+        </pc:sldMkLst>
+      </pc:sldChg>
+      <pc:sldChg chg="mod modShow">
+        <pc:chgData name="Ahmed Wahid (MiddleEast)" userId="25dae0fa-eb51-4ad2-93ca-2c111508eac5" providerId="ADAL" clId="{D91C64BC-6BD5-4105-82A4-7516B22A28F6}" dt="2024-03-09T07:39:03.092" v="206" actId="729"/>
+        <pc:sldMkLst>
+          <pc:docMk/>
+          <pc:sldMk cId="2786125826" sldId="267"/>
+        </pc:sldMkLst>
+      </pc:sldChg>
+      <pc:sldChg chg="modSp mod modNotesTx">
+        <pc:chgData name="Ahmed Wahid (MiddleEast)" userId="25dae0fa-eb51-4ad2-93ca-2c111508eac5" providerId="ADAL" clId="{D91C64BC-6BD5-4105-82A4-7516B22A28F6}" dt="2024-03-09T07:43:15.566" v="283"/>
+        <pc:sldMkLst>
+          <pc:docMk/>
+          <pc:sldMk cId="1556601753" sldId="270"/>
+        </pc:sldMkLst>
+        <pc:spChg chg="mod">
+          <ac:chgData name="Ahmed Wahid (MiddleEast)" userId="25dae0fa-eb51-4ad2-93ca-2c111508eac5" providerId="ADAL" clId="{D91C64BC-6BD5-4105-82A4-7516B22A28F6}" dt="2024-03-09T07:43:09.230" v="282" actId="21"/>
+          <ac:spMkLst>
+            <pc:docMk/>
+            <pc:sldMk cId="1556601753" sldId="270"/>
+            <ac:spMk id="3" creationId="{CFF2EAE9-CB25-4200-D826-5D963E2433EA}"/>
+          </ac:spMkLst>
+        </pc:spChg>
+      </pc:sldChg>
+      <pc:sldChg chg="modSp">
+        <pc:chgData name="Ahmed Wahid (MiddleEast)" userId="25dae0fa-eb51-4ad2-93ca-2c111508eac5" providerId="ADAL" clId="{D91C64BC-6BD5-4105-82A4-7516B22A28F6}" dt="2024-03-09T07:41:49.037" v="265" actId="20577"/>
+        <pc:sldMkLst>
+          <pc:docMk/>
+          <pc:sldMk cId="403051804" sldId="273"/>
+        </pc:sldMkLst>
+        <pc:graphicFrameChg chg="mod">
+          <ac:chgData name="Ahmed Wahid (MiddleEast)" userId="25dae0fa-eb51-4ad2-93ca-2c111508eac5" providerId="ADAL" clId="{D91C64BC-6BD5-4105-82A4-7516B22A28F6}" dt="2024-03-09T07:41:49.037" v="265" actId="20577"/>
+          <ac:graphicFrameMkLst>
+            <pc:docMk/>
+            <pc:sldMk cId="403051804" sldId="273"/>
+            <ac:graphicFrameMk id="5" creationId="{6EE35DA0-804C-D5A4-7773-4A3CA6001A94}"/>
+          </ac:graphicFrameMkLst>
+        </pc:graphicFrameChg>
+      </pc:sldChg>
+      <pc:sldChg chg="addSp delSp modSp mod ord setBg">
+        <pc:chgData name="Ahmed Wahid (MiddleEast)" userId="25dae0fa-eb51-4ad2-93ca-2c111508eac5" providerId="ADAL" clId="{D91C64BC-6BD5-4105-82A4-7516B22A28F6}" dt="2024-03-09T07:31:19.676" v="152" actId="26606"/>
+        <pc:sldMkLst>
+          <pc:docMk/>
+          <pc:sldMk cId="2648317420" sldId="278"/>
+        </pc:sldMkLst>
+        <pc:spChg chg="mod">
+          <ac:chgData name="Ahmed Wahid (MiddleEast)" userId="25dae0fa-eb51-4ad2-93ca-2c111508eac5" providerId="ADAL" clId="{D91C64BC-6BD5-4105-82A4-7516B22A28F6}" dt="2024-03-09T07:31:19.676" v="152" actId="26606"/>
+          <ac:spMkLst>
+            <pc:docMk/>
+            <pc:sldMk cId="2648317420" sldId="278"/>
+            <ac:spMk id="2" creationId="{31C0EBEE-77A1-4314-F147-590F5F746A74}"/>
+          </ac:spMkLst>
+        </pc:spChg>
+        <pc:spChg chg="add del mod">
+          <ac:chgData name="Ahmed Wahid (MiddleEast)" userId="25dae0fa-eb51-4ad2-93ca-2c111508eac5" providerId="ADAL" clId="{D91C64BC-6BD5-4105-82A4-7516B22A28F6}" dt="2024-03-09T07:31:19.676" v="152" actId="26606"/>
+          <ac:spMkLst>
+            <pc:docMk/>
+            <pc:sldMk cId="2648317420" sldId="278"/>
+            <ac:spMk id="3" creationId="{67FF8C00-1B86-37C8-DDFF-7DA56F25AE10}"/>
+          </ac:spMkLst>
+        </pc:spChg>
+        <pc:spChg chg="add del">
+          <ac:chgData name="Ahmed Wahid (MiddleEast)" userId="25dae0fa-eb51-4ad2-93ca-2c111508eac5" providerId="ADAL" clId="{D91C64BC-6BD5-4105-82A4-7516B22A28F6}" dt="2024-03-09T07:31:19.661" v="151" actId="26606"/>
+          <ac:spMkLst>
+            <pc:docMk/>
+            <pc:sldMk cId="2648317420" sldId="278"/>
+            <ac:spMk id="6" creationId="{B8B8D07F-F13E-443E-BA68-2D26672D76B9}"/>
+          </ac:spMkLst>
+        </pc:spChg>
+        <pc:spChg chg="add del">
+          <ac:chgData name="Ahmed Wahid (MiddleEast)" userId="25dae0fa-eb51-4ad2-93ca-2c111508eac5" providerId="ADAL" clId="{D91C64BC-6BD5-4105-82A4-7516B22A28F6}" dt="2024-03-09T07:31:19.661" v="151" actId="26606"/>
+          <ac:spMkLst>
+            <pc:docMk/>
+            <pc:sldMk cId="2648317420" sldId="278"/>
+            <ac:spMk id="8" creationId="{2813A4FA-24A5-41ED-A534-3807D1B2F344}"/>
+          </ac:spMkLst>
+        </pc:spChg>
+        <pc:spChg chg="add del">
+          <ac:chgData name="Ahmed Wahid (MiddleEast)" userId="25dae0fa-eb51-4ad2-93ca-2c111508eac5" providerId="ADAL" clId="{D91C64BC-6BD5-4105-82A4-7516B22A28F6}" dt="2024-03-09T07:29:00.814" v="108" actId="26606"/>
+          <ac:spMkLst>
+            <pc:docMk/>
+            <pc:sldMk cId="2648317420" sldId="278"/>
+            <ac:spMk id="9" creationId="{AE2B703B-46F9-481A-A605-82E2A828C4FA}"/>
+          </ac:spMkLst>
+        </pc:spChg>
+        <pc:spChg chg="add del">
+          <ac:chgData name="Ahmed Wahid (MiddleEast)" userId="25dae0fa-eb51-4ad2-93ca-2c111508eac5" providerId="ADAL" clId="{D91C64BC-6BD5-4105-82A4-7516B22A28F6}" dt="2024-03-09T07:31:19.661" v="151" actId="26606"/>
+          <ac:spMkLst>
+            <pc:docMk/>
+            <pc:sldMk cId="2648317420" sldId="278"/>
+            <ac:spMk id="10" creationId="{12609869-9E80-471B-A487-A53288E0E791}"/>
+          </ac:spMkLst>
+        </pc:spChg>
+        <pc:spChg chg="add del">
+          <ac:chgData name="Ahmed Wahid (MiddleEast)" userId="25dae0fa-eb51-4ad2-93ca-2c111508eac5" providerId="ADAL" clId="{D91C64BC-6BD5-4105-82A4-7516B22A28F6}" dt="2024-03-09T07:29:00.814" v="108" actId="26606"/>
+          <ac:spMkLst>
+            <pc:docMk/>
+            <pc:sldMk cId="2648317420" sldId="278"/>
+            <ac:spMk id="11" creationId="{F13BE4D7-0C3D-4906-B230-A1C5B4665CCF}"/>
+          </ac:spMkLst>
+        </pc:spChg>
+        <pc:spChg chg="add del">
+          <ac:chgData name="Ahmed Wahid (MiddleEast)" userId="25dae0fa-eb51-4ad2-93ca-2c111508eac5" providerId="ADAL" clId="{D91C64BC-6BD5-4105-82A4-7516B22A28F6}" dt="2024-03-09T07:31:19.661" v="151" actId="26606"/>
+          <ac:spMkLst>
+            <pc:docMk/>
+            <pc:sldMk cId="2648317420" sldId="278"/>
+            <ac:spMk id="12" creationId="{7004738A-9D34-43E8-97D2-CA0EED4F8BE0}"/>
+          </ac:spMkLst>
+        </pc:spChg>
+        <pc:spChg chg="add del">
+          <ac:chgData name="Ahmed Wahid (MiddleEast)" userId="25dae0fa-eb51-4ad2-93ca-2c111508eac5" providerId="ADAL" clId="{D91C64BC-6BD5-4105-82A4-7516B22A28F6}" dt="2024-03-09T07:29:03.401" v="110" actId="26606"/>
+          <ac:spMkLst>
+            <pc:docMk/>
+            <pc:sldMk cId="2648317420" sldId="278"/>
+            <ac:spMk id="13" creationId="{AAD0DBB9-1A4B-4391-81D4-CB19F9AB918A}"/>
+          </ac:spMkLst>
+        </pc:spChg>
+        <pc:spChg chg="add del">
+          <ac:chgData name="Ahmed Wahid (MiddleEast)" userId="25dae0fa-eb51-4ad2-93ca-2c111508eac5" providerId="ADAL" clId="{D91C64BC-6BD5-4105-82A4-7516B22A28F6}" dt="2024-03-09T07:29:03.401" v="110" actId="26606"/>
+          <ac:spMkLst>
+            <pc:docMk/>
+            <pc:sldMk cId="2648317420" sldId="278"/>
+            <ac:spMk id="14" creationId="{BACC6370-2D7E-4714-9D71-7542949D7D5D}"/>
+          </ac:spMkLst>
+        </pc:spChg>
+        <pc:spChg chg="add del">
+          <ac:chgData name="Ahmed Wahid (MiddleEast)" userId="25dae0fa-eb51-4ad2-93ca-2c111508eac5" providerId="ADAL" clId="{D91C64BC-6BD5-4105-82A4-7516B22A28F6}" dt="2024-03-09T07:29:03.401" v="110" actId="26606"/>
+          <ac:spMkLst>
+            <pc:docMk/>
+            <pc:sldMk cId="2648317420" sldId="278"/>
+            <ac:spMk id="15" creationId="{063BBA22-50EA-4C4D-BE05-F1CE4E63AA56}"/>
+          </ac:spMkLst>
+        </pc:spChg>
+        <pc:spChg chg="add del">
+          <ac:chgData name="Ahmed Wahid (MiddleEast)" userId="25dae0fa-eb51-4ad2-93ca-2c111508eac5" providerId="ADAL" clId="{D91C64BC-6BD5-4105-82A4-7516B22A28F6}" dt="2024-03-09T07:29:03.401" v="110" actId="26606"/>
+          <ac:spMkLst>
+            <pc:docMk/>
+            <pc:sldMk cId="2648317420" sldId="278"/>
+            <ac:spMk id="16" creationId="{F68B3F68-107C-434F-AA38-110D5EA91B85}"/>
+          </ac:spMkLst>
+        </pc:spChg>
+        <pc:spChg chg="add del">
+          <ac:chgData name="Ahmed Wahid (MiddleEast)" userId="25dae0fa-eb51-4ad2-93ca-2c111508eac5" providerId="ADAL" clId="{D91C64BC-6BD5-4105-82A4-7516B22A28F6}" dt="2024-03-09T07:31:19.661" v="151" actId="26606"/>
+          <ac:spMkLst>
+            <pc:docMk/>
+            <pc:sldMk cId="2648317420" sldId="278"/>
+            <ac:spMk id="18" creationId="{C3944F27-CA70-4E84-A51A-E6BF89558979}"/>
+          </ac:spMkLst>
+        </pc:spChg>
+        <pc:spChg chg="add">
+          <ac:chgData name="Ahmed Wahid (MiddleEast)" userId="25dae0fa-eb51-4ad2-93ca-2c111508eac5" providerId="ADAL" clId="{D91C64BC-6BD5-4105-82A4-7516B22A28F6}" dt="2024-03-09T07:31:19.676" v="152" actId="26606"/>
+          <ac:spMkLst>
+            <pc:docMk/>
+            <pc:sldMk cId="2648317420" sldId="278"/>
+            <ac:spMk id="20" creationId="{8D71EDA1-87BF-4D5D-AB79-F346FD19278A}"/>
+          </ac:spMkLst>
+        </pc:spChg>
+        <pc:spChg chg="add">
+          <ac:chgData name="Ahmed Wahid (MiddleEast)" userId="25dae0fa-eb51-4ad2-93ca-2c111508eac5" providerId="ADAL" clId="{D91C64BC-6BD5-4105-82A4-7516B22A28F6}" dt="2024-03-09T07:31:19.676" v="152" actId="26606"/>
+          <ac:spMkLst>
+            <pc:docMk/>
+            <pc:sldMk cId="2648317420" sldId="278"/>
+            <ac:spMk id="21" creationId="{09588DA8-065E-4F6F-8EFD-43104AB2E0CF}"/>
+          </ac:spMkLst>
+        </pc:spChg>
+        <pc:spChg chg="add">
+          <ac:chgData name="Ahmed Wahid (MiddleEast)" userId="25dae0fa-eb51-4ad2-93ca-2c111508eac5" providerId="ADAL" clId="{D91C64BC-6BD5-4105-82A4-7516B22A28F6}" dt="2024-03-09T07:31:19.676" v="152" actId="26606"/>
+          <ac:spMkLst>
+            <pc:docMk/>
+            <pc:sldMk cId="2648317420" sldId="278"/>
+            <ac:spMk id="22" creationId="{C4285719-470E-454C-AF62-8323075F1F5B}"/>
+          </ac:spMkLst>
+        </pc:spChg>
+        <pc:spChg chg="add">
+          <ac:chgData name="Ahmed Wahid (MiddleEast)" userId="25dae0fa-eb51-4ad2-93ca-2c111508eac5" providerId="ADAL" clId="{D91C64BC-6BD5-4105-82A4-7516B22A28F6}" dt="2024-03-09T07:31:19.676" v="152" actId="26606"/>
+          <ac:spMkLst>
+            <pc:docMk/>
+            <pc:sldMk cId="2648317420" sldId="278"/>
+            <ac:spMk id="23" creationId="{CD9FE4EF-C4D8-49A0-B2FF-81D8DB7D8A24}"/>
+          </ac:spMkLst>
+        </pc:spChg>
+        <pc:spChg chg="add">
+          <ac:chgData name="Ahmed Wahid (MiddleEast)" userId="25dae0fa-eb51-4ad2-93ca-2c111508eac5" providerId="ADAL" clId="{D91C64BC-6BD5-4105-82A4-7516B22A28F6}" dt="2024-03-09T07:31:19.676" v="152" actId="26606"/>
+          <ac:spMkLst>
+            <pc:docMk/>
+            <pc:sldMk cId="2648317420" sldId="278"/>
+            <ac:spMk id="24" creationId="{4300840D-0A0B-4512-BACA-B439D5B9C57C}"/>
+          </ac:spMkLst>
+        </pc:spChg>
+        <pc:spChg chg="add">
+          <ac:chgData name="Ahmed Wahid (MiddleEast)" userId="25dae0fa-eb51-4ad2-93ca-2c111508eac5" providerId="ADAL" clId="{D91C64BC-6BD5-4105-82A4-7516B22A28F6}" dt="2024-03-09T07:31:19.676" v="152" actId="26606"/>
+          <ac:spMkLst>
+            <pc:docMk/>
+            <pc:sldMk cId="2648317420" sldId="278"/>
+            <ac:spMk id="25" creationId="{D2B78728-A580-49A7-84F9-6EF6F583ADE0}"/>
+          </ac:spMkLst>
+        </pc:spChg>
+        <pc:spChg chg="add">
+          <ac:chgData name="Ahmed Wahid (MiddleEast)" userId="25dae0fa-eb51-4ad2-93ca-2c111508eac5" providerId="ADAL" clId="{D91C64BC-6BD5-4105-82A4-7516B22A28F6}" dt="2024-03-09T07:31:19.676" v="152" actId="26606"/>
+          <ac:spMkLst>
+            <pc:docMk/>
+            <pc:sldMk cId="2648317420" sldId="278"/>
+            <ac:spMk id="26" creationId="{38FAA1A1-D861-433F-88FA-1E9D6FD31D11}"/>
+          </ac:spMkLst>
+        </pc:spChg>
+        <pc:graphicFrameChg chg="add del">
+          <ac:chgData name="Ahmed Wahid (MiddleEast)" userId="25dae0fa-eb51-4ad2-93ca-2c111508eac5" providerId="ADAL" clId="{D91C64BC-6BD5-4105-82A4-7516B22A28F6}" dt="2024-03-09T07:29:00.814" v="108" actId="26606"/>
+          <ac:graphicFrameMkLst>
+            <pc:docMk/>
+            <pc:sldMk cId="2648317420" sldId="278"/>
+            <ac:graphicFrameMk id="5" creationId="{C6C29DE2-8ADD-7C50-81C1-882C049172A4}"/>
+          </ac:graphicFrameMkLst>
+        </pc:graphicFrameChg>
+        <pc:graphicFrameChg chg="add del">
+          <ac:chgData name="Ahmed Wahid (MiddleEast)" userId="25dae0fa-eb51-4ad2-93ca-2c111508eac5" providerId="ADAL" clId="{D91C64BC-6BD5-4105-82A4-7516B22A28F6}" dt="2024-03-09T07:29:03.401" v="110" actId="26606"/>
+          <ac:graphicFrameMkLst>
+            <pc:docMk/>
+            <pc:sldMk cId="2648317420" sldId="278"/>
+            <ac:graphicFrameMk id="17" creationId="{BCF25F81-E917-AB30-5622-85FEFC93C397}"/>
+          </ac:graphicFrameMkLst>
+        </pc:graphicFrameChg>
+        <pc:picChg chg="add del">
+          <ac:chgData name="Ahmed Wahid (MiddleEast)" userId="25dae0fa-eb51-4ad2-93ca-2c111508eac5" providerId="ADAL" clId="{D91C64BC-6BD5-4105-82A4-7516B22A28F6}" dt="2024-03-09T07:31:19.661" v="151" actId="26606"/>
+          <ac:picMkLst>
+            <pc:docMk/>
+            <pc:sldMk cId="2648317420" sldId="278"/>
+            <ac:picMk id="7" creationId="{B8EDB5C3-C523-12EB-C79F-11B18D28476E}"/>
+          </ac:picMkLst>
+        </pc:picChg>
+      </pc:sldChg>
+    </pc:docChg>
+  </pc:docChgLst>
   <pc:docChgLst>
     <pc:chgData name="Ahmed Wahid (MiddleEast)" userId="25dae0fa-eb51-4ad2-93ca-2c111508eac5" providerId="ADAL" clId="{2D1EAA8E-0CC3-4E50-99D8-E37C8E4BA196}"/>
     <pc:docChg chg="modSld">
@@ -5997,7 +6270,7 @@
 <dgm:dataModel xmlns:dgm="http://schemas.openxmlformats.org/drawingml/2006/diagram" xmlns:a="http://schemas.openxmlformats.org/drawingml/2006/main">
   <dgm:ptLst>
     <dgm:pt modelId="{FFA649A4-D667-4763-A85C-568A590B1167}" type="doc">
-      <dgm:prSet loTypeId="urn:microsoft.com/office/officeart/2008/layout/LinedList" loCatId="list" qsTypeId="urn:microsoft.com/office/officeart/2005/8/quickstyle/simple1" qsCatId="simple" csTypeId="urn:microsoft.com/office/officeart/2005/8/colors/accent1_2" csCatId="accent1"/>
+      <dgm:prSet loTypeId="urn:microsoft.com/office/officeart/2008/layout/LinedList" loCatId="list" qsTypeId="urn:microsoft.com/office/officeart/2005/8/quickstyle/simple1" qsCatId="simple" csTypeId="urn:microsoft.com/office/officeart/2005/8/colors/accent1_2" csCatId="accent1" phldr="1"/>
       <dgm:spPr/>
       <dgm:t>
         <a:bodyPr/>
@@ -6015,8 +6288,8 @@
         <a:lstStyle/>
         <a:p>
           <a:r>
-            <a:rPr lang="en-US"/>
-            <a:t>Introduction to Storage Accounts</a:t>
+            <a:rPr lang="en-US" dirty="0"/>
+            <a:t>Introduction to Storage</a:t>
           </a:r>
         </a:p>
       </dgm:t>
@@ -6051,9 +6324,14 @@
         <a:lstStyle/>
         <a:p>
           <a:r>
-            <a:rPr lang="en-US"/>
-            <a:t>Storage Account Types</a:t>
+            <a:rPr lang="en-US" dirty="0"/>
+            <a:t>Azure</a:t>
           </a:r>
+          <a:r>
+            <a:rPr lang="en-US" baseline="0" dirty="0"/>
+            <a:t> storage Accounts</a:t>
+          </a:r>
+          <a:endParaRPr lang="en-US" dirty="0"/>
         </a:p>
       </dgm:t>
     </dgm:pt>
@@ -6123,8 +6401,8 @@
         <a:lstStyle/>
         <a:p>
           <a:r>
-            <a:rPr lang="en-US"/>
-            <a:t>Replication Types and Redundancy</a:t>
+            <a:rPr lang="en-US" dirty="0"/>
+            <a:t>Azure Storage Services</a:t>
           </a:r>
         </a:p>
       </dgm:t>
@@ -6159,8 +6437,8 @@
         <a:lstStyle/>
         <a:p>
           <a:r>
-            <a:rPr lang="en-US"/>
-            <a:t>Azure Storage Services</a:t>
+            <a:rPr lang="en-US" dirty="0"/>
+            <a:t>Azure Blob Storage</a:t>
           </a:r>
         </a:p>
       </dgm:t>
@@ -6195,8 +6473,8 @@
         <a:lstStyle/>
         <a:p>
           <a:r>
-            <a:rPr lang="en-US"/>
-            <a:t>Azure Blob Storage and Main Blob Operations</a:t>
+            <a:rPr lang="en-US" dirty="0"/>
+            <a:t>Azure File Shares</a:t>
           </a:r>
         </a:p>
       </dgm:t>
@@ -6231,8 +6509,8 @@
         <a:lstStyle/>
         <a:p>
           <a:r>
-            <a:rPr lang="en-US"/>
-            <a:t>Azure File Shares and Azure File Sync</a:t>
+            <a:rPr lang="en-US" dirty="0"/>
+            <a:t>Azure File Sync</a:t>
           </a:r>
         </a:p>
       </dgm:t>
@@ -9013,8 +9291,8 @@
             <a:buNone/>
           </a:pPr>
           <a:r>
-            <a:rPr lang="en-US" sz="2500" kern="1200"/>
-            <a:t>Introduction to Storage Accounts</a:t>
+            <a:rPr lang="en-US" sz="2500" kern="1200" dirty="0"/>
+            <a:t>Introduction to Storage</a:t>
           </a:r>
         </a:p>
       </dsp:txBody>
@@ -9123,9 +9401,14 @@
             <a:buNone/>
           </a:pPr>
           <a:r>
-            <a:rPr lang="en-US" sz="2500" kern="1200"/>
-            <a:t>Storage Account Types</a:t>
+            <a:rPr lang="en-US" sz="2500" kern="1200" dirty="0"/>
+            <a:t>Azure</a:t>
           </a:r>
+          <a:r>
+            <a:rPr lang="en-US" sz="2500" kern="1200" baseline="0" dirty="0"/>
+            <a:t> storage Accounts</a:t>
+          </a:r>
+          <a:endParaRPr lang="en-US" sz="2500" kern="1200" dirty="0"/>
         </a:p>
       </dsp:txBody>
       <dsp:txXfrm>
@@ -9343,8 +9626,8 @@
             <a:buNone/>
           </a:pPr>
           <a:r>
-            <a:rPr lang="en-US" sz="2500" kern="1200"/>
-            <a:t>Replication Types and Redundancy</a:t>
+            <a:rPr lang="en-US" sz="2500" kern="1200" dirty="0"/>
+            <a:t>Azure Storage Services</a:t>
           </a:r>
         </a:p>
       </dsp:txBody>
@@ -9453,8 +9736,8 @@
             <a:buNone/>
           </a:pPr>
           <a:r>
-            <a:rPr lang="en-US" sz="2500" kern="1200"/>
-            <a:t>Azure Storage Services</a:t>
+            <a:rPr lang="en-US" sz="2500" kern="1200" dirty="0"/>
+            <a:t>Azure Blob Storage</a:t>
           </a:r>
         </a:p>
       </dsp:txBody>
@@ -9563,8 +9846,8 @@
             <a:buNone/>
           </a:pPr>
           <a:r>
-            <a:rPr lang="en-US" sz="2500" kern="1200"/>
-            <a:t>Azure Blob Storage and Main Blob Operations</a:t>
+            <a:rPr lang="en-US" sz="2500" kern="1200" dirty="0"/>
+            <a:t>Azure File Shares</a:t>
           </a:r>
         </a:p>
       </dsp:txBody>
@@ -9673,8 +9956,8 @@
             <a:buNone/>
           </a:pPr>
           <a:r>
-            <a:rPr lang="en-US" sz="2500" kern="1200"/>
-            <a:t>Azure File Shares and Azure File Sync</a:t>
+            <a:rPr lang="en-US" sz="2500" kern="1200" dirty="0"/>
+            <a:t>Azure File Sync</a:t>
           </a:r>
         </a:p>
       </dsp:txBody>
@@ -22551,7 +22834,7 @@
           <a:p>
             <a:fld id="{06EBFB4E-B8AD-4D08-A1C8-89D579E03326}" type="datetimeFigureOut">
               <a:rPr lang="en-US" smtClean="0"/>
-              <a:t>3/8/2024</a:t>
+              <a:t>3/9/2024</a:t>
             </a:fld>
             <a:endParaRPr lang="en-US"/>
           </a:p>
@@ -22818,6 +23101,111 @@
 </p:notesMaster>
 </file>
 
+<file path=ppt/notesSlides/notesSlide1.xml><?xml version="1.0" encoding="utf-8"?>
+<p:notes xmlns:a="http://schemas.openxmlformats.org/drawingml/2006/main" xmlns:r="http://schemas.openxmlformats.org/officeDocument/2006/relationships" xmlns:p="http://schemas.openxmlformats.org/presentationml/2006/main">
+  <p:cSld>
+    <p:spTree>
+      <p:nvGrpSpPr>
+        <p:cNvPr id="1" name=""/>
+        <p:cNvGrpSpPr/>
+        <p:nvPr/>
+      </p:nvGrpSpPr>
+      <p:grpSpPr>
+        <a:xfrm>
+          <a:off x="0" y="0"/>
+          <a:ext cx="0" cy="0"/>
+          <a:chOff x="0" y="0"/>
+          <a:chExt cx="0" cy="0"/>
+        </a:xfrm>
+      </p:grpSpPr>
+      <p:sp>
+        <p:nvSpPr>
+          <p:cNvPr id="2" name="Slide Image Placeholder 1"/>
+          <p:cNvSpPr>
+            <a:spLocks noGrp="1" noRot="1" noChangeAspect="1"/>
+          </p:cNvSpPr>
+          <p:nvPr>
+            <p:ph type="sldImg"/>
+          </p:nvPr>
+        </p:nvSpPr>
+        <p:spPr/>
+      </p:sp>
+      <p:sp>
+        <p:nvSpPr>
+          <p:cNvPr id="3" name="Notes Placeholder 2"/>
+          <p:cNvSpPr>
+            <a:spLocks noGrp="1"/>
+          </p:cNvSpPr>
+          <p:nvPr>
+            <p:ph type="body" idx="1"/>
+          </p:nvPr>
+        </p:nvSpPr>
+        <p:spPr/>
+        <p:txBody>
+          <a:bodyPr/>
+          <a:lstStyle/>
+          <a:p>
+            <a:pPr marL="0" indent="0">
+              <a:buNone/>
+            </a:pPr>
+            <a:r>
+              <a:rPr lang="en-US" sz="1200" b="1" dirty="0"/>
+              <a:t>Azure Import/Export Service</a:t>
+            </a:r>
+          </a:p>
+          <a:p>
+            <a:r>
+              <a:rPr lang="en-US" sz="1200" dirty="0"/>
+              <a:t>This is used for copying large amounts of data to Azure Blob storage and Azure Files.</a:t>
+            </a:r>
+          </a:p>
+          <a:p>
+            <a:r>
+              <a:rPr lang="en-US" sz="1200" dirty="0"/>
+              <a:t>You can also transfer data from Azure Blob storage to your on-premises environment.</a:t>
+            </a:r>
+          </a:p>
+          <a:p>
+            <a:endParaRPr lang="en-US" dirty="0"/>
+          </a:p>
+        </p:txBody>
+      </p:sp>
+      <p:sp>
+        <p:nvSpPr>
+          <p:cNvPr id="4" name="Slide Number Placeholder 3"/>
+          <p:cNvSpPr>
+            <a:spLocks noGrp="1"/>
+          </p:cNvSpPr>
+          <p:nvPr>
+            <p:ph type="sldNum" sz="quarter" idx="5"/>
+          </p:nvPr>
+        </p:nvSpPr>
+        <p:spPr/>
+        <p:txBody>
+          <a:bodyPr/>
+          <a:lstStyle/>
+          <a:p>
+            <a:fld id="{38D4B46F-A144-4D79-9E30-2F7E4924D627}" type="slidenum">
+              <a:rPr lang="en-US" smtClean="0"/>
+              <a:t>19</a:t>
+            </a:fld>
+            <a:endParaRPr lang="en-US"/>
+          </a:p>
+        </p:txBody>
+      </p:sp>
+    </p:spTree>
+    <p:extLst>
+      <p:ext uri="{BB962C8B-B14F-4D97-AF65-F5344CB8AC3E}">
+        <p14:creationId xmlns:p14="http://schemas.microsoft.com/office/powerpoint/2010/main" val="100661234"/>
+      </p:ext>
+    </p:extLst>
+  </p:cSld>
+  <p:clrMapOvr>
+    <a:masterClrMapping/>
+  </p:clrMapOvr>
+</p:notes>
+</file>
+
 <file path=ppt/slideLayouts/slideLayout1.xml><?xml version="1.0" encoding="utf-8"?>
 <p:sldLayout xmlns:a="http://schemas.openxmlformats.org/drawingml/2006/main" xmlns:r="http://schemas.openxmlformats.org/officeDocument/2006/relationships" xmlns:p="http://schemas.openxmlformats.org/presentationml/2006/main" type="title" preserve="1">
   <p:cSld name="Title Slide">
@@ -22965,7 +23353,7 @@
           <a:p>
             <a:fld id="{DE15A806-C073-41F7-8295-7A750FB003E5}" type="datetimeFigureOut">
               <a:rPr lang="en-US" smtClean="0"/>
-              <a:t>3/8/2024</a:t>
+              <a:t>3/9/2024</a:t>
             </a:fld>
             <a:endParaRPr lang="en-US"/>
           </a:p>
@@ -23163,7 +23551,7 @@
           <a:p>
             <a:fld id="{DE15A806-C073-41F7-8295-7A750FB003E5}" type="datetimeFigureOut">
               <a:rPr lang="en-US" smtClean="0"/>
-              <a:t>3/8/2024</a:t>
+              <a:t>3/9/2024</a:t>
             </a:fld>
             <a:endParaRPr lang="en-US"/>
           </a:p>
@@ -23371,7 +23759,7 @@
           <a:p>
             <a:fld id="{DE15A806-C073-41F7-8295-7A750FB003E5}" type="datetimeFigureOut">
               <a:rPr lang="en-US" smtClean="0"/>
-              <a:t>3/8/2024</a:t>
+              <a:t>3/9/2024</a:t>
             </a:fld>
             <a:endParaRPr lang="en-US"/>
           </a:p>
@@ -23569,7 +23957,7 @@
           <a:p>
             <a:fld id="{DE15A806-C073-41F7-8295-7A750FB003E5}" type="datetimeFigureOut">
               <a:rPr lang="en-US" smtClean="0"/>
-              <a:t>3/8/2024</a:t>
+              <a:t>3/9/2024</a:t>
             </a:fld>
             <a:endParaRPr lang="en-US"/>
           </a:p>
@@ -23844,7 +24232,7 @@
           <a:p>
             <a:fld id="{DE15A806-C073-41F7-8295-7A750FB003E5}" type="datetimeFigureOut">
               <a:rPr lang="en-US" smtClean="0"/>
-              <a:t>3/8/2024</a:t>
+              <a:t>3/9/2024</a:t>
             </a:fld>
             <a:endParaRPr lang="en-US"/>
           </a:p>
@@ -24109,7 +24497,7 @@
           <a:p>
             <a:fld id="{DE15A806-C073-41F7-8295-7A750FB003E5}" type="datetimeFigureOut">
               <a:rPr lang="en-US" smtClean="0"/>
-              <a:t>3/8/2024</a:t>
+              <a:t>3/9/2024</a:t>
             </a:fld>
             <a:endParaRPr lang="en-US"/>
           </a:p>
@@ -24521,7 +24909,7 @@
           <a:p>
             <a:fld id="{DE15A806-C073-41F7-8295-7A750FB003E5}" type="datetimeFigureOut">
               <a:rPr lang="en-US" smtClean="0"/>
-              <a:t>3/8/2024</a:t>
+              <a:t>3/9/2024</a:t>
             </a:fld>
             <a:endParaRPr lang="en-US"/>
           </a:p>
@@ -24662,7 +25050,7 @@
           <a:p>
             <a:fld id="{DE15A806-C073-41F7-8295-7A750FB003E5}" type="datetimeFigureOut">
               <a:rPr lang="en-US" smtClean="0"/>
-              <a:t>3/8/2024</a:t>
+              <a:t>3/9/2024</a:t>
             </a:fld>
             <a:endParaRPr lang="en-US"/>
           </a:p>
@@ -24775,7 +25163,7 @@
           <a:p>
             <a:fld id="{DE15A806-C073-41F7-8295-7A750FB003E5}" type="datetimeFigureOut">
               <a:rPr lang="en-US" smtClean="0"/>
-              <a:t>3/8/2024</a:t>
+              <a:t>3/9/2024</a:t>
             </a:fld>
             <a:endParaRPr lang="en-US"/>
           </a:p>
@@ -25086,7 +25474,7 @@
           <a:p>
             <a:fld id="{DE15A806-C073-41F7-8295-7A750FB003E5}" type="datetimeFigureOut">
               <a:rPr lang="en-US" smtClean="0"/>
-              <a:t>3/8/2024</a:t>
+              <a:t>3/9/2024</a:t>
             </a:fld>
             <a:endParaRPr lang="en-US"/>
           </a:p>
@@ -25374,7 +25762,7 @@
           <a:p>
             <a:fld id="{DE15A806-C073-41F7-8295-7A750FB003E5}" type="datetimeFigureOut">
               <a:rPr lang="en-US" smtClean="0"/>
-              <a:t>3/8/2024</a:t>
+              <a:t>3/9/2024</a:t>
             </a:fld>
             <a:endParaRPr lang="en-US"/>
           </a:p>
@@ -25615,7 +26003,7 @@
           <a:p>
             <a:fld id="{DE15A806-C073-41F7-8295-7A750FB003E5}" type="datetimeFigureOut">
               <a:rPr lang="en-US" smtClean="0"/>
-              <a:t>3/8/2024</a:t>
+              <a:t>3/9/2024</a:t>
             </a:fld>
             <a:endParaRPr lang="en-US"/>
           </a:p>
@@ -26750,7 +27138,1479 @@
 </file>
 
 <file path=ppt/slides/slide10.xml><?xml version="1.0" encoding="utf-8"?>
-<p:sld xmlns:a="http://schemas.openxmlformats.org/drawingml/2006/main" xmlns:r="http://schemas.openxmlformats.org/officeDocument/2006/relationships" xmlns:p="http://schemas.openxmlformats.org/presentationml/2006/main">
+<p:sld xmlns:a="http://schemas.openxmlformats.org/drawingml/2006/main" xmlns:r="http://schemas.openxmlformats.org/officeDocument/2006/relationships" xmlns:p="http://schemas.openxmlformats.org/presentationml/2006/main" show="0">
+  <p:cSld>
+    <p:bg>
+      <p:bgPr>
+        <a:solidFill>
+          <a:schemeClr val="bg1"/>
+        </a:solidFill>
+        <a:effectLst/>
+      </p:bgPr>
+    </p:bg>
+    <p:spTree>
+      <p:nvGrpSpPr>
+        <p:cNvPr id="1" name=""/>
+        <p:cNvGrpSpPr/>
+        <p:nvPr/>
+      </p:nvGrpSpPr>
+      <p:grpSpPr>
+        <a:xfrm>
+          <a:off x="0" y="0"/>
+          <a:ext cx="0" cy="0"/>
+          <a:chOff x="0" y="0"/>
+          <a:chExt cx="0" cy="0"/>
+        </a:xfrm>
+      </p:grpSpPr>
+      <p:sp useBgFill="1">
+        <p:nvSpPr>
+          <p:cNvPr id="12" name="Rectangle 11">
+            <a:extLst>
+              <a:ext uri="{FF2B5EF4-FFF2-40B4-BE49-F238E27FC236}">
+                <a16:creationId xmlns:a16="http://schemas.microsoft.com/office/drawing/2014/main" id="{5D11FD0E-2D27-4A5A-949D-222E61ECBCC3}"/>
+              </a:ext>
+              <a:ext uri="{C183D7F6-B498-43B3-948B-1728B52AA6E4}">
+                <adec:decorative xmlns:adec="http://schemas.microsoft.com/office/drawing/2017/decorative" val="1"/>
+              </a:ext>
+            </a:extLst>
+          </p:cNvPr>
+          <p:cNvSpPr>
+            <a:spLocks noGrp="1" noRot="1" noChangeAspect="1" noMove="1" noResize="1" noEditPoints="1" noAdjustHandles="1" noChangeArrowheads="1" noChangeShapeType="1" noTextEdit="1"/>
+          </p:cNvSpPr>
+          <p:nvPr>
+            <p:extLst>
+              <p:ext uri="{386F3935-93C4-4BCD-93E2-E3B085C9AB24}">
+                <p16:designElem xmlns:p16="http://schemas.microsoft.com/office/powerpoint/2015/main" val="1"/>
+              </p:ext>
+            </p:extLst>
+          </p:nvPr>
+        </p:nvSpPr>
+        <p:spPr>
+          <a:xfrm>
+            <a:off x="0" y="0"/>
+            <a:ext cx="12188952" cy="6858000"/>
+          </a:xfrm>
+          <a:prstGeom prst="rect">
+            <a:avLst/>
+          </a:prstGeom>
+          <a:ln>
+            <a:noFill/>
+          </a:ln>
+        </p:spPr>
+        <p:style>
+          <a:lnRef idx="2">
+            <a:schemeClr val="accent1">
+              <a:shade val="50000"/>
+            </a:schemeClr>
+          </a:lnRef>
+          <a:fillRef idx="1">
+            <a:schemeClr val="accent1"/>
+          </a:fillRef>
+          <a:effectRef idx="0">
+            <a:schemeClr val="accent1"/>
+          </a:effectRef>
+          <a:fontRef idx="minor">
+            <a:schemeClr val="lt1"/>
+          </a:fontRef>
+        </p:style>
+        <p:txBody>
+          <a:bodyPr rtlCol="0" anchor="ctr"/>
+          <a:lstStyle/>
+          <a:p>
+            <a:pPr algn="ctr"/>
+            <a:endParaRPr lang="en-US"/>
+          </a:p>
+        </p:txBody>
+      </p:sp>
+      <p:sp>
+        <p:nvSpPr>
+          <p:cNvPr id="14" name="Freeform: Shape 13">
+            <a:extLst>
+              <a:ext uri="{FF2B5EF4-FFF2-40B4-BE49-F238E27FC236}">
+                <a16:creationId xmlns:a16="http://schemas.microsoft.com/office/drawing/2014/main" id="{1BC8109F-B452-45EE-8BB3-65433C039601}"/>
+              </a:ext>
+              <a:ext uri="{C183D7F6-B498-43B3-948B-1728B52AA6E4}">
+                <adec:decorative xmlns:adec="http://schemas.microsoft.com/office/drawing/2017/decorative" val="1"/>
+              </a:ext>
+            </a:extLst>
+          </p:cNvPr>
+          <p:cNvSpPr>
+            <a:spLocks noGrp="1" noRot="1" noChangeAspect="1" noMove="1" noResize="1" noEditPoints="1" noAdjustHandles="1" noChangeArrowheads="1" noChangeShapeType="1" noTextEdit="1"/>
+          </p:cNvSpPr>
+          <p:nvPr>
+            <p:extLst>
+              <p:ext uri="{386F3935-93C4-4BCD-93E2-E3B085C9AB24}">
+                <p16:designElem xmlns:p16="http://schemas.microsoft.com/office/powerpoint/2015/main" val="1"/>
+              </p:ext>
+            </p:extLst>
+          </p:nvPr>
+        </p:nvSpPr>
+        <p:spPr>
+          <a:xfrm>
+            <a:off x="1768100" y="-1"/>
+            <a:ext cx="10423900" cy="5920155"/>
+          </a:xfrm>
+          <a:custGeom>
+            <a:avLst/>
+            <a:gdLst>
+              <a:gd name="connsiteX0" fmla="*/ 10423900 w 10423900"/>
+              <a:gd name="connsiteY0" fmla="*/ 0 h 5491534"/>
+              <a:gd name="connsiteX1" fmla="*/ 3493157 w 10423900"/>
+              <a:gd name="connsiteY1" fmla="*/ 0 h 5491534"/>
+              <a:gd name="connsiteX2" fmla="*/ 3493018 w 10423900"/>
+              <a:gd name="connsiteY2" fmla="*/ 31 h 5491534"/>
+              <a:gd name="connsiteX3" fmla="*/ 3245493 w 10423900"/>
+              <a:gd name="connsiteY3" fmla="*/ 104839 h 5491534"/>
+              <a:gd name="connsiteX4" fmla="*/ 4434802 w 10423900"/>
+              <a:gd name="connsiteY4" fmla="*/ 284558 h 5491534"/>
+              <a:gd name="connsiteX5" fmla="*/ 4011937 w 10423900"/>
+              <a:gd name="connsiteY5" fmla="*/ 395559 h 5491534"/>
+              <a:gd name="connsiteX6" fmla="*/ 3573213 w 10423900"/>
+              <a:gd name="connsiteY6" fmla="*/ 474847 h 5491534"/>
+              <a:gd name="connsiteX7" fmla="*/ 3097489 w 10423900"/>
+              <a:gd name="connsiteY7" fmla="*/ 532990 h 5491534"/>
+              <a:gd name="connsiteX8" fmla="*/ 2664052 w 10423900"/>
+              <a:gd name="connsiteY8" fmla="*/ 649279 h 5491534"/>
+              <a:gd name="connsiteX9" fmla="*/ 3795218 w 10423900"/>
+              <a:gd name="connsiteY9" fmla="*/ 696852 h 5491534"/>
+              <a:gd name="connsiteX10" fmla="*/ 3208492 w 10423900"/>
+              <a:gd name="connsiteY10" fmla="*/ 802568 h 5491534"/>
+              <a:gd name="connsiteX11" fmla="*/ 2727483 w 10423900"/>
+              <a:gd name="connsiteY11" fmla="*/ 939999 h 5491534"/>
+              <a:gd name="connsiteX12" fmla="*/ 2389190 w 10423900"/>
+              <a:gd name="connsiteY12" fmla="*/ 1003429 h 5491534"/>
+              <a:gd name="connsiteX13" fmla="*/ 2029754 w 10423900"/>
+              <a:gd name="connsiteY13" fmla="*/ 1019287 h 5491534"/>
+              <a:gd name="connsiteX14" fmla="*/ 1945181 w 10423900"/>
+              <a:gd name="connsiteY14" fmla="*/ 1119716 h 5491534"/>
+              <a:gd name="connsiteX15" fmla="*/ 2056184 w 10423900"/>
+              <a:gd name="connsiteY15" fmla="*/ 1225434 h 5491534"/>
+              <a:gd name="connsiteX16" fmla="*/ 2225329 w 10423900"/>
+              <a:gd name="connsiteY16" fmla="*/ 1236004 h 5491534"/>
+              <a:gd name="connsiteX17" fmla="*/ 3234920 w 10423900"/>
+              <a:gd name="connsiteY17" fmla="*/ 1262435 h 5491534"/>
+              <a:gd name="connsiteX18" fmla="*/ 0 w 10423900"/>
+              <a:gd name="connsiteY18" fmla="*/ 1495009 h 5491534"/>
+              <a:gd name="connsiteX19" fmla="*/ 438724 w 10423900"/>
+              <a:gd name="connsiteY19" fmla="*/ 1637728 h 5491534"/>
+              <a:gd name="connsiteX20" fmla="*/ 586726 w 10423900"/>
+              <a:gd name="connsiteY20" fmla="*/ 2028877 h 5491534"/>
+              <a:gd name="connsiteX21" fmla="*/ 1125878 w 10423900"/>
+              <a:gd name="connsiteY21" fmla="*/ 2250882 h 5491534"/>
+              <a:gd name="connsiteX22" fmla="*/ 1474744 w 10423900"/>
+              <a:gd name="connsiteY22" fmla="*/ 2330169 h 5491534"/>
+              <a:gd name="connsiteX23" fmla="*/ 2272901 w 10423900"/>
+              <a:gd name="connsiteY23" fmla="*/ 2446458 h 5491534"/>
+              <a:gd name="connsiteX24" fmla="*/ 2389190 w 10423900"/>
+              <a:gd name="connsiteY24" fmla="*/ 2636747 h 5491534"/>
+              <a:gd name="connsiteX25" fmla="*/ 2489621 w 10423900"/>
+              <a:gd name="connsiteY25" fmla="*/ 2848179 h 5491534"/>
+              <a:gd name="connsiteX26" fmla="*/ 2701053 w 10423900"/>
+              <a:gd name="connsiteY26" fmla="*/ 2985611 h 5491534"/>
+              <a:gd name="connsiteX27" fmla="*/ 1057165 w 10423900"/>
+              <a:gd name="connsiteY27" fmla="*/ 2964468 h 5491534"/>
+              <a:gd name="connsiteX28" fmla="*/ 2912485 w 10423900"/>
+              <a:gd name="connsiteY28" fmla="*/ 3408477 h 5491534"/>
+              <a:gd name="connsiteX29" fmla="*/ 2748626 w 10423900"/>
+              <a:gd name="connsiteY29" fmla="*/ 3582909 h 5491534"/>
+              <a:gd name="connsiteX30" fmla="*/ 3763503 w 10423900"/>
+              <a:gd name="connsiteY30" fmla="*/ 3820771 h 5491534"/>
+              <a:gd name="connsiteX31" fmla="*/ 3219063 w 10423900"/>
+              <a:gd name="connsiteY31" fmla="*/ 3847199 h 5491534"/>
+              <a:gd name="connsiteX32" fmla="*/ 6385269 w 10423900"/>
+              <a:gd name="connsiteY32" fmla="*/ 4840933 h 5491534"/>
+              <a:gd name="connsiteX33" fmla="*/ 10285854 w 10423900"/>
+              <a:gd name="connsiteY33" fmla="*/ 5471118 h 5491534"/>
+              <a:gd name="connsiteX34" fmla="*/ 10423900 w 10423900"/>
+              <a:gd name="connsiteY34" fmla="*/ 5491534 h 5491534"/>
+            </a:gdLst>
+            <a:ahLst/>
+            <a:cxnLst>
+              <a:cxn ang="0">
+                <a:pos x="connsiteX0" y="connsiteY0"/>
+              </a:cxn>
+              <a:cxn ang="0">
+                <a:pos x="connsiteX1" y="connsiteY1"/>
+              </a:cxn>
+              <a:cxn ang="0">
+                <a:pos x="connsiteX2" y="connsiteY2"/>
+              </a:cxn>
+              <a:cxn ang="0">
+                <a:pos x="connsiteX3" y="connsiteY3"/>
+              </a:cxn>
+              <a:cxn ang="0">
+                <a:pos x="connsiteX4" y="connsiteY4"/>
+              </a:cxn>
+              <a:cxn ang="0">
+                <a:pos x="connsiteX5" y="connsiteY5"/>
+              </a:cxn>
+              <a:cxn ang="0">
+                <a:pos x="connsiteX6" y="connsiteY6"/>
+              </a:cxn>
+              <a:cxn ang="0">
+                <a:pos x="connsiteX7" y="connsiteY7"/>
+              </a:cxn>
+              <a:cxn ang="0">
+                <a:pos x="connsiteX8" y="connsiteY8"/>
+              </a:cxn>
+              <a:cxn ang="0">
+                <a:pos x="connsiteX9" y="connsiteY9"/>
+              </a:cxn>
+              <a:cxn ang="0">
+                <a:pos x="connsiteX10" y="connsiteY10"/>
+              </a:cxn>
+              <a:cxn ang="0">
+                <a:pos x="connsiteX11" y="connsiteY11"/>
+              </a:cxn>
+              <a:cxn ang="0">
+                <a:pos x="connsiteX12" y="connsiteY12"/>
+              </a:cxn>
+              <a:cxn ang="0">
+                <a:pos x="connsiteX13" y="connsiteY13"/>
+              </a:cxn>
+              <a:cxn ang="0">
+                <a:pos x="connsiteX14" y="connsiteY14"/>
+              </a:cxn>
+              <a:cxn ang="0">
+                <a:pos x="connsiteX15" y="connsiteY15"/>
+              </a:cxn>
+              <a:cxn ang="0">
+                <a:pos x="connsiteX16" y="connsiteY16"/>
+              </a:cxn>
+              <a:cxn ang="0">
+                <a:pos x="connsiteX17" y="connsiteY17"/>
+              </a:cxn>
+              <a:cxn ang="0">
+                <a:pos x="connsiteX18" y="connsiteY18"/>
+              </a:cxn>
+              <a:cxn ang="0">
+                <a:pos x="connsiteX19" y="connsiteY19"/>
+              </a:cxn>
+              <a:cxn ang="0">
+                <a:pos x="connsiteX20" y="connsiteY20"/>
+              </a:cxn>
+              <a:cxn ang="0">
+                <a:pos x="connsiteX21" y="connsiteY21"/>
+              </a:cxn>
+              <a:cxn ang="0">
+                <a:pos x="connsiteX22" y="connsiteY22"/>
+              </a:cxn>
+              <a:cxn ang="0">
+                <a:pos x="connsiteX23" y="connsiteY23"/>
+              </a:cxn>
+              <a:cxn ang="0">
+                <a:pos x="connsiteX24" y="connsiteY24"/>
+              </a:cxn>
+              <a:cxn ang="0">
+                <a:pos x="connsiteX25" y="connsiteY25"/>
+              </a:cxn>
+              <a:cxn ang="0">
+                <a:pos x="connsiteX26" y="connsiteY26"/>
+              </a:cxn>
+              <a:cxn ang="0">
+                <a:pos x="connsiteX27" y="connsiteY27"/>
+              </a:cxn>
+              <a:cxn ang="0">
+                <a:pos x="connsiteX28" y="connsiteY28"/>
+              </a:cxn>
+              <a:cxn ang="0">
+                <a:pos x="connsiteX29" y="connsiteY29"/>
+              </a:cxn>
+              <a:cxn ang="0">
+                <a:pos x="connsiteX30" y="connsiteY30"/>
+              </a:cxn>
+              <a:cxn ang="0">
+                <a:pos x="connsiteX31" y="connsiteY31"/>
+              </a:cxn>
+              <a:cxn ang="0">
+                <a:pos x="connsiteX32" y="connsiteY32"/>
+              </a:cxn>
+              <a:cxn ang="0">
+                <a:pos x="connsiteX33" y="connsiteY33"/>
+              </a:cxn>
+              <a:cxn ang="0">
+                <a:pos x="connsiteX34" y="connsiteY34"/>
+              </a:cxn>
+            </a:cxnLst>
+            <a:rect l="l" t="t" r="r" b="b"/>
+            <a:pathLst>
+              <a:path w="10423900" h="5491534">
+                <a:moveTo>
+                  <a:pt x="10423900" y="0"/>
+                </a:moveTo>
+                <a:lnTo>
+                  <a:pt x="3493157" y="0"/>
+                </a:lnTo>
+                <a:lnTo>
+                  <a:pt x="3493018" y="31"/>
+                </a:lnTo>
+                <a:cubicBezTo>
+                  <a:pt x="3414969" y="12668"/>
+                  <a:pt x="3328744" y="21588"/>
+                  <a:pt x="3245493" y="104839"/>
+                </a:cubicBezTo>
+                <a:cubicBezTo>
+                  <a:pt x="3668357" y="162984"/>
+                  <a:pt x="4075366" y="51981"/>
+                  <a:pt x="4434802" y="284558"/>
+                </a:cubicBezTo>
+                <a:cubicBezTo>
+                  <a:pt x="4302656" y="400846"/>
+                  <a:pt x="4154654" y="374416"/>
+                  <a:pt x="4011937" y="395559"/>
+                </a:cubicBezTo>
+                <a:cubicBezTo>
+                  <a:pt x="3863934" y="416704"/>
+                  <a:pt x="3721217" y="453704"/>
+                  <a:pt x="3573213" y="474847"/>
+                </a:cubicBezTo>
+                <a:cubicBezTo>
+                  <a:pt x="3414639" y="501275"/>
+                  <a:pt x="3256063" y="506562"/>
+                  <a:pt x="3097489" y="532990"/>
+                </a:cubicBezTo>
+                <a:cubicBezTo>
+                  <a:pt x="2965345" y="554135"/>
+                  <a:pt x="2822627" y="517133"/>
+                  <a:pt x="2664052" y="649279"/>
+                </a:cubicBezTo>
+                <a:cubicBezTo>
+                  <a:pt x="3055203" y="744424"/>
+                  <a:pt x="3409352" y="601706"/>
+                  <a:pt x="3795218" y="696852"/>
+                </a:cubicBezTo>
+                <a:cubicBezTo>
+                  <a:pt x="3567928" y="781425"/>
+                  <a:pt x="3382924" y="754995"/>
+                  <a:pt x="3208492" y="802568"/>
+                </a:cubicBezTo>
+                <a:cubicBezTo>
+                  <a:pt x="3049916" y="850140"/>
+                  <a:pt x="2859627" y="797282"/>
+                  <a:pt x="2727483" y="939999"/>
+                </a:cubicBezTo>
+                <a:cubicBezTo>
+                  <a:pt x="2627052" y="1051000"/>
+                  <a:pt x="2521336" y="1066858"/>
+                  <a:pt x="2389190" y="1003429"/>
+                </a:cubicBezTo>
+                <a:cubicBezTo>
+                  <a:pt x="2272901" y="945284"/>
+                  <a:pt x="2146043" y="961142"/>
+                  <a:pt x="2029754" y="1019287"/>
+                </a:cubicBezTo>
+                <a:cubicBezTo>
+                  <a:pt x="1987468" y="1040430"/>
+                  <a:pt x="1945181" y="1066858"/>
+                  <a:pt x="1945181" y="1119716"/>
+                </a:cubicBezTo>
+                <a:cubicBezTo>
+                  <a:pt x="1945181" y="1193719"/>
+                  <a:pt x="1998039" y="1214862"/>
+                  <a:pt x="2056184" y="1225434"/>
+                </a:cubicBezTo>
+                <a:cubicBezTo>
+                  <a:pt x="2109042" y="1236004"/>
+                  <a:pt x="2172471" y="1246577"/>
+                  <a:pt x="2225329" y="1236004"/>
+                </a:cubicBezTo>
+                <a:cubicBezTo>
+                  <a:pt x="2563622" y="1177861"/>
+                  <a:pt x="2896629" y="1273005"/>
+                  <a:pt x="3234920" y="1262435"/>
+                </a:cubicBezTo>
+                <a:cubicBezTo>
+                  <a:pt x="2172471" y="1489724"/>
+                  <a:pt x="1099450" y="1415723"/>
+                  <a:pt x="0" y="1495009"/>
+                </a:cubicBezTo>
+                <a:cubicBezTo>
+                  <a:pt x="142717" y="1653583"/>
+                  <a:pt x="327721" y="1521439"/>
+                  <a:pt x="438724" y="1637728"/>
+                </a:cubicBezTo>
+                <a:cubicBezTo>
+                  <a:pt x="333006" y="1880875"/>
+                  <a:pt x="375293" y="2013020"/>
+                  <a:pt x="586726" y="2028877"/>
+                </a:cubicBezTo>
+                <a:cubicBezTo>
+                  <a:pt x="792873" y="2044734"/>
+                  <a:pt x="1014877" y="1960161"/>
+                  <a:pt x="1125878" y="2250882"/>
+                </a:cubicBezTo>
+                <a:cubicBezTo>
+                  <a:pt x="1157593" y="2340740"/>
+                  <a:pt x="1353170" y="2314312"/>
+                  <a:pt x="1474744" y="2330169"/>
+                </a:cubicBezTo>
+                <a:cubicBezTo>
+                  <a:pt x="1739034" y="2367170"/>
+                  <a:pt x="2019183" y="2330169"/>
+                  <a:pt x="2272901" y="2446458"/>
+                </a:cubicBezTo>
+                <a:cubicBezTo>
+                  <a:pt x="2373332" y="2488744"/>
+                  <a:pt x="2442048" y="2520459"/>
+                  <a:pt x="2389190" y="2636747"/>
+                </a:cubicBezTo>
+                <a:cubicBezTo>
+                  <a:pt x="2336332" y="2758321"/>
+                  <a:pt x="2405048" y="2800607"/>
+                  <a:pt x="2489621" y="2848179"/>
+                </a:cubicBezTo>
+                <a:cubicBezTo>
+                  <a:pt x="2553051" y="2885180"/>
+                  <a:pt x="2648195" y="2874609"/>
+                  <a:pt x="2701053" y="2985611"/>
+                </a:cubicBezTo>
+                <a:cubicBezTo>
+                  <a:pt x="2146043" y="2969753"/>
+                  <a:pt x="1606888" y="2879895"/>
+                  <a:pt x="1057165" y="2964468"/>
+                </a:cubicBezTo>
+                <a:cubicBezTo>
+                  <a:pt x="1659748" y="3175900"/>
+                  <a:pt x="2320474" y="3165328"/>
+                  <a:pt x="2912485" y="3408477"/>
+                </a:cubicBezTo>
+                <a:cubicBezTo>
+                  <a:pt x="2891342" y="3493050"/>
+                  <a:pt x="2753911" y="3456048"/>
+                  <a:pt x="2748626" y="3582909"/>
+                </a:cubicBezTo>
+                <a:cubicBezTo>
+                  <a:pt x="3060489" y="3715055"/>
+                  <a:pt x="3435782" y="3625195"/>
+                  <a:pt x="3763503" y="3820771"/>
+                </a:cubicBezTo>
+                <a:cubicBezTo>
+                  <a:pt x="3573213" y="3910629"/>
+                  <a:pt x="3398782" y="3762626"/>
+                  <a:pt x="3219063" y="3847199"/>
+                </a:cubicBezTo>
+                <a:cubicBezTo>
+                  <a:pt x="3277208" y="3974060"/>
+                  <a:pt x="5909545" y="4756360"/>
+                  <a:pt x="6385269" y="4840933"/>
+                </a:cubicBezTo>
+                <a:cubicBezTo>
+                  <a:pt x="7171204" y="4982659"/>
+                  <a:pt x="9157515" y="5302348"/>
+                  <a:pt x="10285854" y="5471118"/>
+                </a:cubicBezTo>
+                <a:lnTo>
+                  <a:pt x="10423900" y="5491534"/>
+                </a:lnTo>
+                <a:close/>
+              </a:path>
+            </a:pathLst>
+          </a:custGeom>
+          <a:solidFill>
+            <a:schemeClr val="bg2">
+              <a:alpha val="50000"/>
+            </a:schemeClr>
+          </a:solidFill>
+          <a:ln w="32707" cap="flat">
+            <a:noFill/>
+            <a:prstDash val="solid"/>
+            <a:miter/>
+          </a:ln>
+        </p:spPr>
+        <p:txBody>
+          <a:bodyPr wrap="square" rtlCol="0" anchor="ctr">
+            <a:noAutofit/>
+          </a:bodyPr>
+          <a:lstStyle/>
+          <a:p>
+            <a:pPr algn="ctr"/>
+            <a:endParaRPr lang="en-US"/>
+          </a:p>
+        </p:txBody>
+      </p:sp>
+      <p:sp>
+        <p:nvSpPr>
+          <p:cNvPr id="2" name="Title 1">
+            <a:extLst>
+              <a:ext uri="{FF2B5EF4-FFF2-40B4-BE49-F238E27FC236}">
+                <a16:creationId xmlns:a16="http://schemas.microsoft.com/office/drawing/2014/main" id="{9396B2AF-76B2-E40B-5AFA-EB3256828991}"/>
+              </a:ext>
+            </a:extLst>
+          </p:cNvPr>
+          <p:cNvSpPr>
+            <a:spLocks noGrp="1"/>
+          </p:cNvSpPr>
+          <p:nvPr>
+            <p:ph type="title"/>
+          </p:nvPr>
+        </p:nvSpPr>
+        <p:spPr>
+          <a:xfrm>
+            <a:off x="5991225" y="279400"/>
+            <a:ext cx="5362576" cy="1892300"/>
+          </a:xfrm>
+        </p:spPr>
+        <p:txBody>
+          <a:bodyPr>
+            <a:normAutofit/>
+          </a:bodyPr>
+          <a:lstStyle/>
+          <a:p>
+            <a:pPr algn="ctr"/>
+            <a:r>
+              <a:rPr lang="en-US" b="1" dirty="0"/>
+              <a:t>Storage Replication Types</a:t>
+            </a:r>
+          </a:p>
+        </p:txBody>
+      </p:sp>
+      <p:sp>
+        <p:nvSpPr>
+          <p:cNvPr id="3" name="Content Placeholder 2">
+            <a:extLst>
+              <a:ext uri="{FF2B5EF4-FFF2-40B4-BE49-F238E27FC236}">
+                <a16:creationId xmlns:a16="http://schemas.microsoft.com/office/drawing/2014/main" id="{918615C3-9E9E-5435-DDE9-CCAF1A6A0B64}"/>
+              </a:ext>
+            </a:extLst>
+          </p:cNvPr>
+          <p:cNvSpPr>
+            <a:spLocks/>
+          </p:cNvSpPr>
+          <p:nvPr/>
+        </p:nvSpPr>
+        <p:spPr>
+          <a:xfrm>
+            <a:off x="8657109" y="2028825"/>
+            <a:ext cx="3238480" cy="4148138"/>
+          </a:xfrm>
+          <a:prstGeom prst="rect">
+            <a:avLst/>
+          </a:prstGeom>
+        </p:spPr>
+        <p:txBody>
+          <a:bodyPr/>
+          <a:lstStyle/>
+          <a:p>
+            <a:pPr defTabSz="886968">
+              <a:spcAft>
+                <a:spcPts val="600"/>
+              </a:spcAft>
+            </a:pPr>
+            <a:endParaRPr lang="en-US" sz="1746" kern="1200" dirty="0">
+              <a:solidFill>
+                <a:srgbClr val="000000"/>
+              </a:solidFill>
+              <a:latin typeface="Segoe UI" panose="020B0502040204020203" pitchFamily="34" charset="0"/>
+              <a:ea typeface="+mn-ea"/>
+              <a:cs typeface="+mn-cs"/>
+            </a:endParaRPr>
+          </a:p>
+          <a:p>
+            <a:pPr marR="143744" algn="ctr" defTabSz="886968">
+              <a:spcAft>
+                <a:spcPts val="600"/>
+              </a:spcAft>
+            </a:pPr>
+            <a:r>
+              <a:rPr lang="en-US" sz="1746" b="1" kern="1200" dirty="0">
+                <a:solidFill>
+                  <a:schemeClr val="tx1"/>
+                </a:solidFill>
+                <a:latin typeface="Segoe UI" panose="020B0502040204020203" pitchFamily="34" charset="0"/>
+                <a:ea typeface="+mn-ea"/>
+                <a:cs typeface="+mn-cs"/>
+              </a:rPr>
+              <a:t>Geo-zone-redundant storage (GZRS)</a:t>
+            </a:r>
+            <a:endParaRPr lang="en-US" sz="1746" kern="1200" dirty="0">
+              <a:solidFill>
+                <a:srgbClr val="000000"/>
+              </a:solidFill>
+              <a:latin typeface="Calibri" panose="020F0502020204030204" pitchFamily="34" charset="0"/>
+              <a:ea typeface="+mn-ea"/>
+              <a:cs typeface="+mn-cs"/>
+            </a:endParaRPr>
+          </a:p>
+          <a:p>
+            <a:pPr algn="ctr" defTabSz="886968">
+              <a:spcAft>
+                <a:spcPts val="600"/>
+              </a:spcAft>
+            </a:pPr>
+            <a:r>
+              <a:rPr lang="en-US" sz="1746" kern="1200" dirty="0">
+                <a:solidFill>
+                  <a:srgbClr val="000000"/>
+                </a:solidFill>
+                <a:latin typeface="Calibri" panose="020F0502020204030204" pitchFamily="34" charset="0"/>
+                <a:ea typeface="+mn-ea"/>
+                <a:cs typeface="+mn-cs"/>
+              </a:rPr>
+              <a:t>(6 copies)</a:t>
+            </a:r>
+          </a:p>
+          <a:p>
+            <a:pPr marR="21427" algn="ctr" defTabSz="886968">
+              <a:spcAft>
+                <a:spcPts val="600"/>
+              </a:spcAft>
+            </a:pPr>
+            <a:r>
+              <a:rPr lang="en-US" sz="1746" kern="1200" dirty="0">
+                <a:solidFill>
+                  <a:schemeClr val="tx1"/>
+                </a:solidFill>
+                <a:latin typeface="Calibri" panose="020F0502020204030204" pitchFamily="34" charset="0"/>
+                <a:ea typeface="+mn-ea"/>
+                <a:cs typeface="+mn-cs"/>
+              </a:rPr>
+              <a:t>Here data is copied synchronously across three Azure availability zones in the primary region using ZRS. It then copies your data asynchronously to a single physical location in the secondary region. Within the secondary region, your data is copied synchronously three times using LRS.</a:t>
+            </a:r>
+            <a:endParaRPr lang="en-US" dirty="0"/>
+          </a:p>
+        </p:txBody>
+      </p:sp>
+      <p:sp>
+        <p:nvSpPr>
+          <p:cNvPr id="4" name="Content Placeholder 2">
+            <a:extLst>
+              <a:ext uri="{FF2B5EF4-FFF2-40B4-BE49-F238E27FC236}">
+                <a16:creationId xmlns:a16="http://schemas.microsoft.com/office/drawing/2014/main" id="{B6AF0EA4-B0D4-481D-D138-44D8DED98005}"/>
+              </a:ext>
+            </a:extLst>
+          </p:cNvPr>
+          <p:cNvSpPr txBox="1">
+            <a:spLocks/>
+          </p:cNvSpPr>
+          <p:nvPr/>
+        </p:nvSpPr>
+        <p:spPr>
+          <a:xfrm>
+            <a:off x="3466639" y="2028825"/>
+            <a:ext cx="2561109" cy="4148138"/>
+          </a:xfrm>
+          <a:prstGeom prst="rect">
+            <a:avLst/>
+          </a:prstGeom>
+        </p:spPr>
+        <p:txBody>
+          <a:bodyPr vert="horz" lIns="91440" tIns="45720" rIns="91440" bIns="45720" rtlCol="0">
+            <a:normAutofit/>
+          </a:bodyPr>
+          <a:lstStyle>
+            <a:lvl1pPr marL="228600" indent="-228600" algn="l" defTabSz="914400" rtl="0" eaLnBrk="1" latinLnBrk="0" hangingPunct="1">
+              <a:lnSpc>
+                <a:spcPct val="90000"/>
+              </a:lnSpc>
+              <a:spcBef>
+                <a:spcPts val="1000"/>
+              </a:spcBef>
+              <a:buFont typeface="Arial" panose="020B0604020202020204" pitchFamily="34" charset="0"/>
+              <a:buChar char="•"/>
+              <a:defRPr sz="2800" kern="1200">
+                <a:solidFill>
+                  <a:schemeClr val="tx1"/>
+                </a:solidFill>
+                <a:latin typeface="+mn-lt"/>
+                <a:ea typeface="+mn-ea"/>
+                <a:cs typeface="+mn-cs"/>
+              </a:defRPr>
+            </a:lvl1pPr>
+            <a:lvl2pPr marL="685800" indent="-228600" algn="l" defTabSz="914400" rtl="0" eaLnBrk="1" latinLnBrk="0" hangingPunct="1">
+              <a:lnSpc>
+                <a:spcPct val="90000"/>
+              </a:lnSpc>
+              <a:spcBef>
+                <a:spcPts val="500"/>
+              </a:spcBef>
+              <a:buFont typeface="Arial" panose="020B0604020202020204" pitchFamily="34" charset="0"/>
+              <a:buChar char="•"/>
+              <a:defRPr sz="2400" kern="1200">
+                <a:solidFill>
+                  <a:schemeClr val="tx1"/>
+                </a:solidFill>
+                <a:latin typeface="+mn-lt"/>
+                <a:ea typeface="+mn-ea"/>
+                <a:cs typeface="+mn-cs"/>
+              </a:defRPr>
+            </a:lvl2pPr>
+            <a:lvl3pPr marL="1143000" indent="-228600" algn="l" defTabSz="914400" rtl="0" eaLnBrk="1" latinLnBrk="0" hangingPunct="1">
+              <a:lnSpc>
+                <a:spcPct val="90000"/>
+              </a:lnSpc>
+              <a:spcBef>
+                <a:spcPts val="500"/>
+              </a:spcBef>
+              <a:buFont typeface="Arial" panose="020B0604020202020204" pitchFamily="34" charset="0"/>
+              <a:buChar char="•"/>
+              <a:defRPr sz="2000" kern="1200">
+                <a:solidFill>
+                  <a:schemeClr val="tx1"/>
+                </a:solidFill>
+                <a:latin typeface="+mn-lt"/>
+                <a:ea typeface="+mn-ea"/>
+                <a:cs typeface="+mn-cs"/>
+              </a:defRPr>
+            </a:lvl3pPr>
+            <a:lvl4pPr marL="1600200" indent="-228600" algn="l" defTabSz="914400" rtl="0" eaLnBrk="1" latinLnBrk="0" hangingPunct="1">
+              <a:lnSpc>
+                <a:spcPct val="90000"/>
+              </a:lnSpc>
+              <a:spcBef>
+                <a:spcPts val="500"/>
+              </a:spcBef>
+              <a:buFont typeface="Arial" panose="020B0604020202020204" pitchFamily="34" charset="0"/>
+              <a:buChar char="•"/>
+              <a:defRPr sz="1800" kern="1200">
+                <a:solidFill>
+                  <a:schemeClr val="tx1"/>
+                </a:solidFill>
+                <a:latin typeface="+mn-lt"/>
+                <a:ea typeface="+mn-ea"/>
+                <a:cs typeface="+mn-cs"/>
+              </a:defRPr>
+            </a:lvl4pPr>
+            <a:lvl5pPr marL="2057400" indent="-228600" algn="l" defTabSz="914400" rtl="0" eaLnBrk="1" latinLnBrk="0" hangingPunct="1">
+              <a:lnSpc>
+                <a:spcPct val="90000"/>
+              </a:lnSpc>
+              <a:spcBef>
+                <a:spcPts val="500"/>
+              </a:spcBef>
+              <a:buFont typeface="Arial" panose="020B0604020202020204" pitchFamily="34" charset="0"/>
+              <a:buChar char="•"/>
+              <a:defRPr sz="1800" kern="1200">
+                <a:solidFill>
+                  <a:schemeClr val="tx1"/>
+                </a:solidFill>
+                <a:latin typeface="+mn-lt"/>
+                <a:ea typeface="+mn-ea"/>
+                <a:cs typeface="+mn-cs"/>
+              </a:defRPr>
+            </a:lvl5pPr>
+            <a:lvl6pPr marL="2514600" indent="-228600" algn="l" defTabSz="914400" rtl="0" eaLnBrk="1" latinLnBrk="0" hangingPunct="1">
+              <a:lnSpc>
+                <a:spcPct val="90000"/>
+              </a:lnSpc>
+              <a:spcBef>
+                <a:spcPts val="500"/>
+              </a:spcBef>
+              <a:buFont typeface="Arial" panose="020B0604020202020204" pitchFamily="34" charset="0"/>
+              <a:buChar char="•"/>
+              <a:defRPr sz="1800" kern="1200">
+                <a:solidFill>
+                  <a:schemeClr val="tx1"/>
+                </a:solidFill>
+                <a:latin typeface="+mn-lt"/>
+                <a:ea typeface="+mn-ea"/>
+                <a:cs typeface="+mn-cs"/>
+              </a:defRPr>
+            </a:lvl6pPr>
+            <a:lvl7pPr marL="2971800" indent="-228600" algn="l" defTabSz="914400" rtl="0" eaLnBrk="1" latinLnBrk="0" hangingPunct="1">
+              <a:lnSpc>
+                <a:spcPct val="90000"/>
+              </a:lnSpc>
+              <a:spcBef>
+                <a:spcPts val="500"/>
+              </a:spcBef>
+              <a:buFont typeface="Arial" panose="020B0604020202020204" pitchFamily="34" charset="0"/>
+              <a:buChar char="•"/>
+              <a:defRPr sz="1800" kern="1200">
+                <a:solidFill>
+                  <a:schemeClr val="tx1"/>
+                </a:solidFill>
+                <a:latin typeface="+mn-lt"/>
+                <a:ea typeface="+mn-ea"/>
+                <a:cs typeface="+mn-cs"/>
+              </a:defRPr>
+            </a:lvl7pPr>
+            <a:lvl8pPr marL="3429000" indent="-228600" algn="l" defTabSz="914400" rtl="0" eaLnBrk="1" latinLnBrk="0" hangingPunct="1">
+              <a:lnSpc>
+                <a:spcPct val="90000"/>
+              </a:lnSpc>
+              <a:spcBef>
+                <a:spcPts val="500"/>
+              </a:spcBef>
+              <a:buFont typeface="Arial" panose="020B0604020202020204" pitchFamily="34" charset="0"/>
+              <a:buChar char="•"/>
+              <a:defRPr sz="1800" kern="1200">
+                <a:solidFill>
+                  <a:schemeClr val="tx1"/>
+                </a:solidFill>
+                <a:latin typeface="+mn-lt"/>
+                <a:ea typeface="+mn-ea"/>
+                <a:cs typeface="+mn-cs"/>
+              </a:defRPr>
+            </a:lvl8pPr>
+            <a:lvl9pPr marL="3886200" indent="-228600" algn="l" defTabSz="914400" rtl="0" eaLnBrk="1" latinLnBrk="0" hangingPunct="1">
+              <a:lnSpc>
+                <a:spcPct val="90000"/>
+              </a:lnSpc>
+              <a:spcBef>
+                <a:spcPts val="500"/>
+              </a:spcBef>
+              <a:buFont typeface="Arial" panose="020B0604020202020204" pitchFamily="34" charset="0"/>
+              <a:buChar char="•"/>
+              <a:defRPr sz="1800" kern="1200">
+                <a:solidFill>
+                  <a:schemeClr val="tx1"/>
+                </a:solidFill>
+                <a:latin typeface="+mn-lt"/>
+                <a:ea typeface="+mn-ea"/>
+                <a:cs typeface="+mn-cs"/>
+              </a:defRPr>
+            </a:lvl9pPr>
+          </a:lstStyle>
+          <a:p>
+            <a:pPr marL="221742" indent="-221742" defTabSz="886968">
+              <a:spcBef>
+                <a:spcPts val="970"/>
+              </a:spcBef>
+            </a:pPr>
+            <a:endParaRPr lang="en-US" sz="1746" kern="1200" dirty="0">
+              <a:solidFill>
+                <a:srgbClr val="000000"/>
+              </a:solidFill>
+              <a:latin typeface="Segoe UI" panose="020B0502040204020203" pitchFamily="34" charset="0"/>
+              <a:ea typeface="+mn-ea"/>
+              <a:cs typeface="+mn-cs"/>
+            </a:endParaRPr>
+          </a:p>
+          <a:p>
+            <a:pPr marL="0" marR="143744" indent="0" algn="ctr" defTabSz="886968">
+              <a:spcBef>
+                <a:spcPts val="970"/>
+              </a:spcBef>
+              <a:buNone/>
+            </a:pPr>
+            <a:r>
+              <a:rPr lang="en-US" sz="1746" b="1" kern="1200" dirty="0">
+                <a:solidFill>
+                  <a:schemeClr val="tx1"/>
+                </a:solidFill>
+                <a:latin typeface="Segoe UI" panose="020B0502040204020203" pitchFamily="34" charset="0"/>
+                <a:ea typeface="+mn-ea"/>
+                <a:cs typeface="+mn-cs"/>
+              </a:rPr>
+              <a:t>Zone-redundant storage (ZRS)</a:t>
+            </a:r>
+            <a:endParaRPr lang="en-US" sz="1746" kern="1200" dirty="0">
+              <a:solidFill>
+                <a:srgbClr val="000000"/>
+              </a:solidFill>
+              <a:latin typeface="Calibri" panose="020F0502020204030204" pitchFamily="34" charset="0"/>
+              <a:ea typeface="+mn-ea"/>
+              <a:cs typeface="+mn-cs"/>
+            </a:endParaRPr>
+          </a:p>
+          <a:p>
+            <a:pPr marL="0" indent="0" algn="ctr" defTabSz="886968">
+              <a:spcBef>
+                <a:spcPts val="970"/>
+              </a:spcBef>
+              <a:buNone/>
+            </a:pPr>
+            <a:r>
+              <a:rPr lang="en-US" sz="1746" dirty="0">
+                <a:solidFill>
+                  <a:srgbClr val="000000"/>
+                </a:solidFill>
+                <a:latin typeface="Calibri" panose="020F0502020204030204" pitchFamily="34" charset="0"/>
+              </a:rPr>
+              <a:t>(3 copies)</a:t>
+            </a:r>
+            <a:endParaRPr lang="en-US" sz="1746" kern="1200" dirty="0">
+              <a:solidFill>
+                <a:srgbClr val="000000"/>
+              </a:solidFill>
+              <a:latin typeface="Calibri" panose="020F0502020204030204" pitchFamily="34" charset="0"/>
+              <a:ea typeface="+mn-ea"/>
+              <a:cs typeface="+mn-cs"/>
+            </a:endParaRPr>
+          </a:p>
+          <a:p>
+            <a:pPr marL="0" marR="102645" indent="0" algn="ctr" defTabSz="886968">
+              <a:spcBef>
+                <a:spcPts val="970"/>
+              </a:spcBef>
+              <a:buNone/>
+            </a:pPr>
+            <a:r>
+              <a:rPr lang="en-US" sz="1746" kern="1200" dirty="0">
+                <a:solidFill>
+                  <a:schemeClr val="tx1"/>
+                </a:solidFill>
+                <a:latin typeface="Calibri" panose="020F0502020204030204" pitchFamily="34" charset="0"/>
+                <a:ea typeface="+mn-ea"/>
+                <a:cs typeface="+mn-cs"/>
+              </a:rPr>
+              <a:t>Here data is copied synchronously across three Azure availability zones in the primary region</a:t>
+            </a:r>
+            <a:endParaRPr lang="en-US" dirty="0"/>
+          </a:p>
+        </p:txBody>
+      </p:sp>
+      <p:sp>
+        <p:nvSpPr>
+          <p:cNvPr id="5" name="Content Placeholder 2">
+            <a:extLst>
+              <a:ext uri="{FF2B5EF4-FFF2-40B4-BE49-F238E27FC236}">
+                <a16:creationId xmlns:a16="http://schemas.microsoft.com/office/drawing/2014/main" id="{02E70E78-FFFA-F9DD-2903-A01042CA8CDC}"/>
+              </a:ext>
+            </a:extLst>
+          </p:cNvPr>
+          <p:cNvSpPr txBox="1">
+            <a:spLocks/>
+          </p:cNvSpPr>
+          <p:nvPr/>
+        </p:nvSpPr>
+        <p:spPr>
+          <a:xfrm>
+            <a:off x="6096000" y="2028825"/>
+            <a:ext cx="2561109" cy="4148138"/>
+          </a:xfrm>
+          <a:prstGeom prst="rect">
+            <a:avLst/>
+          </a:prstGeom>
+        </p:spPr>
+        <p:txBody>
+          <a:bodyPr vert="horz" lIns="91440" tIns="45720" rIns="91440" bIns="45720" rtlCol="0">
+            <a:normAutofit lnSpcReduction="10000"/>
+          </a:bodyPr>
+          <a:lstStyle>
+            <a:lvl1pPr marL="228600" indent="-228600" algn="l" defTabSz="914400" rtl="0" eaLnBrk="1" latinLnBrk="0" hangingPunct="1">
+              <a:lnSpc>
+                <a:spcPct val="90000"/>
+              </a:lnSpc>
+              <a:spcBef>
+                <a:spcPts val="1000"/>
+              </a:spcBef>
+              <a:buFont typeface="Arial" panose="020B0604020202020204" pitchFamily="34" charset="0"/>
+              <a:buChar char="•"/>
+              <a:defRPr sz="2800" kern="1200">
+                <a:solidFill>
+                  <a:schemeClr val="tx1"/>
+                </a:solidFill>
+                <a:latin typeface="+mn-lt"/>
+                <a:ea typeface="+mn-ea"/>
+                <a:cs typeface="+mn-cs"/>
+              </a:defRPr>
+            </a:lvl1pPr>
+            <a:lvl2pPr marL="685800" indent="-228600" algn="l" defTabSz="914400" rtl="0" eaLnBrk="1" latinLnBrk="0" hangingPunct="1">
+              <a:lnSpc>
+                <a:spcPct val="90000"/>
+              </a:lnSpc>
+              <a:spcBef>
+                <a:spcPts val="500"/>
+              </a:spcBef>
+              <a:buFont typeface="Arial" panose="020B0604020202020204" pitchFamily="34" charset="0"/>
+              <a:buChar char="•"/>
+              <a:defRPr sz="2400" kern="1200">
+                <a:solidFill>
+                  <a:schemeClr val="tx1"/>
+                </a:solidFill>
+                <a:latin typeface="+mn-lt"/>
+                <a:ea typeface="+mn-ea"/>
+                <a:cs typeface="+mn-cs"/>
+              </a:defRPr>
+            </a:lvl2pPr>
+            <a:lvl3pPr marL="1143000" indent="-228600" algn="l" defTabSz="914400" rtl="0" eaLnBrk="1" latinLnBrk="0" hangingPunct="1">
+              <a:lnSpc>
+                <a:spcPct val="90000"/>
+              </a:lnSpc>
+              <a:spcBef>
+                <a:spcPts val="500"/>
+              </a:spcBef>
+              <a:buFont typeface="Arial" panose="020B0604020202020204" pitchFamily="34" charset="0"/>
+              <a:buChar char="•"/>
+              <a:defRPr sz="2000" kern="1200">
+                <a:solidFill>
+                  <a:schemeClr val="tx1"/>
+                </a:solidFill>
+                <a:latin typeface="+mn-lt"/>
+                <a:ea typeface="+mn-ea"/>
+                <a:cs typeface="+mn-cs"/>
+              </a:defRPr>
+            </a:lvl3pPr>
+            <a:lvl4pPr marL="1600200" indent="-228600" algn="l" defTabSz="914400" rtl="0" eaLnBrk="1" latinLnBrk="0" hangingPunct="1">
+              <a:lnSpc>
+                <a:spcPct val="90000"/>
+              </a:lnSpc>
+              <a:spcBef>
+                <a:spcPts val="500"/>
+              </a:spcBef>
+              <a:buFont typeface="Arial" panose="020B0604020202020204" pitchFamily="34" charset="0"/>
+              <a:buChar char="•"/>
+              <a:defRPr sz="1800" kern="1200">
+                <a:solidFill>
+                  <a:schemeClr val="tx1"/>
+                </a:solidFill>
+                <a:latin typeface="+mn-lt"/>
+                <a:ea typeface="+mn-ea"/>
+                <a:cs typeface="+mn-cs"/>
+              </a:defRPr>
+            </a:lvl4pPr>
+            <a:lvl5pPr marL="2057400" indent="-228600" algn="l" defTabSz="914400" rtl="0" eaLnBrk="1" latinLnBrk="0" hangingPunct="1">
+              <a:lnSpc>
+                <a:spcPct val="90000"/>
+              </a:lnSpc>
+              <a:spcBef>
+                <a:spcPts val="500"/>
+              </a:spcBef>
+              <a:buFont typeface="Arial" panose="020B0604020202020204" pitchFamily="34" charset="0"/>
+              <a:buChar char="•"/>
+              <a:defRPr sz="1800" kern="1200">
+                <a:solidFill>
+                  <a:schemeClr val="tx1"/>
+                </a:solidFill>
+                <a:latin typeface="+mn-lt"/>
+                <a:ea typeface="+mn-ea"/>
+                <a:cs typeface="+mn-cs"/>
+              </a:defRPr>
+            </a:lvl5pPr>
+            <a:lvl6pPr marL="2514600" indent="-228600" algn="l" defTabSz="914400" rtl="0" eaLnBrk="1" latinLnBrk="0" hangingPunct="1">
+              <a:lnSpc>
+                <a:spcPct val="90000"/>
+              </a:lnSpc>
+              <a:spcBef>
+                <a:spcPts val="500"/>
+              </a:spcBef>
+              <a:buFont typeface="Arial" panose="020B0604020202020204" pitchFamily="34" charset="0"/>
+              <a:buChar char="•"/>
+              <a:defRPr sz="1800" kern="1200">
+                <a:solidFill>
+                  <a:schemeClr val="tx1"/>
+                </a:solidFill>
+                <a:latin typeface="+mn-lt"/>
+                <a:ea typeface="+mn-ea"/>
+                <a:cs typeface="+mn-cs"/>
+              </a:defRPr>
+            </a:lvl6pPr>
+            <a:lvl7pPr marL="2971800" indent="-228600" algn="l" defTabSz="914400" rtl="0" eaLnBrk="1" latinLnBrk="0" hangingPunct="1">
+              <a:lnSpc>
+                <a:spcPct val="90000"/>
+              </a:lnSpc>
+              <a:spcBef>
+                <a:spcPts val="500"/>
+              </a:spcBef>
+              <a:buFont typeface="Arial" panose="020B0604020202020204" pitchFamily="34" charset="0"/>
+              <a:buChar char="•"/>
+              <a:defRPr sz="1800" kern="1200">
+                <a:solidFill>
+                  <a:schemeClr val="tx1"/>
+                </a:solidFill>
+                <a:latin typeface="+mn-lt"/>
+                <a:ea typeface="+mn-ea"/>
+                <a:cs typeface="+mn-cs"/>
+              </a:defRPr>
+            </a:lvl7pPr>
+            <a:lvl8pPr marL="3429000" indent="-228600" algn="l" defTabSz="914400" rtl="0" eaLnBrk="1" latinLnBrk="0" hangingPunct="1">
+              <a:lnSpc>
+                <a:spcPct val="90000"/>
+              </a:lnSpc>
+              <a:spcBef>
+                <a:spcPts val="500"/>
+              </a:spcBef>
+              <a:buFont typeface="Arial" panose="020B0604020202020204" pitchFamily="34" charset="0"/>
+              <a:buChar char="•"/>
+              <a:defRPr sz="1800" kern="1200">
+                <a:solidFill>
+                  <a:schemeClr val="tx1"/>
+                </a:solidFill>
+                <a:latin typeface="+mn-lt"/>
+                <a:ea typeface="+mn-ea"/>
+                <a:cs typeface="+mn-cs"/>
+              </a:defRPr>
+            </a:lvl8pPr>
+            <a:lvl9pPr marL="3886200" indent="-228600" algn="l" defTabSz="914400" rtl="0" eaLnBrk="1" latinLnBrk="0" hangingPunct="1">
+              <a:lnSpc>
+                <a:spcPct val="90000"/>
+              </a:lnSpc>
+              <a:spcBef>
+                <a:spcPts val="500"/>
+              </a:spcBef>
+              <a:buFont typeface="Arial" panose="020B0604020202020204" pitchFamily="34" charset="0"/>
+              <a:buChar char="•"/>
+              <a:defRPr sz="1800" kern="1200">
+                <a:solidFill>
+                  <a:schemeClr val="tx1"/>
+                </a:solidFill>
+                <a:latin typeface="+mn-lt"/>
+                <a:ea typeface="+mn-ea"/>
+                <a:cs typeface="+mn-cs"/>
+              </a:defRPr>
+            </a:lvl9pPr>
+          </a:lstStyle>
+          <a:p>
+            <a:pPr marL="221742" indent="-221742" defTabSz="886968">
+              <a:spcBef>
+                <a:spcPts val="970"/>
+              </a:spcBef>
+            </a:pPr>
+            <a:endParaRPr lang="en-US" sz="1746" kern="1200" dirty="0">
+              <a:solidFill>
+                <a:srgbClr val="000000"/>
+              </a:solidFill>
+              <a:latin typeface="Segoe UI" panose="020B0502040204020203" pitchFamily="34" charset="0"/>
+              <a:ea typeface="+mn-ea"/>
+              <a:cs typeface="+mn-cs"/>
+            </a:endParaRPr>
+          </a:p>
+          <a:p>
+            <a:pPr marL="0" marR="143744" indent="0" algn="ctr" defTabSz="886968">
+              <a:spcBef>
+                <a:spcPts val="970"/>
+              </a:spcBef>
+              <a:buNone/>
+            </a:pPr>
+            <a:r>
+              <a:rPr lang="en-US" sz="1746" b="1" kern="1200" dirty="0">
+                <a:solidFill>
+                  <a:schemeClr val="tx1"/>
+                </a:solidFill>
+                <a:latin typeface="Segoe UI" panose="020B0502040204020203" pitchFamily="34" charset="0"/>
+                <a:ea typeface="+mn-ea"/>
+                <a:cs typeface="+mn-cs"/>
+              </a:rPr>
+              <a:t>Geo-redundant storage (GRS)</a:t>
+            </a:r>
+            <a:endParaRPr lang="en-US" sz="1746" kern="1200" dirty="0">
+              <a:solidFill>
+                <a:srgbClr val="000000"/>
+              </a:solidFill>
+              <a:latin typeface="Calibri" panose="020F0502020204030204" pitchFamily="34" charset="0"/>
+              <a:ea typeface="+mn-ea"/>
+              <a:cs typeface="+mn-cs"/>
+            </a:endParaRPr>
+          </a:p>
+          <a:p>
+            <a:pPr marL="0" indent="0" algn="ctr" defTabSz="886968">
+              <a:spcBef>
+                <a:spcPts val="970"/>
+              </a:spcBef>
+              <a:buNone/>
+            </a:pPr>
+            <a:r>
+              <a:rPr lang="en-US" sz="1746" kern="1200" dirty="0">
+                <a:solidFill>
+                  <a:srgbClr val="000000"/>
+                </a:solidFill>
+                <a:latin typeface="Calibri" panose="020F0502020204030204" pitchFamily="34" charset="0"/>
+                <a:ea typeface="+mn-ea"/>
+                <a:cs typeface="+mn-cs"/>
+              </a:rPr>
+              <a:t>(6 copies)</a:t>
+            </a:r>
+          </a:p>
+          <a:p>
+            <a:pPr marL="0" marR="57657" indent="0" algn="ctr" defTabSz="886968">
+              <a:spcBef>
+                <a:spcPts val="970"/>
+              </a:spcBef>
+              <a:buNone/>
+            </a:pPr>
+            <a:r>
+              <a:rPr lang="en-US" sz="1746" kern="1200" dirty="0">
+                <a:solidFill>
+                  <a:schemeClr val="tx1"/>
+                </a:solidFill>
+                <a:latin typeface="Calibri" panose="020F0502020204030204" pitchFamily="34" charset="0"/>
+                <a:ea typeface="+mn-ea"/>
+                <a:cs typeface="+mn-cs"/>
+              </a:rPr>
+              <a:t>Here data is copied synchronously three times within a single physical location in the primary region using LRS. It then copies your data asynchronously to a single physical location in the secondary region. Within the secondary region, your data is copied synchronously three times using LRS.</a:t>
+            </a:r>
+            <a:endParaRPr lang="en-US" dirty="0"/>
+          </a:p>
+        </p:txBody>
+      </p:sp>
+      <p:sp>
+        <p:nvSpPr>
+          <p:cNvPr id="6" name="Content Placeholder 2">
+            <a:extLst>
+              <a:ext uri="{FF2B5EF4-FFF2-40B4-BE49-F238E27FC236}">
+                <a16:creationId xmlns:a16="http://schemas.microsoft.com/office/drawing/2014/main" id="{7FC173BA-BE8C-EAEC-E837-07BE47D0E00D}"/>
+              </a:ext>
+            </a:extLst>
+          </p:cNvPr>
+          <p:cNvSpPr txBox="1">
+            <a:spLocks/>
+          </p:cNvSpPr>
+          <p:nvPr/>
+        </p:nvSpPr>
+        <p:spPr>
+          <a:xfrm>
+            <a:off x="973782" y="2028825"/>
+            <a:ext cx="2561109" cy="4148138"/>
+          </a:xfrm>
+          <a:prstGeom prst="rect">
+            <a:avLst/>
+          </a:prstGeom>
+        </p:spPr>
+        <p:txBody>
+          <a:bodyPr vert="horz" lIns="91440" tIns="45720" rIns="91440" bIns="45720" rtlCol="0">
+            <a:normAutofit/>
+          </a:bodyPr>
+          <a:lstStyle>
+            <a:lvl1pPr marL="228600" indent="-228600" algn="l" defTabSz="914400" rtl="0" eaLnBrk="1" latinLnBrk="0" hangingPunct="1">
+              <a:lnSpc>
+                <a:spcPct val="90000"/>
+              </a:lnSpc>
+              <a:spcBef>
+                <a:spcPts val="1000"/>
+              </a:spcBef>
+              <a:buFont typeface="Arial" panose="020B0604020202020204" pitchFamily="34" charset="0"/>
+              <a:buChar char="•"/>
+              <a:defRPr sz="2800" kern="1200">
+                <a:solidFill>
+                  <a:schemeClr val="tx1"/>
+                </a:solidFill>
+                <a:latin typeface="+mn-lt"/>
+                <a:ea typeface="+mn-ea"/>
+                <a:cs typeface="+mn-cs"/>
+              </a:defRPr>
+            </a:lvl1pPr>
+            <a:lvl2pPr marL="685800" indent="-228600" algn="l" defTabSz="914400" rtl="0" eaLnBrk="1" latinLnBrk="0" hangingPunct="1">
+              <a:lnSpc>
+                <a:spcPct val="90000"/>
+              </a:lnSpc>
+              <a:spcBef>
+                <a:spcPts val="500"/>
+              </a:spcBef>
+              <a:buFont typeface="Arial" panose="020B0604020202020204" pitchFamily="34" charset="0"/>
+              <a:buChar char="•"/>
+              <a:defRPr sz="2400" kern="1200">
+                <a:solidFill>
+                  <a:schemeClr val="tx1"/>
+                </a:solidFill>
+                <a:latin typeface="+mn-lt"/>
+                <a:ea typeface="+mn-ea"/>
+                <a:cs typeface="+mn-cs"/>
+              </a:defRPr>
+            </a:lvl2pPr>
+            <a:lvl3pPr marL="1143000" indent="-228600" algn="l" defTabSz="914400" rtl="0" eaLnBrk="1" latinLnBrk="0" hangingPunct="1">
+              <a:lnSpc>
+                <a:spcPct val="90000"/>
+              </a:lnSpc>
+              <a:spcBef>
+                <a:spcPts val="500"/>
+              </a:spcBef>
+              <a:buFont typeface="Arial" panose="020B0604020202020204" pitchFamily="34" charset="0"/>
+              <a:buChar char="•"/>
+              <a:defRPr sz="2000" kern="1200">
+                <a:solidFill>
+                  <a:schemeClr val="tx1"/>
+                </a:solidFill>
+                <a:latin typeface="+mn-lt"/>
+                <a:ea typeface="+mn-ea"/>
+                <a:cs typeface="+mn-cs"/>
+              </a:defRPr>
+            </a:lvl3pPr>
+            <a:lvl4pPr marL="1600200" indent="-228600" algn="l" defTabSz="914400" rtl="0" eaLnBrk="1" latinLnBrk="0" hangingPunct="1">
+              <a:lnSpc>
+                <a:spcPct val="90000"/>
+              </a:lnSpc>
+              <a:spcBef>
+                <a:spcPts val="500"/>
+              </a:spcBef>
+              <a:buFont typeface="Arial" panose="020B0604020202020204" pitchFamily="34" charset="0"/>
+              <a:buChar char="•"/>
+              <a:defRPr sz="1800" kern="1200">
+                <a:solidFill>
+                  <a:schemeClr val="tx1"/>
+                </a:solidFill>
+                <a:latin typeface="+mn-lt"/>
+                <a:ea typeface="+mn-ea"/>
+                <a:cs typeface="+mn-cs"/>
+              </a:defRPr>
+            </a:lvl4pPr>
+            <a:lvl5pPr marL="2057400" indent="-228600" algn="l" defTabSz="914400" rtl="0" eaLnBrk="1" latinLnBrk="0" hangingPunct="1">
+              <a:lnSpc>
+                <a:spcPct val="90000"/>
+              </a:lnSpc>
+              <a:spcBef>
+                <a:spcPts val="500"/>
+              </a:spcBef>
+              <a:buFont typeface="Arial" panose="020B0604020202020204" pitchFamily="34" charset="0"/>
+              <a:buChar char="•"/>
+              <a:defRPr sz="1800" kern="1200">
+                <a:solidFill>
+                  <a:schemeClr val="tx1"/>
+                </a:solidFill>
+                <a:latin typeface="+mn-lt"/>
+                <a:ea typeface="+mn-ea"/>
+                <a:cs typeface="+mn-cs"/>
+              </a:defRPr>
+            </a:lvl5pPr>
+            <a:lvl6pPr marL="2514600" indent="-228600" algn="l" defTabSz="914400" rtl="0" eaLnBrk="1" latinLnBrk="0" hangingPunct="1">
+              <a:lnSpc>
+                <a:spcPct val="90000"/>
+              </a:lnSpc>
+              <a:spcBef>
+                <a:spcPts val="500"/>
+              </a:spcBef>
+              <a:buFont typeface="Arial" panose="020B0604020202020204" pitchFamily="34" charset="0"/>
+              <a:buChar char="•"/>
+              <a:defRPr sz="1800" kern="1200">
+                <a:solidFill>
+                  <a:schemeClr val="tx1"/>
+                </a:solidFill>
+                <a:latin typeface="+mn-lt"/>
+                <a:ea typeface="+mn-ea"/>
+                <a:cs typeface="+mn-cs"/>
+              </a:defRPr>
+            </a:lvl6pPr>
+            <a:lvl7pPr marL="2971800" indent="-228600" algn="l" defTabSz="914400" rtl="0" eaLnBrk="1" latinLnBrk="0" hangingPunct="1">
+              <a:lnSpc>
+                <a:spcPct val="90000"/>
+              </a:lnSpc>
+              <a:spcBef>
+                <a:spcPts val="500"/>
+              </a:spcBef>
+              <a:buFont typeface="Arial" panose="020B0604020202020204" pitchFamily="34" charset="0"/>
+              <a:buChar char="•"/>
+              <a:defRPr sz="1800" kern="1200">
+                <a:solidFill>
+                  <a:schemeClr val="tx1"/>
+                </a:solidFill>
+                <a:latin typeface="+mn-lt"/>
+                <a:ea typeface="+mn-ea"/>
+                <a:cs typeface="+mn-cs"/>
+              </a:defRPr>
+            </a:lvl7pPr>
+            <a:lvl8pPr marL="3429000" indent="-228600" algn="l" defTabSz="914400" rtl="0" eaLnBrk="1" latinLnBrk="0" hangingPunct="1">
+              <a:lnSpc>
+                <a:spcPct val="90000"/>
+              </a:lnSpc>
+              <a:spcBef>
+                <a:spcPts val="500"/>
+              </a:spcBef>
+              <a:buFont typeface="Arial" panose="020B0604020202020204" pitchFamily="34" charset="0"/>
+              <a:buChar char="•"/>
+              <a:defRPr sz="1800" kern="1200">
+                <a:solidFill>
+                  <a:schemeClr val="tx1"/>
+                </a:solidFill>
+                <a:latin typeface="+mn-lt"/>
+                <a:ea typeface="+mn-ea"/>
+                <a:cs typeface="+mn-cs"/>
+              </a:defRPr>
+            </a:lvl8pPr>
+            <a:lvl9pPr marL="3886200" indent="-228600" algn="l" defTabSz="914400" rtl="0" eaLnBrk="1" latinLnBrk="0" hangingPunct="1">
+              <a:lnSpc>
+                <a:spcPct val="90000"/>
+              </a:lnSpc>
+              <a:spcBef>
+                <a:spcPts val="500"/>
+              </a:spcBef>
+              <a:buFont typeface="Arial" panose="020B0604020202020204" pitchFamily="34" charset="0"/>
+              <a:buChar char="•"/>
+              <a:defRPr sz="1800" kern="1200">
+                <a:solidFill>
+                  <a:schemeClr val="tx1"/>
+                </a:solidFill>
+                <a:latin typeface="+mn-lt"/>
+                <a:ea typeface="+mn-ea"/>
+                <a:cs typeface="+mn-cs"/>
+              </a:defRPr>
+            </a:lvl9pPr>
+          </a:lstStyle>
+          <a:p>
+            <a:pPr marL="221742" indent="-221742" defTabSz="886968">
+              <a:spcBef>
+                <a:spcPts val="970"/>
+              </a:spcBef>
+            </a:pPr>
+            <a:endParaRPr lang="en-US" sz="1746" kern="1200" dirty="0">
+              <a:solidFill>
+                <a:srgbClr val="000000"/>
+              </a:solidFill>
+              <a:latin typeface="Segoe UI" panose="020B0502040204020203" pitchFamily="34" charset="0"/>
+              <a:ea typeface="+mn-ea"/>
+              <a:cs typeface="+mn-cs"/>
+            </a:endParaRPr>
+          </a:p>
+          <a:p>
+            <a:pPr marL="0" marR="143744" indent="0" algn="ctr" defTabSz="886968">
+              <a:spcBef>
+                <a:spcPts val="970"/>
+              </a:spcBef>
+              <a:buNone/>
+            </a:pPr>
+            <a:r>
+              <a:rPr lang="en-US" sz="1746" b="1" kern="1200" dirty="0">
+                <a:solidFill>
+                  <a:schemeClr val="tx1"/>
+                </a:solidFill>
+                <a:latin typeface="Segoe UI" panose="020B0502040204020203" pitchFamily="34" charset="0"/>
+                <a:ea typeface="+mn-ea"/>
+                <a:cs typeface="+mn-cs"/>
+              </a:rPr>
+              <a:t>Locally redundant storage (LRS)</a:t>
+            </a:r>
+          </a:p>
+          <a:p>
+            <a:pPr marL="0" indent="0" algn="ctr" defTabSz="886968">
+              <a:spcBef>
+                <a:spcPts val="970"/>
+              </a:spcBef>
+              <a:buNone/>
+            </a:pPr>
+            <a:r>
+              <a:rPr lang="en-US" sz="1746" dirty="0">
+                <a:solidFill>
+                  <a:srgbClr val="000000"/>
+                </a:solidFill>
+                <a:latin typeface="Calibri" panose="020F0502020204030204" pitchFamily="34" charset="0"/>
+              </a:rPr>
+              <a:t>(3 copies)</a:t>
+            </a:r>
+            <a:endParaRPr lang="en-US" sz="1746" kern="1200" dirty="0">
+              <a:solidFill>
+                <a:srgbClr val="000000"/>
+              </a:solidFill>
+              <a:latin typeface="Calibri" panose="020F0502020204030204" pitchFamily="34" charset="0"/>
+              <a:ea typeface="+mn-ea"/>
+              <a:cs typeface="+mn-cs"/>
+            </a:endParaRPr>
+          </a:p>
+          <a:p>
+            <a:pPr marL="0" marR="141756" indent="0" algn="ctr" defTabSz="886968">
+              <a:spcBef>
+                <a:spcPts val="970"/>
+              </a:spcBef>
+              <a:buNone/>
+            </a:pPr>
+            <a:r>
+              <a:rPr lang="en-US" sz="1746" kern="1200" dirty="0">
+                <a:solidFill>
+                  <a:schemeClr val="tx1"/>
+                </a:solidFill>
+                <a:latin typeface="Calibri" panose="020F0502020204030204" pitchFamily="34" charset="0"/>
+                <a:ea typeface="+mn-ea"/>
+                <a:cs typeface="+mn-cs"/>
+              </a:rPr>
+              <a:t>Here data is copied synchronously three times within a single physical location in the primary region</a:t>
+            </a:r>
+            <a:endParaRPr lang="en-US" dirty="0"/>
+          </a:p>
+        </p:txBody>
+      </p:sp>
+    </p:spTree>
+    <p:extLst>
+      <p:ext uri="{BB962C8B-B14F-4D97-AF65-F5344CB8AC3E}">
+        <p14:creationId xmlns:p14="http://schemas.microsoft.com/office/powerpoint/2010/main" val="2627071567"/>
+      </p:ext>
+    </p:extLst>
+  </p:cSld>
+  <p:clrMapOvr>
+    <a:masterClrMapping/>
+  </p:clrMapOvr>
+</p:sld>
+</file>
+
+<file path=ppt/slides/slide11.xml><?xml version="1.0" encoding="utf-8"?>
+<p:sld xmlns:a="http://schemas.openxmlformats.org/drawingml/2006/main" xmlns:r="http://schemas.openxmlformats.org/officeDocument/2006/relationships" xmlns:p="http://schemas.openxmlformats.org/presentationml/2006/main" show="0">
   <p:cSld>
     <p:bg>
       <p:bgPr>
@@ -27807,7 +29667,7 @@
 </p:sld>
 </file>
 
-<file path=ppt/slides/slide11.xml><?xml version="1.0" encoding="utf-8"?>
+<file path=ppt/slides/slide12.xml><?xml version="1.0" encoding="utf-8"?>
 <p:sld xmlns:a="http://schemas.openxmlformats.org/drawingml/2006/main" xmlns:r="http://schemas.openxmlformats.org/officeDocument/2006/relationships" xmlns:p="http://schemas.openxmlformats.org/presentationml/2006/main">
   <p:cSld>
     <p:spTree>
@@ -27896,8 +29756,8 @@
 </p:sld>
 </file>
 
-<file path=ppt/slides/slide12.xml><?xml version="1.0" encoding="utf-8"?>
-<p:sld xmlns:a="http://schemas.openxmlformats.org/drawingml/2006/main" xmlns:r="http://schemas.openxmlformats.org/officeDocument/2006/relationships" xmlns:p="http://schemas.openxmlformats.org/presentationml/2006/main">
+<file path=ppt/slides/slide13.xml><?xml version="1.0" encoding="utf-8"?>
+<p:sld xmlns:a="http://schemas.openxmlformats.org/drawingml/2006/main" xmlns:r="http://schemas.openxmlformats.org/officeDocument/2006/relationships" xmlns:p="http://schemas.openxmlformats.org/presentationml/2006/main" show="0">
   <p:cSld>
     <p:bg>
       <p:bgPr>
@@ -32030,7 +33890,7 @@
 </p:sld>
 </file>
 
-<file path=ppt/slides/slide13.xml><?xml version="1.0" encoding="utf-8"?>
+<file path=ppt/slides/slide14.xml><?xml version="1.0" encoding="utf-8"?>
 <p:sld xmlns:a="http://schemas.openxmlformats.org/drawingml/2006/main" xmlns:r="http://schemas.openxmlformats.org/officeDocument/2006/relationships" xmlns:p="http://schemas.openxmlformats.org/presentationml/2006/main">
   <p:cSld>
     <p:bg>
@@ -34090,8 +35950,8 @@
 </p:sld>
 </file>
 
-<file path=ppt/slides/slide14.xml><?xml version="1.0" encoding="utf-8"?>
-<p:sld xmlns:a="http://schemas.openxmlformats.org/drawingml/2006/main" xmlns:r="http://schemas.openxmlformats.org/officeDocument/2006/relationships" xmlns:p="http://schemas.openxmlformats.org/presentationml/2006/main">
+<file path=ppt/slides/slide15.xml><?xml version="1.0" encoding="utf-8"?>
+<p:sld xmlns:a="http://schemas.openxmlformats.org/drawingml/2006/main" xmlns:r="http://schemas.openxmlformats.org/officeDocument/2006/relationships" xmlns:p="http://schemas.openxmlformats.org/presentationml/2006/main" show="0">
   <p:cSld>
     <p:bg>
       <p:bgPr>
@@ -34903,7 +36763,7 @@
 </p:sld>
 </file>
 
-<file path=ppt/slides/slide15.xml><?xml version="1.0" encoding="utf-8"?>
+<file path=ppt/slides/slide16.xml><?xml version="1.0" encoding="utf-8"?>
 <p:sld xmlns:a="http://schemas.openxmlformats.org/drawingml/2006/main" xmlns:r="http://schemas.openxmlformats.org/officeDocument/2006/relationships" xmlns:p="http://schemas.openxmlformats.org/presentationml/2006/main">
   <p:cSld>
     <p:spTree>
@@ -34987,7 +36847,7 @@
 </p:sld>
 </file>
 
-<file path=ppt/slides/slide16.xml><?xml version="1.0" encoding="utf-8"?>
+<file path=ppt/slides/slide17.xml><?xml version="1.0" encoding="utf-8"?>
 <p:sld xmlns:a="http://schemas.openxmlformats.org/drawingml/2006/main" xmlns:r="http://schemas.openxmlformats.org/officeDocument/2006/relationships" xmlns:p="http://schemas.openxmlformats.org/presentationml/2006/main">
   <p:cSld>
     <p:bg>
@@ -36031,7 +37891,7 @@
 </p:sld>
 </file>
 
-<file path=ppt/slides/slide17.xml><?xml version="1.0" encoding="utf-8"?>
+<file path=ppt/slides/slide18.xml><?xml version="1.0" encoding="utf-8"?>
 <p:sld xmlns:a="http://schemas.openxmlformats.org/drawingml/2006/main" xmlns:r="http://schemas.openxmlformats.org/officeDocument/2006/relationships" xmlns:p="http://schemas.openxmlformats.org/presentationml/2006/main">
   <p:cSld>
     <p:bg>
@@ -37094,7 +38954,7 @@
 </p:sld>
 </file>
 
-<file path=ppt/slides/slide18.xml><?xml version="1.0" encoding="utf-8"?>
+<file path=ppt/slides/slide19.xml><?xml version="1.0" encoding="utf-8"?>
 <p:sld xmlns:a="http://schemas.openxmlformats.org/drawingml/2006/main" xmlns:r="http://schemas.openxmlformats.org/officeDocument/2006/relationships" xmlns:p="http://schemas.openxmlformats.org/presentationml/2006/main">
   <p:cSld>
     <p:bg>
@@ -37445,27 +39305,6 @@
               <a:buNone/>
             </a:pPr>
             <a:r>
-              <a:rPr lang="en-US" sz="1800" b="1" dirty="0"/>
-              <a:t>Azure Import/Export Service</a:t>
-            </a:r>
-          </a:p>
-          <a:p>
-            <a:r>
-              <a:rPr lang="en-US" sz="1800" dirty="0"/>
-              <a:t>This is used for copying large amounts of data to Azure Blob storage and Azure Files.</a:t>
-            </a:r>
-          </a:p>
-          <a:p>
-            <a:r>
-              <a:rPr lang="en-US" sz="1800" dirty="0"/>
-              <a:t>You can also transfer data from Azure Blob storage to your on-premises environment.</a:t>
-            </a:r>
-          </a:p>
-          <a:p>
-            <a:pPr marL="0" indent="0">
-              <a:buNone/>
-            </a:pPr>
-            <a:r>
               <a:rPr lang="en-US" sz="1800" b="1" dirty="0" err="1"/>
               <a:t>AzCopy</a:t>
             </a:r>
@@ -37516,519 +39355,6 @@
     <p:extLst>
       <p:ext uri="{BB962C8B-B14F-4D97-AF65-F5344CB8AC3E}">
         <p14:creationId xmlns:p14="http://schemas.microsoft.com/office/powerpoint/2010/main" val="1556601753"/>
-      </p:ext>
-    </p:extLst>
-  </p:cSld>
-  <p:clrMapOvr>
-    <a:masterClrMapping/>
-  </p:clrMapOvr>
-</p:sld>
-</file>
-
-<file path=ppt/slides/slide19.xml><?xml version="1.0" encoding="utf-8"?>
-<p:sld xmlns:a="http://schemas.openxmlformats.org/drawingml/2006/main" xmlns:r="http://schemas.openxmlformats.org/officeDocument/2006/relationships" xmlns:p="http://schemas.openxmlformats.org/presentationml/2006/main">
-  <p:cSld>
-    <p:bg>
-      <p:bgPr>
-        <a:solidFill>
-          <a:schemeClr val="bg1"/>
-        </a:solidFill>
-        <a:effectLst/>
-      </p:bgPr>
-    </p:bg>
-    <p:spTree>
-      <p:nvGrpSpPr>
-        <p:cNvPr id="1" name=""/>
-        <p:cNvGrpSpPr/>
-        <p:nvPr/>
-      </p:nvGrpSpPr>
-      <p:grpSpPr>
-        <a:xfrm>
-          <a:off x="0" y="0"/>
-          <a:ext cx="0" cy="0"/>
-          <a:chOff x="0" y="0"/>
-          <a:chExt cx="0" cy="0"/>
-        </a:xfrm>
-      </p:grpSpPr>
-      <p:sp useBgFill="1">
-        <p:nvSpPr>
-          <p:cNvPr id="9" name="Rectangle 8">
-            <a:extLst>
-              <a:ext uri="{FF2B5EF4-FFF2-40B4-BE49-F238E27FC236}">
-                <a16:creationId xmlns:a16="http://schemas.microsoft.com/office/drawing/2014/main" id="{79BB35BC-D5C2-4C8B-A22A-A71E6191913B}"/>
-              </a:ext>
-              <a:ext uri="{C183D7F6-B498-43B3-948B-1728B52AA6E4}">
-                <adec:decorative xmlns:adec="http://schemas.microsoft.com/office/drawing/2017/decorative" val="1"/>
-              </a:ext>
-            </a:extLst>
-          </p:cNvPr>
-          <p:cNvSpPr>
-            <a:spLocks noGrp="1" noRot="1" noChangeAspect="1" noMove="1" noResize="1" noEditPoints="1" noAdjustHandles="1" noChangeArrowheads="1" noChangeShapeType="1" noTextEdit="1"/>
-          </p:cNvSpPr>
-          <p:nvPr>
-            <p:extLst>
-              <p:ext uri="{386F3935-93C4-4BCD-93E2-E3B085C9AB24}">
-                <p16:designElem xmlns:p16="http://schemas.microsoft.com/office/powerpoint/2015/main" val="1"/>
-              </p:ext>
-            </p:extLst>
-          </p:nvPr>
-        </p:nvSpPr>
-        <p:spPr>
-          <a:xfrm>
-            <a:off x="0" y="0"/>
-            <a:ext cx="12188952" cy="6858000"/>
-          </a:xfrm>
-          <a:prstGeom prst="rect">
-            <a:avLst/>
-          </a:prstGeom>
-          <a:ln>
-            <a:noFill/>
-          </a:ln>
-        </p:spPr>
-        <p:style>
-          <a:lnRef idx="2">
-            <a:schemeClr val="accent1">
-              <a:shade val="50000"/>
-            </a:schemeClr>
-          </a:lnRef>
-          <a:fillRef idx="1">
-            <a:schemeClr val="accent1"/>
-          </a:fillRef>
-          <a:effectRef idx="0">
-            <a:schemeClr val="accent1"/>
-          </a:effectRef>
-          <a:fontRef idx="minor">
-            <a:schemeClr val="lt1"/>
-          </a:fontRef>
-        </p:style>
-        <p:txBody>
-          <a:bodyPr rtlCol="0" anchor="ctr"/>
-          <a:lstStyle/>
-          <a:p>
-            <a:pPr algn="ctr"/>
-            <a:endParaRPr lang="en-US"/>
-          </a:p>
-        </p:txBody>
-      </p:sp>
-      <p:pic>
-        <p:nvPicPr>
-          <p:cNvPr id="5" name="Picture 4" descr="Yellow question mark">
-            <a:extLst>
-              <a:ext uri="{FF2B5EF4-FFF2-40B4-BE49-F238E27FC236}">
-                <a16:creationId xmlns:a16="http://schemas.microsoft.com/office/drawing/2014/main" id="{FAFFFDFC-E867-9D45-CBC1-098325365E47}"/>
-              </a:ext>
-            </a:extLst>
-          </p:cNvPr>
-          <p:cNvPicPr>
-            <a:picLocks noChangeAspect="1"/>
-          </p:cNvPicPr>
-          <p:nvPr/>
-        </p:nvPicPr>
-        <p:blipFill rotWithShape="1">
-          <a:blip r:embed="rId2"/>
-          <a:srcRect l="40718" r="5769"/>
-          <a:stretch/>
-        </p:blipFill>
-        <p:spPr>
-          <a:xfrm>
-            <a:off x="20" y="10"/>
-            <a:ext cx="6116549" cy="6857990"/>
-          </a:xfrm>
-          <a:custGeom>
-            <a:avLst/>
-            <a:gdLst/>
-            <a:ahLst/>
-            <a:cxnLst/>
-            <a:rect l="l" t="t" r="r" b="b"/>
-            <a:pathLst>
-              <a:path w="6116569" h="6879321">
-                <a:moveTo>
-                  <a:pt x="0" y="0"/>
-                </a:moveTo>
-                <a:lnTo>
-                  <a:pt x="2935851" y="0"/>
-                </a:lnTo>
-                <a:cubicBezTo>
-                  <a:pt x="3035710" y="10660"/>
-                  <a:pt x="3138421" y="17767"/>
-                  <a:pt x="3238280" y="31980"/>
-                </a:cubicBezTo>
-                <a:cubicBezTo>
-                  <a:pt x="3817462" y="106602"/>
-                  <a:pt x="3127009" y="277163"/>
-                  <a:pt x="3660541" y="550772"/>
-                </a:cubicBezTo>
-                <a:cubicBezTo>
-                  <a:pt x="3706191" y="575645"/>
-                  <a:pt x="3757546" y="579199"/>
-                  <a:pt x="3808902" y="589860"/>
-                </a:cubicBezTo>
-                <a:cubicBezTo>
-                  <a:pt x="4008620" y="625393"/>
-                  <a:pt x="4211192" y="618286"/>
-                  <a:pt x="4413762" y="625393"/>
-                </a:cubicBezTo>
-                <a:cubicBezTo>
-                  <a:pt x="4465118" y="628946"/>
-                  <a:pt x="4525033" y="625393"/>
-                  <a:pt x="4567830" y="721333"/>
-                </a:cubicBezTo>
-                <a:cubicBezTo>
-                  <a:pt x="4425175" y="724888"/>
-                  <a:pt x="4305344" y="731994"/>
-                  <a:pt x="4171247" y="792401"/>
-                </a:cubicBezTo>
-                <a:cubicBezTo>
-                  <a:pt x="4239722" y="859916"/>
-                  <a:pt x="4322462" y="795955"/>
-                  <a:pt x="4376671" y="842148"/>
-                </a:cubicBezTo>
-                <a:cubicBezTo>
-                  <a:pt x="4428027" y="888342"/>
-                  <a:pt x="4470824" y="891896"/>
-                  <a:pt x="4527887" y="813722"/>
-                </a:cubicBezTo>
-                <a:cubicBezTo>
-                  <a:pt x="4556417" y="774634"/>
-                  <a:pt x="4604920" y="778187"/>
-                  <a:pt x="4633452" y="799508"/>
-                </a:cubicBezTo>
-                <a:cubicBezTo>
-                  <a:pt x="4781813" y="913216"/>
-                  <a:pt x="4778960" y="909662"/>
-                  <a:pt x="4947293" y="870576"/>
-                </a:cubicBezTo>
-                <a:cubicBezTo>
-                  <a:pt x="5055712" y="845701"/>
-                  <a:pt x="5166983" y="806615"/>
-                  <a:pt x="5263988" y="820828"/>
-                </a:cubicBezTo>
-                <a:cubicBezTo>
-                  <a:pt x="5275401" y="867022"/>
-                  <a:pt x="5263988" y="888342"/>
-                  <a:pt x="5249723" y="895449"/>
-                </a:cubicBezTo>
-                <a:cubicBezTo>
-                  <a:pt x="5021475" y="1005604"/>
-                  <a:pt x="4975825" y="1122864"/>
-                  <a:pt x="4744723" y="1197485"/>
-                </a:cubicBezTo>
-                <a:cubicBezTo>
-                  <a:pt x="4724751" y="1268552"/>
-                  <a:pt x="4807491" y="1275660"/>
-                  <a:pt x="4767548" y="1346727"/>
-                </a:cubicBezTo>
-                <a:cubicBezTo>
-                  <a:pt x="4693367" y="1407134"/>
-                  <a:pt x="4610627" y="1346727"/>
-                  <a:pt x="4539299" y="1421348"/>
-                </a:cubicBezTo>
-                <a:cubicBezTo>
-                  <a:pt x="4550712" y="1471094"/>
-                  <a:pt x="4610627" y="1432008"/>
-                  <a:pt x="4607773" y="1485309"/>
-                </a:cubicBezTo>
-                <a:cubicBezTo>
-                  <a:pt x="4604920" y="1517288"/>
-                  <a:pt x="4593508" y="1527948"/>
-                  <a:pt x="4579242" y="1535055"/>
-                </a:cubicBezTo>
-                <a:cubicBezTo>
-                  <a:pt x="4776107" y="1538608"/>
-                  <a:pt x="5383820" y="1574142"/>
-                  <a:pt x="5278255" y="1609676"/>
-                </a:cubicBezTo>
-                <a:cubicBezTo>
-                  <a:pt x="5418057" y="1698511"/>
-                  <a:pt x="5623481" y="1609676"/>
-                  <a:pt x="5771843" y="1630997"/>
-                </a:cubicBezTo>
-                <a:cubicBezTo>
-                  <a:pt x="5925911" y="1652316"/>
-                  <a:pt x="6171278" y="1719830"/>
-                  <a:pt x="6105656" y="1748257"/>
-                </a:cubicBezTo>
-                <a:cubicBezTo>
-                  <a:pt x="6031475" y="1780238"/>
-                  <a:pt x="5766136" y="2146235"/>
-                  <a:pt x="5691955" y="2167555"/>
-                </a:cubicBezTo>
-                <a:cubicBezTo>
-                  <a:pt x="5606362" y="2188875"/>
-                  <a:pt x="5589243" y="2217302"/>
-                  <a:pt x="5475118" y="2348776"/>
-                </a:cubicBezTo>
-                <a:cubicBezTo>
-                  <a:pt x="5398085" y="2437610"/>
-                  <a:pt x="5709074" y="2238623"/>
-                  <a:pt x="5826051" y="2291922"/>
-                </a:cubicBezTo>
-                <a:cubicBezTo>
-                  <a:pt x="5868848" y="2309690"/>
-                  <a:pt x="5552153" y="2554872"/>
-                  <a:pt x="5552153" y="2597513"/>
-                </a:cubicBezTo>
-                <a:cubicBezTo>
-                  <a:pt x="5549300" y="2640153"/>
-                  <a:pt x="5577831" y="2647260"/>
-                  <a:pt x="5603508" y="2647260"/>
-                </a:cubicBezTo>
-                <a:cubicBezTo>
-                  <a:pt x="5660571" y="2647260"/>
-                  <a:pt x="5640599" y="2686346"/>
-                  <a:pt x="5700515" y="2679240"/>
-                </a:cubicBezTo>
-                <a:cubicBezTo>
-                  <a:pt x="5523622" y="2800055"/>
-                  <a:pt x="5418057" y="2778734"/>
-                  <a:pt x="5246870" y="2888889"/>
-                </a:cubicBezTo>
-                <a:cubicBezTo>
-                  <a:pt x="5164130" y="2942189"/>
-                  <a:pt x="4921615" y="3119857"/>
-                  <a:pt x="4836022" y="3169605"/>
-                </a:cubicBezTo>
-                <a:cubicBezTo>
-                  <a:pt x="4801785" y="3187371"/>
-                  <a:pt x="4758988" y="3173158"/>
-                  <a:pt x="4736163" y="3233565"/>
-                </a:cubicBezTo>
-                <a:cubicBezTo>
-                  <a:pt x="4770400" y="3279759"/>
-                  <a:pt x="4816050" y="3254885"/>
-                  <a:pt x="4853141" y="3233565"/>
-                </a:cubicBezTo>
-                <a:cubicBezTo>
-                  <a:pt x="4944440" y="3176711"/>
-                  <a:pt x="4935881" y="3190925"/>
-                  <a:pt x="4944440" y="3226459"/>
-                </a:cubicBezTo>
-                <a:cubicBezTo>
-                  <a:pt x="4972972" y="3350827"/>
-                  <a:pt x="5044300" y="3308186"/>
-                  <a:pt x="5109921" y="3283313"/>
-                </a:cubicBezTo>
-                <a:cubicBezTo>
-                  <a:pt x="5303932" y="3208692"/>
-                  <a:pt x="5500797" y="3215799"/>
-                  <a:pt x="5694809" y="3141178"/>
-                </a:cubicBezTo>
-                <a:cubicBezTo>
-                  <a:pt x="5714781" y="3134070"/>
-                  <a:pt x="5612068" y="3283313"/>
-                  <a:pt x="5566419" y="3301079"/>
-                </a:cubicBezTo>
-                <a:cubicBezTo>
-                  <a:pt x="5515063" y="3322399"/>
-                  <a:pt x="5452294" y="3311739"/>
-                  <a:pt x="5415203" y="3397020"/>
-                </a:cubicBezTo>
-                <a:cubicBezTo>
-                  <a:pt x="5477972" y="3414787"/>
-                  <a:pt x="5552153" y="3372147"/>
-                  <a:pt x="5612068" y="3432554"/>
-                </a:cubicBezTo>
-                <a:cubicBezTo>
-                  <a:pt x="5469413" y="3528494"/>
-                  <a:pt x="5329610" y="3535601"/>
-                  <a:pt x="5206927" y="3599562"/>
-                </a:cubicBezTo>
-                <a:cubicBezTo>
-                  <a:pt x="5192661" y="3706163"/>
-                  <a:pt x="5272548" y="3663523"/>
-                  <a:pt x="5301079" y="3723930"/>
-                </a:cubicBezTo>
-                <a:cubicBezTo>
-                  <a:pt x="5072830" y="3844745"/>
-                  <a:pt x="4564977" y="4232062"/>
-                  <a:pt x="4507915" y="4306683"/>
-                </a:cubicBezTo>
-                <a:cubicBezTo>
-                  <a:pt x="4390937" y="4463031"/>
-                  <a:pt x="3900202" y="4562525"/>
-                  <a:pt x="3982942" y="4587399"/>
-                </a:cubicBezTo>
-                <a:cubicBezTo>
-                  <a:pt x="4051417" y="4608719"/>
-                  <a:pt x="4119891" y="4587399"/>
-                  <a:pt x="4185513" y="4541205"/>
-                </a:cubicBezTo>
-                <a:cubicBezTo>
-                  <a:pt x="4291078" y="4466584"/>
-                  <a:pt x="5010062" y="4523438"/>
-                  <a:pt x="5212633" y="4455924"/>
-                </a:cubicBezTo>
-                <a:cubicBezTo>
-                  <a:pt x="5241164" y="4445264"/>
-                  <a:pt x="5283960" y="4409730"/>
-                  <a:pt x="5312492" y="4473691"/>
-                </a:cubicBezTo>
-                <a:cubicBezTo>
-                  <a:pt x="5098508" y="4704659"/>
-                  <a:pt x="4833169" y="4654913"/>
-                  <a:pt x="4596361" y="4818368"/>
-                </a:cubicBezTo>
-                <a:cubicBezTo>
-                  <a:pt x="4684807" y="4917861"/>
-                  <a:pt x="4776107" y="4907202"/>
-                  <a:pt x="4873113" y="4885882"/>
-                </a:cubicBezTo>
-                <a:cubicBezTo>
-                  <a:pt x="4895938" y="4878775"/>
-                  <a:pt x="4930175" y="4871668"/>
-                  <a:pt x="4935881" y="4914309"/>
-                </a:cubicBezTo>
-                <a:cubicBezTo>
-                  <a:pt x="4941587" y="4967609"/>
-                  <a:pt x="4898790" y="4978270"/>
-                  <a:pt x="4873113" y="5003143"/>
-                </a:cubicBezTo>
-                <a:cubicBezTo>
-                  <a:pt x="4833169" y="5038676"/>
-                  <a:pt x="4773254" y="4999590"/>
-                  <a:pt x="4721898" y="5095530"/>
-                </a:cubicBezTo>
-                <a:cubicBezTo>
-                  <a:pt x="4873113" y="5067104"/>
-                  <a:pt x="4998650" y="5020910"/>
-                  <a:pt x="5132745" y="4949842"/>
-                </a:cubicBezTo>
-                <a:cubicBezTo>
-                  <a:pt x="5121333" y="5006696"/>
-                  <a:pt x="5081390" y="5035123"/>
-                  <a:pt x="5101362" y="5081317"/>
-                </a:cubicBezTo>
-                <a:cubicBezTo>
-                  <a:pt x="5118480" y="5116850"/>
-                  <a:pt x="5164130" y="5131063"/>
-                  <a:pt x="5138452" y="5198578"/>
-                </a:cubicBezTo>
-                <a:cubicBezTo>
-                  <a:pt x="5067125" y="5273199"/>
-                  <a:pt x="4967265" y="5258986"/>
-                  <a:pt x="4904497" y="5362033"/>
-                </a:cubicBezTo>
-                <a:cubicBezTo>
-                  <a:pt x="4818903" y="5507721"/>
-                  <a:pt x="4684807" y="5564575"/>
-                  <a:pt x="4579242" y="5674729"/>
-                </a:cubicBezTo>
-                <a:cubicBezTo>
-                  <a:pt x="4545005" y="5713816"/>
-                  <a:pt x="4313903" y="5841738"/>
-                  <a:pt x="4253988" y="5884379"/>
-                </a:cubicBezTo>
-                <a:cubicBezTo>
-                  <a:pt x="4168395" y="5944786"/>
-                  <a:pt x="4071389" y="5966106"/>
-                  <a:pt x="3985795" y="6069153"/>
-                </a:cubicBezTo>
-                <a:cubicBezTo>
-                  <a:pt x="4065682" y="6086921"/>
-                  <a:pt x="4134157" y="5990979"/>
-                  <a:pt x="4231163" y="6030066"/>
-                </a:cubicBezTo>
-                <a:cubicBezTo>
-                  <a:pt x="4074242" y="6133114"/>
-                  <a:pt x="3931586" y="6182861"/>
-                  <a:pt x="3814609" y="6317889"/>
-                </a:cubicBezTo>
-                <a:cubicBezTo>
-                  <a:pt x="3800343" y="6335656"/>
-                  <a:pt x="3771812" y="6332102"/>
-                  <a:pt x="3751840" y="6339209"/>
-                </a:cubicBezTo>
-                <a:cubicBezTo>
-                  <a:pt x="3529298" y="6406723"/>
-                  <a:pt x="3309608" y="6467130"/>
-                  <a:pt x="3089919" y="6563071"/>
-                </a:cubicBezTo>
-                <a:cubicBezTo>
-                  <a:pt x="3041416" y="6584392"/>
-                  <a:pt x="2955823" y="6595052"/>
-                  <a:pt x="2961529" y="6662566"/>
-                </a:cubicBezTo>
-                <a:cubicBezTo>
-                  <a:pt x="2972941" y="6765613"/>
-                  <a:pt x="3055681" y="6687439"/>
-                  <a:pt x="3107038" y="6673226"/>
-                </a:cubicBezTo>
-                <a:cubicBezTo>
-                  <a:pt x="3269664" y="6634138"/>
-                  <a:pt x="3432292" y="6570178"/>
-                  <a:pt x="3594919" y="6591499"/>
-                </a:cubicBezTo>
-                <a:cubicBezTo>
-                  <a:pt x="3483648" y="6637693"/>
-                  <a:pt x="3372376" y="6680332"/>
-                  <a:pt x="3261106" y="6726527"/>
-                </a:cubicBezTo>
-                <a:cubicBezTo>
-                  <a:pt x="3386642" y="6705206"/>
-                  <a:pt x="3495061" y="6786934"/>
-                  <a:pt x="3620597" y="6740740"/>
-                </a:cubicBezTo>
-                <a:cubicBezTo>
-                  <a:pt x="3660541" y="6726527"/>
-                  <a:pt x="3700484" y="6765613"/>
-                  <a:pt x="3703337" y="6826020"/>
-                </a:cubicBezTo>
-                <a:cubicBezTo>
-                  <a:pt x="3706191" y="6847340"/>
-                  <a:pt x="3700484" y="6865108"/>
-                  <a:pt x="3689072" y="6879321"/>
-                </a:cubicBezTo>
-                <a:lnTo>
-                  <a:pt x="0" y="6879321"/>
-                </a:lnTo>
-                <a:close/>
-              </a:path>
-            </a:pathLst>
-          </a:custGeom>
-        </p:spPr>
-      </p:pic>
-      <p:sp>
-        <p:nvSpPr>
-          <p:cNvPr id="3" name="Content Placeholder 2">
-            <a:extLst>
-              <a:ext uri="{FF2B5EF4-FFF2-40B4-BE49-F238E27FC236}">
-                <a16:creationId xmlns:a16="http://schemas.microsoft.com/office/drawing/2014/main" id="{C18F2328-34DF-7BAC-28DD-50274C1ECB28}"/>
-              </a:ext>
-            </a:extLst>
-          </p:cNvPr>
-          <p:cNvSpPr>
-            <a:spLocks noGrp="1"/>
-          </p:cNvSpPr>
-          <p:nvPr>
-            <p:ph idx="1"/>
-          </p:nvPr>
-        </p:nvSpPr>
-        <p:spPr>
-          <a:xfrm>
-            <a:off x="6513788" y="2333297"/>
-            <a:ext cx="4840010" cy="3843666"/>
-          </a:xfrm>
-        </p:spPr>
-        <p:txBody>
-          <a:bodyPr>
-            <a:normAutofit/>
-          </a:bodyPr>
-          <a:lstStyle/>
-          <a:p>
-            <a:pPr marL="0" indent="0" algn="ctr">
-              <a:buNone/>
-            </a:pPr>
-            <a:r>
-              <a:rPr lang="en-US" sz="7200" dirty="0"/>
-              <a:t>Any questions?</a:t>
-            </a:r>
-          </a:p>
-        </p:txBody>
-      </p:sp>
-    </p:spTree>
-    <p:extLst>
-      <p:ext uri="{BB962C8B-B14F-4D97-AF65-F5344CB8AC3E}">
-        <p14:creationId xmlns:p14="http://schemas.microsoft.com/office/powerpoint/2010/main" val="1094242836"/>
       </p:ext>
     </p:extLst>
   </p:cSld>
@@ -38714,6 +40040,519 @@
           <p:cNvPr id="9" name="Rectangle 8">
             <a:extLst>
               <a:ext uri="{FF2B5EF4-FFF2-40B4-BE49-F238E27FC236}">
+                <a16:creationId xmlns:a16="http://schemas.microsoft.com/office/drawing/2014/main" id="{79BB35BC-D5C2-4C8B-A22A-A71E6191913B}"/>
+              </a:ext>
+              <a:ext uri="{C183D7F6-B498-43B3-948B-1728B52AA6E4}">
+                <adec:decorative xmlns:adec="http://schemas.microsoft.com/office/drawing/2017/decorative" val="1"/>
+              </a:ext>
+            </a:extLst>
+          </p:cNvPr>
+          <p:cNvSpPr>
+            <a:spLocks noGrp="1" noRot="1" noChangeAspect="1" noMove="1" noResize="1" noEditPoints="1" noAdjustHandles="1" noChangeArrowheads="1" noChangeShapeType="1" noTextEdit="1"/>
+          </p:cNvSpPr>
+          <p:nvPr>
+            <p:extLst>
+              <p:ext uri="{386F3935-93C4-4BCD-93E2-E3B085C9AB24}">
+                <p16:designElem xmlns:p16="http://schemas.microsoft.com/office/powerpoint/2015/main" val="1"/>
+              </p:ext>
+            </p:extLst>
+          </p:nvPr>
+        </p:nvSpPr>
+        <p:spPr>
+          <a:xfrm>
+            <a:off x="0" y="0"/>
+            <a:ext cx="12188952" cy="6858000"/>
+          </a:xfrm>
+          <a:prstGeom prst="rect">
+            <a:avLst/>
+          </a:prstGeom>
+          <a:ln>
+            <a:noFill/>
+          </a:ln>
+        </p:spPr>
+        <p:style>
+          <a:lnRef idx="2">
+            <a:schemeClr val="accent1">
+              <a:shade val="50000"/>
+            </a:schemeClr>
+          </a:lnRef>
+          <a:fillRef idx="1">
+            <a:schemeClr val="accent1"/>
+          </a:fillRef>
+          <a:effectRef idx="0">
+            <a:schemeClr val="accent1"/>
+          </a:effectRef>
+          <a:fontRef idx="minor">
+            <a:schemeClr val="lt1"/>
+          </a:fontRef>
+        </p:style>
+        <p:txBody>
+          <a:bodyPr rtlCol="0" anchor="ctr"/>
+          <a:lstStyle/>
+          <a:p>
+            <a:pPr algn="ctr"/>
+            <a:endParaRPr lang="en-US"/>
+          </a:p>
+        </p:txBody>
+      </p:sp>
+      <p:pic>
+        <p:nvPicPr>
+          <p:cNvPr id="5" name="Picture 4" descr="Yellow question mark">
+            <a:extLst>
+              <a:ext uri="{FF2B5EF4-FFF2-40B4-BE49-F238E27FC236}">
+                <a16:creationId xmlns:a16="http://schemas.microsoft.com/office/drawing/2014/main" id="{FAFFFDFC-E867-9D45-CBC1-098325365E47}"/>
+              </a:ext>
+            </a:extLst>
+          </p:cNvPr>
+          <p:cNvPicPr>
+            <a:picLocks noChangeAspect="1"/>
+          </p:cNvPicPr>
+          <p:nvPr/>
+        </p:nvPicPr>
+        <p:blipFill rotWithShape="1">
+          <a:blip r:embed="rId2"/>
+          <a:srcRect l="40718" r="5769"/>
+          <a:stretch/>
+        </p:blipFill>
+        <p:spPr>
+          <a:xfrm>
+            <a:off x="20" y="10"/>
+            <a:ext cx="6116549" cy="6857990"/>
+          </a:xfrm>
+          <a:custGeom>
+            <a:avLst/>
+            <a:gdLst/>
+            <a:ahLst/>
+            <a:cxnLst/>
+            <a:rect l="l" t="t" r="r" b="b"/>
+            <a:pathLst>
+              <a:path w="6116569" h="6879321">
+                <a:moveTo>
+                  <a:pt x="0" y="0"/>
+                </a:moveTo>
+                <a:lnTo>
+                  <a:pt x="2935851" y="0"/>
+                </a:lnTo>
+                <a:cubicBezTo>
+                  <a:pt x="3035710" y="10660"/>
+                  <a:pt x="3138421" y="17767"/>
+                  <a:pt x="3238280" y="31980"/>
+                </a:cubicBezTo>
+                <a:cubicBezTo>
+                  <a:pt x="3817462" y="106602"/>
+                  <a:pt x="3127009" y="277163"/>
+                  <a:pt x="3660541" y="550772"/>
+                </a:cubicBezTo>
+                <a:cubicBezTo>
+                  <a:pt x="3706191" y="575645"/>
+                  <a:pt x="3757546" y="579199"/>
+                  <a:pt x="3808902" y="589860"/>
+                </a:cubicBezTo>
+                <a:cubicBezTo>
+                  <a:pt x="4008620" y="625393"/>
+                  <a:pt x="4211192" y="618286"/>
+                  <a:pt x="4413762" y="625393"/>
+                </a:cubicBezTo>
+                <a:cubicBezTo>
+                  <a:pt x="4465118" y="628946"/>
+                  <a:pt x="4525033" y="625393"/>
+                  <a:pt x="4567830" y="721333"/>
+                </a:cubicBezTo>
+                <a:cubicBezTo>
+                  <a:pt x="4425175" y="724888"/>
+                  <a:pt x="4305344" y="731994"/>
+                  <a:pt x="4171247" y="792401"/>
+                </a:cubicBezTo>
+                <a:cubicBezTo>
+                  <a:pt x="4239722" y="859916"/>
+                  <a:pt x="4322462" y="795955"/>
+                  <a:pt x="4376671" y="842148"/>
+                </a:cubicBezTo>
+                <a:cubicBezTo>
+                  <a:pt x="4428027" y="888342"/>
+                  <a:pt x="4470824" y="891896"/>
+                  <a:pt x="4527887" y="813722"/>
+                </a:cubicBezTo>
+                <a:cubicBezTo>
+                  <a:pt x="4556417" y="774634"/>
+                  <a:pt x="4604920" y="778187"/>
+                  <a:pt x="4633452" y="799508"/>
+                </a:cubicBezTo>
+                <a:cubicBezTo>
+                  <a:pt x="4781813" y="913216"/>
+                  <a:pt x="4778960" y="909662"/>
+                  <a:pt x="4947293" y="870576"/>
+                </a:cubicBezTo>
+                <a:cubicBezTo>
+                  <a:pt x="5055712" y="845701"/>
+                  <a:pt x="5166983" y="806615"/>
+                  <a:pt x="5263988" y="820828"/>
+                </a:cubicBezTo>
+                <a:cubicBezTo>
+                  <a:pt x="5275401" y="867022"/>
+                  <a:pt x="5263988" y="888342"/>
+                  <a:pt x="5249723" y="895449"/>
+                </a:cubicBezTo>
+                <a:cubicBezTo>
+                  <a:pt x="5021475" y="1005604"/>
+                  <a:pt x="4975825" y="1122864"/>
+                  <a:pt x="4744723" y="1197485"/>
+                </a:cubicBezTo>
+                <a:cubicBezTo>
+                  <a:pt x="4724751" y="1268552"/>
+                  <a:pt x="4807491" y="1275660"/>
+                  <a:pt x="4767548" y="1346727"/>
+                </a:cubicBezTo>
+                <a:cubicBezTo>
+                  <a:pt x="4693367" y="1407134"/>
+                  <a:pt x="4610627" y="1346727"/>
+                  <a:pt x="4539299" y="1421348"/>
+                </a:cubicBezTo>
+                <a:cubicBezTo>
+                  <a:pt x="4550712" y="1471094"/>
+                  <a:pt x="4610627" y="1432008"/>
+                  <a:pt x="4607773" y="1485309"/>
+                </a:cubicBezTo>
+                <a:cubicBezTo>
+                  <a:pt x="4604920" y="1517288"/>
+                  <a:pt x="4593508" y="1527948"/>
+                  <a:pt x="4579242" y="1535055"/>
+                </a:cubicBezTo>
+                <a:cubicBezTo>
+                  <a:pt x="4776107" y="1538608"/>
+                  <a:pt x="5383820" y="1574142"/>
+                  <a:pt x="5278255" y="1609676"/>
+                </a:cubicBezTo>
+                <a:cubicBezTo>
+                  <a:pt x="5418057" y="1698511"/>
+                  <a:pt x="5623481" y="1609676"/>
+                  <a:pt x="5771843" y="1630997"/>
+                </a:cubicBezTo>
+                <a:cubicBezTo>
+                  <a:pt x="5925911" y="1652316"/>
+                  <a:pt x="6171278" y="1719830"/>
+                  <a:pt x="6105656" y="1748257"/>
+                </a:cubicBezTo>
+                <a:cubicBezTo>
+                  <a:pt x="6031475" y="1780238"/>
+                  <a:pt x="5766136" y="2146235"/>
+                  <a:pt x="5691955" y="2167555"/>
+                </a:cubicBezTo>
+                <a:cubicBezTo>
+                  <a:pt x="5606362" y="2188875"/>
+                  <a:pt x="5589243" y="2217302"/>
+                  <a:pt x="5475118" y="2348776"/>
+                </a:cubicBezTo>
+                <a:cubicBezTo>
+                  <a:pt x="5398085" y="2437610"/>
+                  <a:pt x="5709074" y="2238623"/>
+                  <a:pt x="5826051" y="2291922"/>
+                </a:cubicBezTo>
+                <a:cubicBezTo>
+                  <a:pt x="5868848" y="2309690"/>
+                  <a:pt x="5552153" y="2554872"/>
+                  <a:pt x="5552153" y="2597513"/>
+                </a:cubicBezTo>
+                <a:cubicBezTo>
+                  <a:pt x="5549300" y="2640153"/>
+                  <a:pt x="5577831" y="2647260"/>
+                  <a:pt x="5603508" y="2647260"/>
+                </a:cubicBezTo>
+                <a:cubicBezTo>
+                  <a:pt x="5660571" y="2647260"/>
+                  <a:pt x="5640599" y="2686346"/>
+                  <a:pt x="5700515" y="2679240"/>
+                </a:cubicBezTo>
+                <a:cubicBezTo>
+                  <a:pt x="5523622" y="2800055"/>
+                  <a:pt x="5418057" y="2778734"/>
+                  <a:pt x="5246870" y="2888889"/>
+                </a:cubicBezTo>
+                <a:cubicBezTo>
+                  <a:pt x="5164130" y="2942189"/>
+                  <a:pt x="4921615" y="3119857"/>
+                  <a:pt x="4836022" y="3169605"/>
+                </a:cubicBezTo>
+                <a:cubicBezTo>
+                  <a:pt x="4801785" y="3187371"/>
+                  <a:pt x="4758988" y="3173158"/>
+                  <a:pt x="4736163" y="3233565"/>
+                </a:cubicBezTo>
+                <a:cubicBezTo>
+                  <a:pt x="4770400" y="3279759"/>
+                  <a:pt x="4816050" y="3254885"/>
+                  <a:pt x="4853141" y="3233565"/>
+                </a:cubicBezTo>
+                <a:cubicBezTo>
+                  <a:pt x="4944440" y="3176711"/>
+                  <a:pt x="4935881" y="3190925"/>
+                  <a:pt x="4944440" y="3226459"/>
+                </a:cubicBezTo>
+                <a:cubicBezTo>
+                  <a:pt x="4972972" y="3350827"/>
+                  <a:pt x="5044300" y="3308186"/>
+                  <a:pt x="5109921" y="3283313"/>
+                </a:cubicBezTo>
+                <a:cubicBezTo>
+                  <a:pt x="5303932" y="3208692"/>
+                  <a:pt x="5500797" y="3215799"/>
+                  <a:pt x="5694809" y="3141178"/>
+                </a:cubicBezTo>
+                <a:cubicBezTo>
+                  <a:pt x="5714781" y="3134070"/>
+                  <a:pt x="5612068" y="3283313"/>
+                  <a:pt x="5566419" y="3301079"/>
+                </a:cubicBezTo>
+                <a:cubicBezTo>
+                  <a:pt x="5515063" y="3322399"/>
+                  <a:pt x="5452294" y="3311739"/>
+                  <a:pt x="5415203" y="3397020"/>
+                </a:cubicBezTo>
+                <a:cubicBezTo>
+                  <a:pt x="5477972" y="3414787"/>
+                  <a:pt x="5552153" y="3372147"/>
+                  <a:pt x="5612068" y="3432554"/>
+                </a:cubicBezTo>
+                <a:cubicBezTo>
+                  <a:pt x="5469413" y="3528494"/>
+                  <a:pt x="5329610" y="3535601"/>
+                  <a:pt x="5206927" y="3599562"/>
+                </a:cubicBezTo>
+                <a:cubicBezTo>
+                  <a:pt x="5192661" y="3706163"/>
+                  <a:pt x="5272548" y="3663523"/>
+                  <a:pt x="5301079" y="3723930"/>
+                </a:cubicBezTo>
+                <a:cubicBezTo>
+                  <a:pt x="5072830" y="3844745"/>
+                  <a:pt x="4564977" y="4232062"/>
+                  <a:pt x="4507915" y="4306683"/>
+                </a:cubicBezTo>
+                <a:cubicBezTo>
+                  <a:pt x="4390937" y="4463031"/>
+                  <a:pt x="3900202" y="4562525"/>
+                  <a:pt x="3982942" y="4587399"/>
+                </a:cubicBezTo>
+                <a:cubicBezTo>
+                  <a:pt x="4051417" y="4608719"/>
+                  <a:pt x="4119891" y="4587399"/>
+                  <a:pt x="4185513" y="4541205"/>
+                </a:cubicBezTo>
+                <a:cubicBezTo>
+                  <a:pt x="4291078" y="4466584"/>
+                  <a:pt x="5010062" y="4523438"/>
+                  <a:pt x="5212633" y="4455924"/>
+                </a:cubicBezTo>
+                <a:cubicBezTo>
+                  <a:pt x="5241164" y="4445264"/>
+                  <a:pt x="5283960" y="4409730"/>
+                  <a:pt x="5312492" y="4473691"/>
+                </a:cubicBezTo>
+                <a:cubicBezTo>
+                  <a:pt x="5098508" y="4704659"/>
+                  <a:pt x="4833169" y="4654913"/>
+                  <a:pt x="4596361" y="4818368"/>
+                </a:cubicBezTo>
+                <a:cubicBezTo>
+                  <a:pt x="4684807" y="4917861"/>
+                  <a:pt x="4776107" y="4907202"/>
+                  <a:pt x="4873113" y="4885882"/>
+                </a:cubicBezTo>
+                <a:cubicBezTo>
+                  <a:pt x="4895938" y="4878775"/>
+                  <a:pt x="4930175" y="4871668"/>
+                  <a:pt x="4935881" y="4914309"/>
+                </a:cubicBezTo>
+                <a:cubicBezTo>
+                  <a:pt x="4941587" y="4967609"/>
+                  <a:pt x="4898790" y="4978270"/>
+                  <a:pt x="4873113" y="5003143"/>
+                </a:cubicBezTo>
+                <a:cubicBezTo>
+                  <a:pt x="4833169" y="5038676"/>
+                  <a:pt x="4773254" y="4999590"/>
+                  <a:pt x="4721898" y="5095530"/>
+                </a:cubicBezTo>
+                <a:cubicBezTo>
+                  <a:pt x="4873113" y="5067104"/>
+                  <a:pt x="4998650" y="5020910"/>
+                  <a:pt x="5132745" y="4949842"/>
+                </a:cubicBezTo>
+                <a:cubicBezTo>
+                  <a:pt x="5121333" y="5006696"/>
+                  <a:pt x="5081390" y="5035123"/>
+                  <a:pt x="5101362" y="5081317"/>
+                </a:cubicBezTo>
+                <a:cubicBezTo>
+                  <a:pt x="5118480" y="5116850"/>
+                  <a:pt x="5164130" y="5131063"/>
+                  <a:pt x="5138452" y="5198578"/>
+                </a:cubicBezTo>
+                <a:cubicBezTo>
+                  <a:pt x="5067125" y="5273199"/>
+                  <a:pt x="4967265" y="5258986"/>
+                  <a:pt x="4904497" y="5362033"/>
+                </a:cubicBezTo>
+                <a:cubicBezTo>
+                  <a:pt x="4818903" y="5507721"/>
+                  <a:pt x="4684807" y="5564575"/>
+                  <a:pt x="4579242" y="5674729"/>
+                </a:cubicBezTo>
+                <a:cubicBezTo>
+                  <a:pt x="4545005" y="5713816"/>
+                  <a:pt x="4313903" y="5841738"/>
+                  <a:pt x="4253988" y="5884379"/>
+                </a:cubicBezTo>
+                <a:cubicBezTo>
+                  <a:pt x="4168395" y="5944786"/>
+                  <a:pt x="4071389" y="5966106"/>
+                  <a:pt x="3985795" y="6069153"/>
+                </a:cubicBezTo>
+                <a:cubicBezTo>
+                  <a:pt x="4065682" y="6086921"/>
+                  <a:pt x="4134157" y="5990979"/>
+                  <a:pt x="4231163" y="6030066"/>
+                </a:cubicBezTo>
+                <a:cubicBezTo>
+                  <a:pt x="4074242" y="6133114"/>
+                  <a:pt x="3931586" y="6182861"/>
+                  <a:pt x="3814609" y="6317889"/>
+                </a:cubicBezTo>
+                <a:cubicBezTo>
+                  <a:pt x="3800343" y="6335656"/>
+                  <a:pt x="3771812" y="6332102"/>
+                  <a:pt x="3751840" y="6339209"/>
+                </a:cubicBezTo>
+                <a:cubicBezTo>
+                  <a:pt x="3529298" y="6406723"/>
+                  <a:pt x="3309608" y="6467130"/>
+                  <a:pt x="3089919" y="6563071"/>
+                </a:cubicBezTo>
+                <a:cubicBezTo>
+                  <a:pt x="3041416" y="6584392"/>
+                  <a:pt x="2955823" y="6595052"/>
+                  <a:pt x="2961529" y="6662566"/>
+                </a:cubicBezTo>
+                <a:cubicBezTo>
+                  <a:pt x="2972941" y="6765613"/>
+                  <a:pt x="3055681" y="6687439"/>
+                  <a:pt x="3107038" y="6673226"/>
+                </a:cubicBezTo>
+                <a:cubicBezTo>
+                  <a:pt x="3269664" y="6634138"/>
+                  <a:pt x="3432292" y="6570178"/>
+                  <a:pt x="3594919" y="6591499"/>
+                </a:cubicBezTo>
+                <a:cubicBezTo>
+                  <a:pt x="3483648" y="6637693"/>
+                  <a:pt x="3372376" y="6680332"/>
+                  <a:pt x="3261106" y="6726527"/>
+                </a:cubicBezTo>
+                <a:cubicBezTo>
+                  <a:pt x="3386642" y="6705206"/>
+                  <a:pt x="3495061" y="6786934"/>
+                  <a:pt x="3620597" y="6740740"/>
+                </a:cubicBezTo>
+                <a:cubicBezTo>
+                  <a:pt x="3660541" y="6726527"/>
+                  <a:pt x="3700484" y="6765613"/>
+                  <a:pt x="3703337" y="6826020"/>
+                </a:cubicBezTo>
+                <a:cubicBezTo>
+                  <a:pt x="3706191" y="6847340"/>
+                  <a:pt x="3700484" y="6865108"/>
+                  <a:pt x="3689072" y="6879321"/>
+                </a:cubicBezTo>
+                <a:lnTo>
+                  <a:pt x="0" y="6879321"/>
+                </a:lnTo>
+                <a:close/>
+              </a:path>
+            </a:pathLst>
+          </a:custGeom>
+        </p:spPr>
+      </p:pic>
+      <p:sp>
+        <p:nvSpPr>
+          <p:cNvPr id="3" name="Content Placeholder 2">
+            <a:extLst>
+              <a:ext uri="{FF2B5EF4-FFF2-40B4-BE49-F238E27FC236}">
+                <a16:creationId xmlns:a16="http://schemas.microsoft.com/office/drawing/2014/main" id="{C18F2328-34DF-7BAC-28DD-50274C1ECB28}"/>
+              </a:ext>
+            </a:extLst>
+          </p:cNvPr>
+          <p:cNvSpPr>
+            <a:spLocks noGrp="1"/>
+          </p:cNvSpPr>
+          <p:nvPr>
+            <p:ph idx="1"/>
+          </p:nvPr>
+        </p:nvSpPr>
+        <p:spPr>
+          <a:xfrm>
+            <a:off x="6513788" y="2333297"/>
+            <a:ext cx="4840010" cy="3843666"/>
+          </a:xfrm>
+        </p:spPr>
+        <p:txBody>
+          <a:bodyPr>
+            <a:normAutofit/>
+          </a:bodyPr>
+          <a:lstStyle/>
+          <a:p>
+            <a:pPr marL="0" indent="0" algn="ctr">
+              <a:buNone/>
+            </a:pPr>
+            <a:r>
+              <a:rPr lang="en-US" sz="7200" dirty="0"/>
+              <a:t>Any questions?</a:t>
+            </a:r>
+          </a:p>
+        </p:txBody>
+      </p:sp>
+    </p:spTree>
+    <p:extLst>
+      <p:ext uri="{BB962C8B-B14F-4D97-AF65-F5344CB8AC3E}">
+        <p14:creationId xmlns:p14="http://schemas.microsoft.com/office/powerpoint/2010/main" val="1094242836"/>
+      </p:ext>
+    </p:extLst>
+  </p:cSld>
+  <p:clrMapOvr>
+    <a:masterClrMapping/>
+  </p:clrMapOvr>
+</p:sld>
+</file>
+
+<file path=ppt/slides/slide21.xml><?xml version="1.0" encoding="utf-8"?>
+<p:sld xmlns:a="http://schemas.openxmlformats.org/drawingml/2006/main" xmlns:r="http://schemas.openxmlformats.org/officeDocument/2006/relationships" xmlns:p="http://schemas.openxmlformats.org/presentationml/2006/main">
+  <p:cSld>
+    <p:bg>
+      <p:bgPr>
+        <a:solidFill>
+          <a:schemeClr val="bg1"/>
+        </a:solidFill>
+        <a:effectLst/>
+      </p:bgPr>
+    </p:bg>
+    <p:spTree>
+      <p:nvGrpSpPr>
+        <p:cNvPr id="1" name=""/>
+        <p:cNvGrpSpPr/>
+        <p:nvPr/>
+      </p:nvGrpSpPr>
+      <p:grpSpPr>
+        <a:xfrm>
+          <a:off x="0" y="0"/>
+          <a:ext cx="0" cy="0"/>
+          <a:chOff x="0" y="0"/>
+          <a:chExt cx="0" cy="0"/>
+        </a:xfrm>
+      </p:grpSpPr>
+      <p:sp useBgFill="1">
+        <p:nvSpPr>
+          <p:cNvPr id="9" name="Rectangle 8">
+            <a:extLst>
+              <a:ext uri="{FF2B5EF4-FFF2-40B4-BE49-F238E27FC236}">
                 <a16:creationId xmlns:a16="http://schemas.microsoft.com/office/drawing/2014/main" id="{A3363022-C969-41E9-8EB2-E4C94908C1FA}"/>
               </a:ext>
               <a:ext uri="{C183D7F6-B498-43B3-948B-1728B52AA6E4}">
@@ -41066,6 +42905,11 @@
           </p:cNvGraphicFramePr>
           <p:nvPr>
             <p:ph idx="1"/>
+            <p:extLst>
+              <p:ext uri="{D42A27DB-BD31-4B8C-83A1-F6EECF244321}">
+                <p14:modId xmlns:p14="http://schemas.microsoft.com/office/powerpoint/2010/main" val="1237751312"/>
+              </p:ext>
+            </p:extLst>
           </p:nvPr>
         </p:nvGraphicFramePr>
         <p:xfrm>
@@ -41418,6 +43262,771 @@
 </file>
 
 <file path=ppt/slides/slide5.xml><?xml version="1.0" encoding="utf-8"?>
+<p:sld xmlns:a="http://schemas.openxmlformats.org/drawingml/2006/main" xmlns:r="http://schemas.openxmlformats.org/officeDocument/2006/relationships" xmlns:p="http://schemas.openxmlformats.org/presentationml/2006/main">
+  <p:cSld>
+    <p:bg>
+      <p:bgPr>
+        <a:solidFill>
+          <a:schemeClr val="bg1"/>
+        </a:solidFill>
+        <a:effectLst/>
+      </p:bgPr>
+    </p:bg>
+    <p:spTree>
+      <p:nvGrpSpPr>
+        <p:cNvPr id="1" name=""/>
+        <p:cNvGrpSpPr/>
+        <p:nvPr/>
+      </p:nvGrpSpPr>
+      <p:grpSpPr>
+        <a:xfrm>
+          <a:off x="0" y="0"/>
+          <a:ext cx="0" cy="0"/>
+          <a:chOff x="0" y="0"/>
+          <a:chExt cx="0" cy="0"/>
+        </a:xfrm>
+      </p:grpSpPr>
+      <p:sp useBgFill="1">
+        <p:nvSpPr>
+          <p:cNvPr id="21" name="Rectangle 7">
+            <a:extLst>
+              <a:ext uri="{FF2B5EF4-FFF2-40B4-BE49-F238E27FC236}">
+                <a16:creationId xmlns:a16="http://schemas.microsoft.com/office/drawing/2014/main" id="{09588DA8-065E-4F6F-8EFD-43104AB2E0CF}"/>
+              </a:ext>
+              <a:ext uri="{C183D7F6-B498-43B3-948B-1728B52AA6E4}">
+                <adec:decorative xmlns:adec="http://schemas.microsoft.com/office/drawing/2017/decorative" val="1"/>
+              </a:ext>
+            </a:extLst>
+          </p:cNvPr>
+          <p:cNvSpPr>
+            <a:spLocks noGrp="1" noRot="1" noChangeAspect="1" noMove="1" noResize="1" noEditPoints="1" noAdjustHandles="1" noChangeArrowheads="1" noChangeShapeType="1" noTextEdit="1"/>
+          </p:cNvSpPr>
+          <p:nvPr>
+            <p:extLst>
+              <p:ext uri="{386F3935-93C4-4BCD-93E2-E3B085C9AB24}">
+                <p16:designElem xmlns:p16="http://schemas.microsoft.com/office/powerpoint/2015/main" val="1"/>
+              </p:ext>
+            </p:extLst>
+          </p:nvPr>
+        </p:nvSpPr>
+        <p:spPr>
+          <a:xfrm>
+            <a:off x="0" y="0"/>
+            <a:ext cx="12192000" cy="6858000"/>
+          </a:xfrm>
+          <a:prstGeom prst="rect">
+            <a:avLst/>
+          </a:prstGeom>
+          <a:ln w="12700" cap="flat" cmpd="sng" algn="ctr">
+            <a:noFill/>
+            <a:prstDash val="solid"/>
+            <a:miter lim="800000"/>
+          </a:ln>
+          <a:effectLst/>
+          <a:extLst>
+            <a:ext uri="{91240B29-F687-4F45-9708-019B960494DF}">
+              <a14:hiddenLine xmlns:a14="http://schemas.microsoft.com/office/drawing/2010/main" w="12700" cap="flat" cmpd="sng" algn="ctr">
+                <a:solidFill>
+                  <a:schemeClr val="accent1">
+                    <a:shade val="50000"/>
+                  </a:schemeClr>
+                </a:solidFill>
+                <a:prstDash val="solid"/>
+                <a:miter lim="800000"/>
+              </a14:hiddenLine>
+            </a:ext>
+          </a:extLst>
+        </p:spPr>
+        <p:style>
+          <a:lnRef idx="2">
+            <a:schemeClr val="accent1">
+              <a:shade val="50000"/>
+            </a:schemeClr>
+          </a:lnRef>
+          <a:fillRef idx="1">
+            <a:schemeClr val="accent1"/>
+          </a:fillRef>
+          <a:effectRef idx="0">
+            <a:schemeClr val="accent1"/>
+          </a:effectRef>
+          <a:fontRef idx="minor">
+            <a:schemeClr val="lt1"/>
+          </a:fontRef>
+        </p:style>
+        <p:txBody>
+          <a:bodyPr rtlCol="0" anchor="ctr"/>
+          <a:lstStyle/>
+          <a:p>
+            <a:pPr algn="ctr"/>
+            <a:endParaRPr lang="en-US"/>
+          </a:p>
+        </p:txBody>
+      </p:sp>
+      <p:sp useBgFill="1">
+        <p:nvSpPr>
+          <p:cNvPr id="22" name="Rectangle 9">
+            <a:extLst>
+              <a:ext uri="{FF2B5EF4-FFF2-40B4-BE49-F238E27FC236}">
+                <a16:creationId xmlns:a16="http://schemas.microsoft.com/office/drawing/2014/main" id="{C4285719-470E-454C-AF62-8323075F1F5B}"/>
+              </a:ext>
+              <a:ext uri="{C183D7F6-B498-43B3-948B-1728B52AA6E4}">
+                <adec:decorative xmlns:adec="http://schemas.microsoft.com/office/drawing/2017/decorative" val="1"/>
+              </a:ext>
+            </a:extLst>
+          </p:cNvPr>
+          <p:cNvSpPr>
+            <a:spLocks noGrp="1" noRot="1" noChangeAspect="1" noMove="1" noResize="1" noEditPoints="1" noAdjustHandles="1" noChangeArrowheads="1" noChangeShapeType="1" noTextEdit="1"/>
+          </p:cNvSpPr>
+          <p:nvPr>
+            <p:extLst>
+              <p:ext uri="{386F3935-93C4-4BCD-93E2-E3B085C9AB24}">
+                <p16:designElem xmlns:p16="http://schemas.microsoft.com/office/powerpoint/2015/main" val="1"/>
+              </p:ext>
+            </p:extLst>
+          </p:nvPr>
+        </p:nvSpPr>
+        <p:spPr>
+          <a:xfrm>
+            <a:off x="0" y="0"/>
+            <a:ext cx="12188952" cy="6858000"/>
+          </a:xfrm>
+          <a:prstGeom prst="rect">
+            <a:avLst/>
+          </a:prstGeom>
+          <a:ln w="12700" cap="flat" cmpd="sng" algn="ctr">
+            <a:noFill/>
+            <a:prstDash val="solid"/>
+            <a:miter lim="800000"/>
+          </a:ln>
+          <a:effectLst/>
+          <a:extLst>
+            <a:ext uri="{91240B29-F687-4F45-9708-019B960494DF}">
+              <a14:hiddenLine xmlns:a14="http://schemas.microsoft.com/office/drawing/2010/main" w="12700" cap="flat" cmpd="sng" algn="ctr">
+                <a:solidFill>
+                  <a:schemeClr val="accent1">
+                    <a:shade val="50000"/>
+                  </a:schemeClr>
+                </a:solidFill>
+                <a:prstDash val="solid"/>
+                <a:miter lim="800000"/>
+              </a14:hiddenLine>
+            </a:ext>
+          </a:extLst>
+        </p:spPr>
+        <p:style>
+          <a:lnRef idx="2">
+            <a:schemeClr val="accent1">
+              <a:shade val="50000"/>
+            </a:schemeClr>
+          </a:lnRef>
+          <a:fillRef idx="1">
+            <a:schemeClr val="accent1"/>
+          </a:fillRef>
+          <a:effectRef idx="0">
+            <a:schemeClr val="accent1"/>
+          </a:effectRef>
+          <a:fontRef idx="minor">
+            <a:schemeClr val="lt1"/>
+          </a:fontRef>
+        </p:style>
+        <p:txBody>
+          <a:bodyPr rtlCol="0" anchor="ctr"/>
+          <a:lstStyle/>
+          <a:p>
+            <a:pPr algn="ctr"/>
+            <a:endParaRPr lang="en-US"/>
+          </a:p>
+        </p:txBody>
+      </p:sp>
+      <p:sp>
+        <p:nvSpPr>
+          <p:cNvPr id="23" name="Rectangle 11">
+            <a:extLst>
+              <a:ext uri="{FF2B5EF4-FFF2-40B4-BE49-F238E27FC236}">
+                <a16:creationId xmlns:a16="http://schemas.microsoft.com/office/drawing/2014/main" id="{CD9FE4EF-C4D8-49A0-B2FF-81D8DB7D8A24}"/>
+              </a:ext>
+              <a:ext uri="{C183D7F6-B498-43B3-948B-1728B52AA6E4}">
+                <adec:decorative xmlns:adec="http://schemas.microsoft.com/office/drawing/2017/decorative" val="1"/>
+              </a:ext>
+            </a:extLst>
+          </p:cNvPr>
+          <p:cNvSpPr>
+            <a:spLocks noGrp="1" noRot="1" noChangeAspect="1" noMove="1" noResize="1" noEditPoints="1" noAdjustHandles="1" noChangeArrowheads="1" noChangeShapeType="1" noTextEdit="1"/>
+          </p:cNvSpPr>
+          <p:nvPr>
+            <p:extLst>
+              <p:ext uri="{386F3935-93C4-4BCD-93E2-E3B085C9AB24}">
+                <p16:designElem xmlns:p16="http://schemas.microsoft.com/office/powerpoint/2015/main" val="1"/>
+              </p:ext>
+            </p:extLst>
+          </p:nvPr>
+        </p:nvSpPr>
+        <p:spPr>
+          <a:xfrm rot="5400000" flipH="1">
+            <a:off x="-1410084" y="1410082"/>
+            <a:ext cx="6858000" cy="4037836"/>
+          </a:xfrm>
+          <a:prstGeom prst="rect">
+            <a:avLst/>
+          </a:prstGeom>
+          <a:gradFill>
+            <a:gsLst>
+              <a:gs pos="8000">
+                <a:srgbClr val="000000"/>
+              </a:gs>
+              <a:gs pos="100000">
+                <a:schemeClr val="accent1">
+                  <a:lumMod val="75000"/>
+                </a:schemeClr>
+              </a:gs>
+            </a:gsLst>
+            <a:lin ang="3000000" scaled="0"/>
+          </a:gradFill>
+          <a:ln>
+            <a:noFill/>
+          </a:ln>
+        </p:spPr>
+        <p:style>
+          <a:lnRef idx="2">
+            <a:schemeClr val="accent1">
+              <a:shade val="50000"/>
+            </a:schemeClr>
+          </a:lnRef>
+          <a:fillRef idx="1">
+            <a:schemeClr val="accent1"/>
+          </a:fillRef>
+          <a:effectRef idx="0">
+            <a:schemeClr val="accent1"/>
+          </a:effectRef>
+          <a:fontRef idx="minor">
+            <a:schemeClr val="lt1"/>
+          </a:fontRef>
+        </p:style>
+        <p:txBody>
+          <a:bodyPr rtlCol="0" anchor="ctr"/>
+          <a:lstStyle/>
+          <a:p>
+            <a:pPr algn="ctr"/>
+            <a:endParaRPr lang="en-US"/>
+          </a:p>
+        </p:txBody>
+      </p:sp>
+      <p:sp>
+        <p:nvSpPr>
+          <p:cNvPr id="24" name="Rectangle 13">
+            <a:extLst>
+              <a:ext uri="{FF2B5EF4-FFF2-40B4-BE49-F238E27FC236}">
+                <a16:creationId xmlns:a16="http://schemas.microsoft.com/office/drawing/2014/main" id="{4300840D-0A0B-4512-BACA-B439D5B9C57C}"/>
+              </a:ext>
+              <a:ext uri="{C183D7F6-B498-43B3-948B-1728B52AA6E4}">
+                <adec:decorative xmlns:adec="http://schemas.microsoft.com/office/drawing/2017/decorative" val="1"/>
+              </a:ext>
+            </a:extLst>
+          </p:cNvPr>
+          <p:cNvSpPr>
+            <a:spLocks noGrp="1" noRot="1" noChangeAspect="1" noMove="1" noResize="1" noEditPoints="1" noAdjustHandles="1" noChangeArrowheads="1" noChangeShapeType="1" noTextEdit="1"/>
+          </p:cNvSpPr>
+          <p:nvPr>
+            <p:extLst>
+              <p:ext uri="{386F3935-93C4-4BCD-93E2-E3B085C9AB24}">
+                <p16:designElem xmlns:p16="http://schemas.microsoft.com/office/powerpoint/2015/main" val="1"/>
+              </p:ext>
+            </p:extLst>
+          </p:nvPr>
+        </p:nvSpPr>
+        <p:spPr>
+          <a:xfrm rot="5400000" flipH="1">
+            <a:off x="-1410085" y="1420219"/>
+            <a:ext cx="6857999" cy="4037839"/>
+          </a:xfrm>
+          <a:prstGeom prst="rect">
+            <a:avLst/>
+          </a:prstGeom>
+          <a:gradFill>
+            <a:gsLst>
+              <a:gs pos="0">
+                <a:srgbClr val="000000">
+                  <a:alpha val="0"/>
+                </a:srgbClr>
+              </a:gs>
+              <a:gs pos="99000">
+                <a:schemeClr val="accent1">
+                  <a:alpha val="46000"/>
+                </a:schemeClr>
+              </a:gs>
+            </a:gsLst>
+            <a:lin ang="1800000" scaled="0"/>
+          </a:gradFill>
+          <a:ln>
+            <a:noFill/>
+          </a:ln>
+        </p:spPr>
+        <p:style>
+          <a:lnRef idx="2">
+            <a:schemeClr val="accent1">
+              <a:shade val="50000"/>
+            </a:schemeClr>
+          </a:lnRef>
+          <a:fillRef idx="1">
+            <a:schemeClr val="accent1"/>
+          </a:fillRef>
+          <a:effectRef idx="0">
+            <a:schemeClr val="accent1"/>
+          </a:effectRef>
+          <a:fontRef idx="minor">
+            <a:schemeClr val="lt1"/>
+          </a:fontRef>
+        </p:style>
+        <p:txBody>
+          <a:bodyPr rtlCol="0" anchor="ctr"/>
+          <a:lstStyle/>
+          <a:p>
+            <a:pPr algn="ctr"/>
+            <a:endParaRPr lang="en-US"/>
+          </a:p>
+        </p:txBody>
+      </p:sp>
+      <p:sp>
+        <p:nvSpPr>
+          <p:cNvPr id="25" name="Rectangle 15">
+            <a:extLst>
+              <a:ext uri="{FF2B5EF4-FFF2-40B4-BE49-F238E27FC236}">
+                <a16:creationId xmlns:a16="http://schemas.microsoft.com/office/drawing/2014/main" id="{D2B78728-A580-49A7-84F9-6EF6F583ADE0}"/>
+              </a:ext>
+              <a:ext uri="{C183D7F6-B498-43B3-948B-1728B52AA6E4}">
+                <adec:decorative xmlns:adec="http://schemas.microsoft.com/office/drawing/2017/decorative" val="1"/>
+              </a:ext>
+            </a:extLst>
+          </p:cNvPr>
+          <p:cNvSpPr>
+            <a:spLocks noGrp="1" noRot="1" noChangeAspect="1" noMove="1" noResize="1" noEditPoints="1" noAdjustHandles="1" noChangeArrowheads="1" noChangeShapeType="1" noTextEdit="1"/>
+          </p:cNvSpPr>
+          <p:nvPr>
+            <p:extLst>
+              <p:ext uri="{386F3935-93C4-4BCD-93E2-E3B085C9AB24}">
+                <p16:designElem xmlns:p16="http://schemas.microsoft.com/office/powerpoint/2015/main" val="1"/>
+              </p:ext>
+            </p:extLst>
+          </p:nvPr>
+        </p:nvSpPr>
+        <p:spPr>
+          <a:xfrm rot="5400000" flipH="1">
+            <a:off x="767923" y="3588085"/>
+            <a:ext cx="2501979" cy="4037841"/>
+          </a:xfrm>
+          <a:prstGeom prst="rect">
+            <a:avLst/>
+          </a:prstGeom>
+          <a:gradFill>
+            <a:gsLst>
+              <a:gs pos="2000">
+                <a:schemeClr val="accent1">
+                  <a:alpha val="29000"/>
+                </a:schemeClr>
+              </a:gs>
+              <a:gs pos="100000">
+                <a:srgbClr val="000000">
+                  <a:alpha val="30000"/>
+                </a:srgbClr>
+              </a:gs>
+            </a:gsLst>
+            <a:lin ang="7800000" scaled="0"/>
+          </a:gradFill>
+          <a:ln>
+            <a:noFill/>
+          </a:ln>
+        </p:spPr>
+        <p:style>
+          <a:lnRef idx="2">
+            <a:schemeClr val="accent1">
+              <a:shade val="50000"/>
+            </a:schemeClr>
+          </a:lnRef>
+          <a:fillRef idx="1">
+            <a:schemeClr val="accent1"/>
+          </a:fillRef>
+          <a:effectRef idx="0">
+            <a:schemeClr val="accent1"/>
+          </a:effectRef>
+          <a:fontRef idx="minor">
+            <a:schemeClr val="lt1"/>
+          </a:fontRef>
+        </p:style>
+        <p:txBody>
+          <a:bodyPr rtlCol="0" anchor="ctr"/>
+          <a:lstStyle/>
+          <a:p>
+            <a:pPr algn="ctr"/>
+            <a:endParaRPr lang="en-US" dirty="0"/>
+          </a:p>
+        </p:txBody>
+      </p:sp>
+      <p:sp>
+        <p:nvSpPr>
+          <p:cNvPr id="26" name="Freeform: Shape 17">
+            <a:extLst>
+              <a:ext uri="{FF2B5EF4-FFF2-40B4-BE49-F238E27FC236}">
+                <a16:creationId xmlns:a16="http://schemas.microsoft.com/office/drawing/2014/main" id="{38FAA1A1-D861-433F-88FA-1E9D6FD31D11}"/>
+              </a:ext>
+              <a:ext uri="{C183D7F6-B498-43B3-948B-1728B52AA6E4}">
+                <adec:decorative xmlns:adec="http://schemas.microsoft.com/office/drawing/2017/decorative" val="1"/>
+              </a:ext>
+            </a:extLst>
+          </p:cNvPr>
+          <p:cNvSpPr>
+            <a:spLocks noGrp="1" noRot="1" noChangeAspect="1" noMove="1" noResize="1" noEditPoints="1" noAdjustHandles="1" noChangeArrowheads="1" noChangeShapeType="1" noTextEdit="1"/>
+          </p:cNvSpPr>
+          <p:nvPr>
+            <p:extLst>
+              <p:ext uri="{386F3935-93C4-4BCD-93E2-E3B085C9AB24}">
+                <p16:designElem xmlns:p16="http://schemas.microsoft.com/office/powerpoint/2015/main" val="1"/>
+              </p:ext>
+            </p:extLst>
+          </p:nvPr>
+        </p:nvSpPr>
+        <p:spPr>
+          <a:xfrm rot="20635413">
+            <a:off x="-501737" y="969718"/>
+            <a:ext cx="3900357" cy="4178958"/>
+          </a:xfrm>
+          <a:custGeom>
+            <a:avLst/>
+            <a:gdLst>
+              <a:gd name="connsiteX0" fmla="*/ 2432225 w 3900357"/>
+              <a:gd name="connsiteY0" fmla="*/ 93939 h 4178958"/>
+              <a:gd name="connsiteX1" fmla="*/ 3900357 w 3900357"/>
+              <a:gd name="connsiteY1" fmla="*/ 2089479 h 4178958"/>
+              <a:gd name="connsiteX2" fmla="*/ 1810878 w 3900357"/>
+              <a:gd name="connsiteY2" fmla="*/ 4178958 h 4178958"/>
+              <a:gd name="connsiteX3" fmla="*/ 78249 w 3900357"/>
+              <a:gd name="connsiteY3" fmla="*/ 3257727 h 4178958"/>
+              <a:gd name="connsiteX4" fmla="*/ 0 w 3900357"/>
+              <a:gd name="connsiteY4" fmla="*/ 3128923 h 4178958"/>
+              <a:gd name="connsiteX5" fmla="*/ 831324 w 3900357"/>
+              <a:gd name="connsiteY5" fmla="*/ 244281 h 4178958"/>
+              <a:gd name="connsiteX6" fmla="*/ 997559 w 3900357"/>
+              <a:gd name="connsiteY6" fmla="*/ 164202 h 4178958"/>
+              <a:gd name="connsiteX7" fmla="*/ 1810878 w 3900357"/>
+              <a:gd name="connsiteY7" fmla="*/ 0 h 4178958"/>
+              <a:gd name="connsiteX8" fmla="*/ 2432225 w 3900357"/>
+              <a:gd name="connsiteY8" fmla="*/ 93939 h 4178958"/>
+            </a:gdLst>
+            <a:ahLst/>
+            <a:cxnLst>
+              <a:cxn ang="0">
+                <a:pos x="connsiteX0" y="connsiteY0"/>
+              </a:cxn>
+              <a:cxn ang="0">
+                <a:pos x="connsiteX1" y="connsiteY1"/>
+              </a:cxn>
+              <a:cxn ang="0">
+                <a:pos x="connsiteX2" y="connsiteY2"/>
+              </a:cxn>
+              <a:cxn ang="0">
+                <a:pos x="connsiteX3" y="connsiteY3"/>
+              </a:cxn>
+              <a:cxn ang="0">
+                <a:pos x="connsiteX4" y="connsiteY4"/>
+              </a:cxn>
+              <a:cxn ang="0">
+                <a:pos x="connsiteX5" y="connsiteY5"/>
+              </a:cxn>
+              <a:cxn ang="0">
+                <a:pos x="connsiteX6" y="connsiteY6"/>
+              </a:cxn>
+              <a:cxn ang="0">
+                <a:pos x="connsiteX7" y="connsiteY7"/>
+              </a:cxn>
+              <a:cxn ang="0">
+                <a:pos x="connsiteX8" y="connsiteY8"/>
+              </a:cxn>
+            </a:cxnLst>
+            <a:rect l="l" t="t" r="r" b="b"/>
+            <a:pathLst>
+              <a:path w="3900357" h="4178958">
+                <a:moveTo>
+                  <a:pt x="2432225" y="93939"/>
+                </a:moveTo>
+                <a:cubicBezTo>
+                  <a:pt x="3282786" y="358491"/>
+                  <a:pt x="3900357" y="1151865"/>
+                  <a:pt x="3900357" y="2089479"/>
+                </a:cubicBezTo>
+                <a:cubicBezTo>
+                  <a:pt x="3900357" y="3243466"/>
+                  <a:pt x="2964865" y="4178958"/>
+                  <a:pt x="1810878" y="4178958"/>
+                </a:cubicBezTo>
+                <a:cubicBezTo>
+                  <a:pt x="1089636" y="4178958"/>
+                  <a:pt x="453744" y="3813531"/>
+                  <a:pt x="78249" y="3257727"/>
+                </a:cubicBezTo>
+                <a:lnTo>
+                  <a:pt x="0" y="3128923"/>
+                </a:lnTo>
+                <a:lnTo>
+                  <a:pt x="831324" y="244281"/>
+                </a:lnTo>
+                <a:lnTo>
+                  <a:pt x="997559" y="164202"/>
+                </a:lnTo>
+                <a:cubicBezTo>
+                  <a:pt x="1247540" y="58468"/>
+                  <a:pt x="1522381" y="0"/>
+                  <a:pt x="1810878" y="0"/>
+                </a:cubicBezTo>
+                <a:cubicBezTo>
+                  <a:pt x="2027251" y="0"/>
+                  <a:pt x="2235942" y="32888"/>
+                  <a:pt x="2432225" y="93939"/>
+                </a:cubicBezTo>
+                <a:close/>
+              </a:path>
+            </a:pathLst>
+          </a:custGeom>
+          <a:gradFill>
+            <a:gsLst>
+              <a:gs pos="29000">
+                <a:srgbClr val="000000">
+                  <a:alpha val="0"/>
+                </a:srgbClr>
+              </a:gs>
+              <a:gs pos="100000">
+                <a:schemeClr val="accent1">
+                  <a:alpha val="43000"/>
+                </a:schemeClr>
+              </a:gs>
+            </a:gsLst>
+            <a:lin ang="1800000" scaled="0"/>
+          </a:gradFill>
+          <a:ln>
+            <a:noFill/>
+          </a:ln>
+        </p:spPr>
+        <p:style>
+          <a:lnRef idx="2">
+            <a:schemeClr val="accent1">
+              <a:shade val="50000"/>
+            </a:schemeClr>
+          </a:lnRef>
+          <a:fillRef idx="1">
+            <a:schemeClr val="accent1"/>
+          </a:fillRef>
+          <a:effectRef idx="0">
+            <a:schemeClr val="accent1"/>
+          </a:effectRef>
+          <a:fontRef idx="minor">
+            <a:schemeClr val="lt1"/>
+          </a:fontRef>
+        </p:style>
+        <p:txBody>
+          <a:bodyPr wrap="square" rtlCol="0" anchor="ctr">
+            <a:noAutofit/>
+          </a:bodyPr>
+          <a:lstStyle/>
+          <a:p>
+            <a:pPr algn="ctr"/>
+            <a:endParaRPr lang="en-US" dirty="0"/>
+          </a:p>
+        </p:txBody>
+      </p:sp>
+      <p:sp>
+        <p:nvSpPr>
+          <p:cNvPr id="20" name="Rectangle 19">
+            <a:extLst>
+              <a:ext uri="{FF2B5EF4-FFF2-40B4-BE49-F238E27FC236}">
+                <a16:creationId xmlns:a16="http://schemas.microsoft.com/office/drawing/2014/main" id="{8D71EDA1-87BF-4D5D-AB79-F346FD19278A}"/>
+              </a:ext>
+              <a:ext uri="{C183D7F6-B498-43B3-948B-1728B52AA6E4}">
+                <adec:decorative xmlns:adec="http://schemas.microsoft.com/office/drawing/2017/decorative" val="1"/>
+              </a:ext>
+            </a:extLst>
+          </p:cNvPr>
+          <p:cNvSpPr>
+            <a:spLocks noGrp="1" noRot="1" noChangeAspect="1" noMove="1" noResize="1" noEditPoints="1" noAdjustHandles="1" noChangeArrowheads="1" noChangeShapeType="1" noTextEdit="1"/>
+          </p:cNvSpPr>
+          <p:nvPr>
+            <p:extLst>
+              <p:ext uri="{386F3935-93C4-4BCD-93E2-E3B085C9AB24}">
+                <p16:designElem xmlns:p16="http://schemas.microsoft.com/office/powerpoint/2015/main" val="1"/>
+              </p:ext>
+            </p:extLst>
+          </p:nvPr>
+        </p:nvSpPr>
+        <p:spPr>
+          <a:xfrm rot="5400000" flipH="1">
+            <a:off x="-1410093" y="1399943"/>
+            <a:ext cx="6858003" cy="4037835"/>
+          </a:xfrm>
+          <a:prstGeom prst="rect">
+            <a:avLst/>
+          </a:prstGeom>
+          <a:gradFill>
+            <a:gsLst>
+              <a:gs pos="0">
+                <a:srgbClr val="000000">
+                  <a:alpha val="0"/>
+                </a:srgbClr>
+              </a:gs>
+              <a:gs pos="99000">
+                <a:schemeClr val="accent1">
+                  <a:lumMod val="60000"/>
+                  <a:lumOff val="40000"/>
+                  <a:alpha val="11000"/>
+                </a:schemeClr>
+              </a:gs>
+            </a:gsLst>
+            <a:lin ang="7200000" scaled="0"/>
+          </a:gradFill>
+          <a:ln>
+            <a:noFill/>
+          </a:ln>
+        </p:spPr>
+        <p:style>
+          <a:lnRef idx="2">
+            <a:schemeClr val="accent1">
+              <a:shade val="50000"/>
+            </a:schemeClr>
+          </a:lnRef>
+          <a:fillRef idx="1">
+            <a:schemeClr val="accent1"/>
+          </a:fillRef>
+          <a:effectRef idx="0">
+            <a:schemeClr val="accent1"/>
+          </a:effectRef>
+          <a:fontRef idx="minor">
+            <a:schemeClr val="lt1"/>
+          </a:fontRef>
+        </p:style>
+        <p:txBody>
+          <a:bodyPr rtlCol="0" anchor="ctr"/>
+          <a:lstStyle/>
+          <a:p>
+            <a:pPr algn="ctr"/>
+            <a:endParaRPr lang="en-US"/>
+          </a:p>
+        </p:txBody>
+      </p:sp>
+      <p:sp>
+        <p:nvSpPr>
+          <p:cNvPr id="2" name="Title 1">
+            <a:extLst>
+              <a:ext uri="{FF2B5EF4-FFF2-40B4-BE49-F238E27FC236}">
+                <a16:creationId xmlns:a16="http://schemas.microsoft.com/office/drawing/2014/main" id="{31C0EBEE-77A1-4314-F147-590F5F746A74}"/>
+              </a:ext>
+            </a:extLst>
+          </p:cNvPr>
+          <p:cNvSpPr>
+            <a:spLocks noGrp="1"/>
+          </p:cNvSpPr>
+          <p:nvPr>
+            <p:ph type="title"/>
+          </p:nvPr>
+        </p:nvSpPr>
+        <p:spPr>
+          <a:xfrm>
+            <a:off x="466722" y="586855"/>
+            <a:ext cx="3201366" cy="3387497"/>
+          </a:xfrm>
+        </p:spPr>
+        <p:txBody>
+          <a:bodyPr anchor="b">
+            <a:normAutofit/>
+          </a:bodyPr>
+          <a:lstStyle/>
+          <a:p>
+            <a:pPr algn="r"/>
+            <a:r>
+              <a:rPr lang="en-US" sz="4000" b="1">
+                <a:solidFill>
+                  <a:srgbClr val="FFFFFF"/>
+                </a:solidFill>
+              </a:rPr>
+              <a:t>What is Storage</a:t>
+            </a:r>
+          </a:p>
+        </p:txBody>
+      </p:sp>
+      <p:sp>
+        <p:nvSpPr>
+          <p:cNvPr id="3" name="Content Placeholder 2">
+            <a:extLst>
+              <a:ext uri="{FF2B5EF4-FFF2-40B4-BE49-F238E27FC236}">
+                <a16:creationId xmlns:a16="http://schemas.microsoft.com/office/drawing/2014/main" id="{67FF8C00-1B86-37C8-DDFF-7DA56F25AE10}"/>
+              </a:ext>
+            </a:extLst>
+          </p:cNvPr>
+          <p:cNvSpPr>
+            <a:spLocks noGrp="1"/>
+          </p:cNvSpPr>
+          <p:nvPr>
+            <p:ph idx="1"/>
+          </p:nvPr>
+        </p:nvSpPr>
+        <p:spPr>
+          <a:xfrm>
+            <a:off x="4810259" y="649480"/>
+            <a:ext cx="6555347" cy="5546047"/>
+          </a:xfrm>
+        </p:spPr>
+        <p:txBody>
+          <a:bodyPr anchor="ctr">
+            <a:normAutofit/>
+          </a:bodyPr>
+          <a:lstStyle/>
+          <a:p>
+            <a:r>
+              <a:rPr lang="en-US" sz="2000" dirty="0"/>
+              <a:t>The ability of storing digital information over a data storage device</a:t>
+            </a:r>
+          </a:p>
+          <a:p>
+            <a:r>
+              <a:rPr lang="en-US" sz="2000" dirty="0"/>
+              <a:t>Every system nowadays is generating massive amount of data like AI apps, big data and machine learning app, IOT apps, …etc. so the need for storage is becoming more and more important nowadays</a:t>
+            </a:r>
+          </a:p>
+          <a:p>
+            <a:r>
+              <a:rPr lang="en-US" sz="2000" dirty="0"/>
+              <a:t>Storage over the cloud gives us some benefits like:</a:t>
+            </a:r>
+          </a:p>
+          <a:p>
+            <a:pPr marL="0" indent="0">
+              <a:buNone/>
+            </a:pPr>
+            <a:r>
+              <a:rPr lang="en-US" sz="2000" dirty="0"/>
+              <a:t>- Having accessibility for the data from anywhere over any platform like windows, Linux and macOS</a:t>
+            </a:r>
+          </a:p>
+          <a:p>
+            <a:pPr marL="0" indent="0">
+              <a:buNone/>
+            </a:pPr>
+            <a:r>
+              <a:rPr lang="en-US" sz="2000" dirty="0"/>
+              <a:t>- Infinite scalability for the storage required according to your needs in seconds</a:t>
+            </a:r>
+          </a:p>
+        </p:txBody>
+      </p:sp>
+    </p:spTree>
+    <p:extLst>
+      <p:ext uri="{BB962C8B-B14F-4D97-AF65-F5344CB8AC3E}">
+        <p14:creationId xmlns:p14="http://schemas.microsoft.com/office/powerpoint/2010/main" val="2648317420"/>
+      </p:ext>
+    </p:extLst>
+  </p:cSld>
+  <p:clrMapOvr>
+    <a:masterClrMapping/>
+  </p:clrMapOvr>
+</p:sld>
+</file>
+
+<file path=ppt/slides/slide6.xml><?xml version="1.0" encoding="utf-8"?>
 <p:sld xmlns:a="http://schemas.openxmlformats.org/drawingml/2006/main" xmlns:r="http://schemas.openxmlformats.org/officeDocument/2006/relationships" xmlns:p="http://schemas.openxmlformats.org/presentationml/2006/main">
   <p:cSld>
     <p:bg>
@@ -41869,8 +44478,8 @@
 </p:sld>
 </file>
 
-<file path=ppt/slides/slide6.xml><?xml version="1.0" encoding="utf-8"?>
-<p:sld xmlns:a="http://schemas.openxmlformats.org/drawingml/2006/main" xmlns:r="http://schemas.openxmlformats.org/officeDocument/2006/relationships" xmlns:p="http://schemas.openxmlformats.org/presentationml/2006/main">
+<file path=ppt/slides/slide7.xml><?xml version="1.0" encoding="utf-8"?>
+<p:sld xmlns:a="http://schemas.openxmlformats.org/drawingml/2006/main" xmlns:r="http://schemas.openxmlformats.org/officeDocument/2006/relationships" xmlns:p="http://schemas.openxmlformats.org/presentationml/2006/main" show="0">
   <p:cSld>
     <p:bg>
       <p:bgPr>
@@ -44350,7 +46959,7 @@
 </p:sld>
 </file>
 
-<file path=ppt/slides/slide7.xml><?xml version="1.0" encoding="utf-8"?>
+<file path=ppt/slides/slide8.xml><?xml version="1.0" encoding="utf-8"?>
 <p:sld xmlns:a="http://schemas.openxmlformats.org/drawingml/2006/main" xmlns:r="http://schemas.openxmlformats.org/officeDocument/2006/relationships" xmlns:p="http://schemas.openxmlformats.org/presentationml/2006/main">
   <p:cSld>
     <p:bg>
@@ -45821,8 +48430,8 @@
 </p:sld>
 </file>
 
-<file path=ppt/slides/slide8.xml><?xml version="1.0" encoding="utf-8"?>
-<p:sld xmlns:a="http://schemas.openxmlformats.org/drawingml/2006/main" xmlns:r="http://schemas.openxmlformats.org/officeDocument/2006/relationships" xmlns:p="http://schemas.openxmlformats.org/presentationml/2006/main">
+<file path=ppt/slides/slide9.xml><?xml version="1.0" encoding="utf-8"?>
+<p:sld xmlns:a="http://schemas.openxmlformats.org/drawingml/2006/main" xmlns:r="http://schemas.openxmlformats.org/officeDocument/2006/relationships" xmlns:p="http://schemas.openxmlformats.org/presentationml/2006/main" show="0">
   <p:cSld>
     <p:spTree>
       <p:nvGrpSpPr>
@@ -45905,1481 +48514,9 @@
 </p:sld>
 </file>
 
-<file path=ppt/slides/slide9.xml><?xml version="1.0" encoding="utf-8"?>
-<p:sld xmlns:a="http://schemas.openxmlformats.org/drawingml/2006/main" xmlns:r="http://schemas.openxmlformats.org/officeDocument/2006/relationships" xmlns:p="http://schemas.openxmlformats.org/presentationml/2006/main">
-  <p:cSld>
-    <p:bg>
-      <p:bgPr>
-        <a:solidFill>
-          <a:schemeClr val="bg1"/>
-        </a:solidFill>
-        <a:effectLst/>
-      </p:bgPr>
-    </p:bg>
-    <p:spTree>
-      <p:nvGrpSpPr>
-        <p:cNvPr id="1" name=""/>
-        <p:cNvGrpSpPr/>
-        <p:nvPr/>
-      </p:nvGrpSpPr>
-      <p:grpSpPr>
-        <a:xfrm>
-          <a:off x="0" y="0"/>
-          <a:ext cx="0" cy="0"/>
-          <a:chOff x="0" y="0"/>
-          <a:chExt cx="0" cy="0"/>
-        </a:xfrm>
-      </p:grpSpPr>
-      <p:sp useBgFill="1">
-        <p:nvSpPr>
-          <p:cNvPr id="12" name="Rectangle 11">
-            <a:extLst>
-              <a:ext uri="{FF2B5EF4-FFF2-40B4-BE49-F238E27FC236}">
-                <a16:creationId xmlns:a16="http://schemas.microsoft.com/office/drawing/2014/main" id="{5D11FD0E-2D27-4A5A-949D-222E61ECBCC3}"/>
-              </a:ext>
-              <a:ext uri="{C183D7F6-B498-43B3-948B-1728B52AA6E4}">
-                <adec:decorative xmlns:adec="http://schemas.microsoft.com/office/drawing/2017/decorative" val="1"/>
-              </a:ext>
-            </a:extLst>
-          </p:cNvPr>
-          <p:cNvSpPr>
-            <a:spLocks noGrp="1" noRot="1" noChangeAspect="1" noMove="1" noResize="1" noEditPoints="1" noAdjustHandles="1" noChangeArrowheads="1" noChangeShapeType="1" noTextEdit="1"/>
-          </p:cNvSpPr>
-          <p:nvPr>
-            <p:extLst>
-              <p:ext uri="{386F3935-93C4-4BCD-93E2-E3B085C9AB24}">
-                <p16:designElem xmlns:p16="http://schemas.microsoft.com/office/powerpoint/2015/main" val="1"/>
-              </p:ext>
-            </p:extLst>
-          </p:nvPr>
-        </p:nvSpPr>
-        <p:spPr>
-          <a:xfrm>
-            <a:off x="0" y="0"/>
-            <a:ext cx="12188952" cy="6858000"/>
-          </a:xfrm>
-          <a:prstGeom prst="rect">
-            <a:avLst/>
-          </a:prstGeom>
-          <a:ln>
-            <a:noFill/>
-          </a:ln>
-        </p:spPr>
-        <p:style>
-          <a:lnRef idx="2">
-            <a:schemeClr val="accent1">
-              <a:shade val="50000"/>
-            </a:schemeClr>
-          </a:lnRef>
-          <a:fillRef idx="1">
-            <a:schemeClr val="accent1"/>
-          </a:fillRef>
-          <a:effectRef idx="0">
-            <a:schemeClr val="accent1"/>
-          </a:effectRef>
-          <a:fontRef idx="minor">
-            <a:schemeClr val="lt1"/>
-          </a:fontRef>
-        </p:style>
-        <p:txBody>
-          <a:bodyPr rtlCol="0" anchor="ctr"/>
-          <a:lstStyle/>
-          <a:p>
-            <a:pPr algn="ctr"/>
-            <a:endParaRPr lang="en-US"/>
-          </a:p>
-        </p:txBody>
-      </p:sp>
-      <p:sp>
-        <p:nvSpPr>
-          <p:cNvPr id="14" name="Freeform: Shape 13">
-            <a:extLst>
-              <a:ext uri="{FF2B5EF4-FFF2-40B4-BE49-F238E27FC236}">
-                <a16:creationId xmlns:a16="http://schemas.microsoft.com/office/drawing/2014/main" id="{1BC8109F-B452-45EE-8BB3-65433C039601}"/>
-              </a:ext>
-              <a:ext uri="{C183D7F6-B498-43B3-948B-1728B52AA6E4}">
-                <adec:decorative xmlns:adec="http://schemas.microsoft.com/office/drawing/2017/decorative" val="1"/>
-              </a:ext>
-            </a:extLst>
-          </p:cNvPr>
-          <p:cNvSpPr>
-            <a:spLocks noGrp="1" noRot="1" noChangeAspect="1" noMove="1" noResize="1" noEditPoints="1" noAdjustHandles="1" noChangeArrowheads="1" noChangeShapeType="1" noTextEdit="1"/>
-          </p:cNvSpPr>
-          <p:nvPr>
-            <p:extLst>
-              <p:ext uri="{386F3935-93C4-4BCD-93E2-E3B085C9AB24}">
-                <p16:designElem xmlns:p16="http://schemas.microsoft.com/office/powerpoint/2015/main" val="1"/>
-              </p:ext>
-            </p:extLst>
-          </p:nvPr>
-        </p:nvSpPr>
-        <p:spPr>
-          <a:xfrm>
-            <a:off x="1768100" y="-1"/>
-            <a:ext cx="10423900" cy="5920155"/>
-          </a:xfrm>
-          <a:custGeom>
-            <a:avLst/>
-            <a:gdLst>
-              <a:gd name="connsiteX0" fmla="*/ 10423900 w 10423900"/>
-              <a:gd name="connsiteY0" fmla="*/ 0 h 5491534"/>
-              <a:gd name="connsiteX1" fmla="*/ 3493157 w 10423900"/>
-              <a:gd name="connsiteY1" fmla="*/ 0 h 5491534"/>
-              <a:gd name="connsiteX2" fmla="*/ 3493018 w 10423900"/>
-              <a:gd name="connsiteY2" fmla="*/ 31 h 5491534"/>
-              <a:gd name="connsiteX3" fmla="*/ 3245493 w 10423900"/>
-              <a:gd name="connsiteY3" fmla="*/ 104839 h 5491534"/>
-              <a:gd name="connsiteX4" fmla="*/ 4434802 w 10423900"/>
-              <a:gd name="connsiteY4" fmla="*/ 284558 h 5491534"/>
-              <a:gd name="connsiteX5" fmla="*/ 4011937 w 10423900"/>
-              <a:gd name="connsiteY5" fmla="*/ 395559 h 5491534"/>
-              <a:gd name="connsiteX6" fmla="*/ 3573213 w 10423900"/>
-              <a:gd name="connsiteY6" fmla="*/ 474847 h 5491534"/>
-              <a:gd name="connsiteX7" fmla="*/ 3097489 w 10423900"/>
-              <a:gd name="connsiteY7" fmla="*/ 532990 h 5491534"/>
-              <a:gd name="connsiteX8" fmla="*/ 2664052 w 10423900"/>
-              <a:gd name="connsiteY8" fmla="*/ 649279 h 5491534"/>
-              <a:gd name="connsiteX9" fmla="*/ 3795218 w 10423900"/>
-              <a:gd name="connsiteY9" fmla="*/ 696852 h 5491534"/>
-              <a:gd name="connsiteX10" fmla="*/ 3208492 w 10423900"/>
-              <a:gd name="connsiteY10" fmla="*/ 802568 h 5491534"/>
-              <a:gd name="connsiteX11" fmla="*/ 2727483 w 10423900"/>
-              <a:gd name="connsiteY11" fmla="*/ 939999 h 5491534"/>
-              <a:gd name="connsiteX12" fmla="*/ 2389190 w 10423900"/>
-              <a:gd name="connsiteY12" fmla="*/ 1003429 h 5491534"/>
-              <a:gd name="connsiteX13" fmla="*/ 2029754 w 10423900"/>
-              <a:gd name="connsiteY13" fmla="*/ 1019287 h 5491534"/>
-              <a:gd name="connsiteX14" fmla="*/ 1945181 w 10423900"/>
-              <a:gd name="connsiteY14" fmla="*/ 1119716 h 5491534"/>
-              <a:gd name="connsiteX15" fmla="*/ 2056184 w 10423900"/>
-              <a:gd name="connsiteY15" fmla="*/ 1225434 h 5491534"/>
-              <a:gd name="connsiteX16" fmla="*/ 2225329 w 10423900"/>
-              <a:gd name="connsiteY16" fmla="*/ 1236004 h 5491534"/>
-              <a:gd name="connsiteX17" fmla="*/ 3234920 w 10423900"/>
-              <a:gd name="connsiteY17" fmla="*/ 1262435 h 5491534"/>
-              <a:gd name="connsiteX18" fmla="*/ 0 w 10423900"/>
-              <a:gd name="connsiteY18" fmla="*/ 1495009 h 5491534"/>
-              <a:gd name="connsiteX19" fmla="*/ 438724 w 10423900"/>
-              <a:gd name="connsiteY19" fmla="*/ 1637728 h 5491534"/>
-              <a:gd name="connsiteX20" fmla="*/ 586726 w 10423900"/>
-              <a:gd name="connsiteY20" fmla="*/ 2028877 h 5491534"/>
-              <a:gd name="connsiteX21" fmla="*/ 1125878 w 10423900"/>
-              <a:gd name="connsiteY21" fmla="*/ 2250882 h 5491534"/>
-              <a:gd name="connsiteX22" fmla="*/ 1474744 w 10423900"/>
-              <a:gd name="connsiteY22" fmla="*/ 2330169 h 5491534"/>
-              <a:gd name="connsiteX23" fmla="*/ 2272901 w 10423900"/>
-              <a:gd name="connsiteY23" fmla="*/ 2446458 h 5491534"/>
-              <a:gd name="connsiteX24" fmla="*/ 2389190 w 10423900"/>
-              <a:gd name="connsiteY24" fmla="*/ 2636747 h 5491534"/>
-              <a:gd name="connsiteX25" fmla="*/ 2489621 w 10423900"/>
-              <a:gd name="connsiteY25" fmla="*/ 2848179 h 5491534"/>
-              <a:gd name="connsiteX26" fmla="*/ 2701053 w 10423900"/>
-              <a:gd name="connsiteY26" fmla="*/ 2985611 h 5491534"/>
-              <a:gd name="connsiteX27" fmla="*/ 1057165 w 10423900"/>
-              <a:gd name="connsiteY27" fmla="*/ 2964468 h 5491534"/>
-              <a:gd name="connsiteX28" fmla="*/ 2912485 w 10423900"/>
-              <a:gd name="connsiteY28" fmla="*/ 3408477 h 5491534"/>
-              <a:gd name="connsiteX29" fmla="*/ 2748626 w 10423900"/>
-              <a:gd name="connsiteY29" fmla="*/ 3582909 h 5491534"/>
-              <a:gd name="connsiteX30" fmla="*/ 3763503 w 10423900"/>
-              <a:gd name="connsiteY30" fmla="*/ 3820771 h 5491534"/>
-              <a:gd name="connsiteX31" fmla="*/ 3219063 w 10423900"/>
-              <a:gd name="connsiteY31" fmla="*/ 3847199 h 5491534"/>
-              <a:gd name="connsiteX32" fmla="*/ 6385269 w 10423900"/>
-              <a:gd name="connsiteY32" fmla="*/ 4840933 h 5491534"/>
-              <a:gd name="connsiteX33" fmla="*/ 10285854 w 10423900"/>
-              <a:gd name="connsiteY33" fmla="*/ 5471118 h 5491534"/>
-              <a:gd name="connsiteX34" fmla="*/ 10423900 w 10423900"/>
-              <a:gd name="connsiteY34" fmla="*/ 5491534 h 5491534"/>
-            </a:gdLst>
-            <a:ahLst/>
-            <a:cxnLst>
-              <a:cxn ang="0">
-                <a:pos x="connsiteX0" y="connsiteY0"/>
-              </a:cxn>
-              <a:cxn ang="0">
-                <a:pos x="connsiteX1" y="connsiteY1"/>
-              </a:cxn>
-              <a:cxn ang="0">
-                <a:pos x="connsiteX2" y="connsiteY2"/>
-              </a:cxn>
-              <a:cxn ang="0">
-                <a:pos x="connsiteX3" y="connsiteY3"/>
-              </a:cxn>
-              <a:cxn ang="0">
-                <a:pos x="connsiteX4" y="connsiteY4"/>
-              </a:cxn>
-              <a:cxn ang="0">
-                <a:pos x="connsiteX5" y="connsiteY5"/>
-              </a:cxn>
-              <a:cxn ang="0">
-                <a:pos x="connsiteX6" y="connsiteY6"/>
-              </a:cxn>
-              <a:cxn ang="0">
-                <a:pos x="connsiteX7" y="connsiteY7"/>
-              </a:cxn>
-              <a:cxn ang="0">
-                <a:pos x="connsiteX8" y="connsiteY8"/>
-              </a:cxn>
-              <a:cxn ang="0">
-                <a:pos x="connsiteX9" y="connsiteY9"/>
-              </a:cxn>
-              <a:cxn ang="0">
-                <a:pos x="connsiteX10" y="connsiteY10"/>
-              </a:cxn>
-              <a:cxn ang="0">
-                <a:pos x="connsiteX11" y="connsiteY11"/>
-              </a:cxn>
-              <a:cxn ang="0">
-                <a:pos x="connsiteX12" y="connsiteY12"/>
-              </a:cxn>
-              <a:cxn ang="0">
-                <a:pos x="connsiteX13" y="connsiteY13"/>
-              </a:cxn>
-              <a:cxn ang="0">
-                <a:pos x="connsiteX14" y="connsiteY14"/>
-              </a:cxn>
-              <a:cxn ang="0">
-                <a:pos x="connsiteX15" y="connsiteY15"/>
-              </a:cxn>
-              <a:cxn ang="0">
-                <a:pos x="connsiteX16" y="connsiteY16"/>
-              </a:cxn>
-              <a:cxn ang="0">
-                <a:pos x="connsiteX17" y="connsiteY17"/>
-              </a:cxn>
-              <a:cxn ang="0">
-                <a:pos x="connsiteX18" y="connsiteY18"/>
-              </a:cxn>
-              <a:cxn ang="0">
-                <a:pos x="connsiteX19" y="connsiteY19"/>
-              </a:cxn>
-              <a:cxn ang="0">
-                <a:pos x="connsiteX20" y="connsiteY20"/>
-              </a:cxn>
-              <a:cxn ang="0">
-                <a:pos x="connsiteX21" y="connsiteY21"/>
-              </a:cxn>
-              <a:cxn ang="0">
-                <a:pos x="connsiteX22" y="connsiteY22"/>
-              </a:cxn>
-              <a:cxn ang="0">
-                <a:pos x="connsiteX23" y="connsiteY23"/>
-              </a:cxn>
-              <a:cxn ang="0">
-                <a:pos x="connsiteX24" y="connsiteY24"/>
-              </a:cxn>
-              <a:cxn ang="0">
-                <a:pos x="connsiteX25" y="connsiteY25"/>
-              </a:cxn>
-              <a:cxn ang="0">
-                <a:pos x="connsiteX26" y="connsiteY26"/>
-              </a:cxn>
-              <a:cxn ang="0">
-                <a:pos x="connsiteX27" y="connsiteY27"/>
-              </a:cxn>
-              <a:cxn ang="0">
-                <a:pos x="connsiteX28" y="connsiteY28"/>
-              </a:cxn>
-              <a:cxn ang="0">
-                <a:pos x="connsiteX29" y="connsiteY29"/>
-              </a:cxn>
-              <a:cxn ang="0">
-                <a:pos x="connsiteX30" y="connsiteY30"/>
-              </a:cxn>
-              <a:cxn ang="0">
-                <a:pos x="connsiteX31" y="connsiteY31"/>
-              </a:cxn>
-              <a:cxn ang="0">
-                <a:pos x="connsiteX32" y="connsiteY32"/>
-              </a:cxn>
-              <a:cxn ang="0">
-                <a:pos x="connsiteX33" y="connsiteY33"/>
-              </a:cxn>
-              <a:cxn ang="0">
-                <a:pos x="connsiteX34" y="connsiteY34"/>
-              </a:cxn>
-            </a:cxnLst>
-            <a:rect l="l" t="t" r="r" b="b"/>
-            <a:pathLst>
-              <a:path w="10423900" h="5491534">
-                <a:moveTo>
-                  <a:pt x="10423900" y="0"/>
-                </a:moveTo>
-                <a:lnTo>
-                  <a:pt x="3493157" y="0"/>
-                </a:lnTo>
-                <a:lnTo>
-                  <a:pt x="3493018" y="31"/>
-                </a:lnTo>
-                <a:cubicBezTo>
-                  <a:pt x="3414969" y="12668"/>
-                  <a:pt x="3328744" y="21588"/>
-                  <a:pt x="3245493" y="104839"/>
-                </a:cubicBezTo>
-                <a:cubicBezTo>
-                  <a:pt x="3668357" y="162984"/>
-                  <a:pt x="4075366" y="51981"/>
-                  <a:pt x="4434802" y="284558"/>
-                </a:cubicBezTo>
-                <a:cubicBezTo>
-                  <a:pt x="4302656" y="400846"/>
-                  <a:pt x="4154654" y="374416"/>
-                  <a:pt x="4011937" y="395559"/>
-                </a:cubicBezTo>
-                <a:cubicBezTo>
-                  <a:pt x="3863934" y="416704"/>
-                  <a:pt x="3721217" y="453704"/>
-                  <a:pt x="3573213" y="474847"/>
-                </a:cubicBezTo>
-                <a:cubicBezTo>
-                  <a:pt x="3414639" y="501275"/>
-                  <a:pt x="3256063" y="506562"/>
-                  <a:pt x="3097489" y="532990"/>
-                </a:cubicBezTo>
-                <a:cubicBezTo>
-                  <a:pt x="2965345" y="554135"/>
-                  <a:pt x="2822627" y="517133"/>
-                  <a:pt x="2664052" y="649279"/>
-                </a:cubicBezTo>
-                <a:cubicBezTo>
-                  <a:pt x="3055203" y="744424"/>
-                  <a:pt x="3409352" y="601706"/>
-                  <a:pt x="3795218" y="696852"/>
-                </a:cubicBezTo>
-                <a:cubicBezTo>
-                  <a:pt x="3567928" y="781425"/>
-                  <a:pt x="3382924" y="754995"/>
-                  <a:pt x="3208492" y="802568"/>
-                </a:cubicBezTo>
-                <a:cubicBezTo>
-                  <a:pt x="3049916" y="850140"/>
-                  <a:pt x="2859627" y="797282"/>
-                  <a:pt x="2727483" y="939999"/>
-                </a:cubicBezTo>
-                <a:cubicBezTo>
-                  <a:pt x="2627052" y="1051000"/>
-                  <a:pt x="2521336" y="1066858"/>
-                  <a:pt x="2389190" y="1003429"/>
-                </a:cubicBezTo>
-                <a:cubicBezTo>
-                  <a:pt x="2272901" y="945284"/>
-                  <a:pt x="2146043" y="961142"/>
-                  <a:pt x="2029754" y="1019287"/>
-                </a:cubicBezTo>
-                <a:cubicBezTo>
-                  <a:pt x="1987468" y="1040430"/>
-                  <a:pt x="1945181" y="1066858"/>
-                  <a:pt x="1945181" y="1119716"/>
-                </a:cubicBezTo>
-                <a:cubicBezTo>
-                  <a:pt x="1945181" y="1193719"/>
-                  <a:pt x="1998039" y="1214862"/>
-                  <a:pt x="2056184" y="1225434"/>
-                </a:cubicBezTo>
-                <a:cubicBezTo>
-                  <a:pt x="2109042" y="1236004"/>
-                  <a:pt x="2172471" y="1246577"/>
-                  <a:pt x="2225329" y="1236004"/>
-                </a:cubicBezTo>
-                <a:cubicBezTo>
-                  <a:pt x="2563622" y="1177861"/>
-                  <a:pt x="2896629" y="1273005"/>
-                  <a:pt x="3234920" y="1262435"/>
-                </a:cubicBezTo>
-                <a:cubicBezTo>
-                  <a:pt x="2172471" y="1489724"/>
-                  <a:pt x="1099450" y="1415723"/>
-                  <a:pt x="0" y="1495009"/>
-                </a:cubicBezTo>
-                <a:cubicBezTo>
-                  <a:pt x="142717" y="1653583"/>
-                  <a:pt x="327721" y="1521439"/>
-                  <a:pt x="438724" y="1637728"/>
-                </a:cubicBezTo>
-                <a:cubicBezTo>
-                  <a:pt x="333006" y="1880875"/>
-                  <a:pt x="375293" y="2013020"/>
-                  <a:pt x="586726" y="2028877"/>
-                </a:cubicBezTo>
-                <a:cubicBezTo>
-                  <a:pt x="792873" y="2044734"/>
-                  <a:pt x="1014877" y="1960161"/>
-                  <a:pt x="1125878" y="2250882"/>
-                </a:cubicBezTo>
-                <a:cubicBezTo>
-                  <a:pt x="1157593" y="2340740"/>
-                  <a:pt x="1353170" y="2314312"/>
-                  <a:pt x="1474744" y="2330169"/>
-                </a:cubicBezTo>
-                <a:cubicBezTo>
-                  <a:pt x="1739034" y="2367170"/>
-                  <a:pt x="2019183" y="2330169"/>
-                  <a:pt x="2272901" y="2446458"/>
-                </a:cubicBezTo>
-                <a:cubicBezTo>
-                  <a:pt x="2373332" y="2488744"/>
-                  <a:pt x="2442048" y="2520459"/>
-                  <a:pt x="2389190" y="2636747"/>
-                </a:cubicBezTo>
-                <a:cubicBezTo>
-                  <a:pt x="2336332" y="2758321"/>
-                  <a:pt x="2405048" y="2800607"/>
-                  <a:pt x="2489621" y="2848179"/>
-                </a:cubicBezTo>
-                <a:cubicBezTo>
-                  <a:pt x="2553051" y="2885180"/>
-                  <a:pt x="2648195" y="2874609"/>
-                  <a:pt x="2701053" y="2985611"/>
-                </a:cubicBezTo>
-                <a:cubicBezTo>
-                  <a:pt x="2146043" y="2969753"/>
-                  <a:pt x="1606888" y="2879895"/>
-                  <a:pt x="1057165" y="2964468"/>
-                </a:cubicBezTo>
-                <a:cubicBezTo>
-                  <a:pt x="1659748" y="3175900"/>
-                  <a:pt x="2320474" y="3165328"/>
-                  <a:pt x="2912485" y="3408477"/>
-                </a:cubicBezTo>
-                <a:cubicBezTo>
-                  <a:pt x="2891342" y="3493050"/>
-                  <a:pt x="2753911" y="3456048"/>
-                  <a:pt x="2748626" y="3582909"/>
-                </a:cubicBezTo>
-                <a:cubicBezTo>
-                  <a:pt x="3060489" y="3715055"/>
-                  <a:pt x="3435782" y="3625195"/>
-                  <a:pt x="3763503" y="3820771"/>
-                </a:cubicBezTo>
-                <a:cubicBezTo>
-                  <a:pt x="3573213" y="3910629"/>
-                  <a:pt x="3398782" y="3762626"/>
-                  <a:pt x="3219063" y="3847199"/>
-                </a:cubicBezTo>
-                <a:cubicBezTo>
-                  <a:pt x="3277208" y="3974060"/>
-                  <a:pt x="5909545" y="4756360"/>
-                  <a:pt x="6385269" y="4840933"/>
-                </a:cubicBezTo>
-                <a:cubicBezTo>
-                  <a:pt x="7171204" y="4982659"/>
-                  <a:pt x="9157515" y="5302348"/>
-                  <a:pt x="10285854" y="5471118"/>
-                </a:cubicBezTo>
-                <a:lnTo>
-                  <a:pt x="10423900" y="5491534"/>
-                </a:lnTo>
-                <a:close/>
-              </a:path>
-            </a:pathLst>
-          </a:custGeom>
-          <a:solidFill>
-            <a:schemeClr val="bg2">
-              <a:alpha val="50000"/>
-            </a:schemeClr>
-          </a:solidFill>
-          <a:ln w="32707" cap="flat">
-            <a:noFill/>
-            <a:prstDash val="solid"/>
-            <a:miter/>
-          </a:ln>
-        </p:spPr>
-        <p:txBody>
-          <a:bodyPr wrap="square" rtlCol="0" anchor="ctr">
-            <a:noAutofit/>
-          </a:bodyPr>
-          <a:lstStyle/>
-          <a:p>
-            <a:pPr algn="ctr"/>
-            <a:endParaRPr lang="en-US"/>
-          </a:p>
-        </p:txBody>
-      </p:sp>
-      <p:sp>
-        <p:nvSpPr>
-          <p:cNvPr id="2" name="Title 1">
-            <a:extLst>
-              <a:ext uri="{FF2B5EF4-FFF2-40B4-BE49-F238E27FC236}">
-                <a16:creationId xmlns:a16="http://schemas.microsoft.com/office/drawing/2014/main" id="{9396B2AF-76B2-E40B-5AFA-EB3256828991}"/>
-              </a:ext>
-            </a:extLst>
-          </p:cNvPr>
-          <p:cNvSpPr>
-            <a:spLocks noGrp="1"/>
-          </p:cNvSpPr>
-          <p:nvPr>
-            <p:ph type="title"/>
-          </p:nvPr>
-        </p:nvSpPr>
-        <p:spPr>
-          <a:xfrm>
-            <a:off x="5991225" y="279400"/>
-            <a:ext cx="5362576" cy="1892300"/>
-          </a:xfrm>
-        </p:spPr>
-        <p:txBody>
-          <a:bodyPr>
-            <a:normAutofit/>
-          </a:bodyPr>
-          <a:lstStyle/>
-          <a:p>
-            <a:pPr algn="ctr"/>
-            <a:r>
-              <a:rPr lang="en-US" b="1" dirty="0"/>
-              <a:t>Storage Replication Types</a:t>
-            </a:r>
-          </a:p>
-        </p:txBody>
-      </p:sp>
-      <p:sp>
-        <p:nvSpPr>
-          <p:cNvPr id="3" name="Content Placeholder 2">
-            <a:extLst>
-              <a:ext uri="{FF2B5EF4-FFF2-40B4-BE49-F238E27FC236}">
-                <a16:creationId xmlns:a16="http://schemas.microsoft.com/office/drawing/2014/main" id="{918615C3-9E9E-5435-DDE9-CCAF1A6A0B64}"/>
-              </a:ext>
-            </a:extLst>
-          </p:cNvPr>
-          <p:cNvSpPr>
-            <a:spLocks/>
-          </p:cNvSpPr>
-          <p:nvPr/>
-        </p:nvSpPr>
-        <p:spPr>
-          <a:xfrm>
-            <a:off x="8657109" y="2028825"/>
-            <a:ext cx="3238480" cy="4148138"/>
-          </a:xfrm>
-          <a:prstGeom prst="rect">
-            <a:avLst/>
-          </a:prstGeom>
-        </p:spPr>
-        <p:txBody>
-          <a:bodyPr/>
-          <a:lstStyle/>
-          <a:p>
-            <a:pPr defTabSz="886968">
-              <a:spcAft>
-                <a:spcPts val="600"/>
-              </a:spcAft>
-            </a:pPr>
-            <a:endParaRPr lang="en-US" sz="1746" kern="1200" dirty="0">
-              <a:solidFill>
-                <a:srgbClr val="000000"/>
-              </a:solidFill>
-              <a:latin typeface="Segoe UI" panose="020B0502040204020203" pitchFamily="34" charset="0"/>
-              <a:ea typeface="+mn-ea"/>
-              <a:cs typeface="+mn-cs"/>
-            </a:endParaRPr>
-          </a:p>
-          <a:p>
-            <a:pPr marR="143744" algn="ctr" defTabSz="886968">
-              <a:spcAft>
-                <a:spcPts val="600"/>
-              </a:spcAft>
-            </a:pPr>
-            <a:r>
-              <a:rPr lang="en-US" sz="1746" b="1" kern="1200" dirty="0">
-                <a:solidFill>
-                  <a:schemeClr val="tx1"/>
-                </a:solidFill>
-                <a:latin typeface="Segoe UI" panose="020B0502040204020203" pitchFamily="34" charset="0"/>
-                <a:ea typeface="+mn-ea"/>
-                <a:cs typeface="+mn-cs"/>
-              </a:rPr>
-              <a:t>Geo-zone-redundant storage (GZRS)</a:t>
-            </a:r>
-            <a:endParaRPr lang="en-US" sz="1746" kern="1200" dirty="0">
-              <a:solidFill>
-                <a:srgbClr val="000000"/>
-              </a:solidFill>
-              <a:latin typeface="Calibri" panose="020F0502020204030204" pitchFamily="34" charset="0"/>
-              <a:ea typeface="+mn-ea"/>
-              <a:cs typeface="+mn-cs"/>
-            </a:endParaRPr>
-          </a:p>
-          <a:p>
-            <a:pPr algn="ctr" defTabSz="886968">
-              <a:spcAft>
-                <a:spcPts val="600"/>
-              </a:spcAft>
-            </a:pPr>
-            <a:r>
-              <a:rPr lang="en-US" sz="1746" kern="1200" dirty="0">
-                <a:solidFill>
-                  <a:srgbClr val="000000"/>
-                </a:solidFill>
-                <a:latin typeface="Calibri" panose="020F0502020204030204" pitchFamily="34" charset="0"/>
-                <a:ea typeface="+mn-ea"/>
-                <a:cs typeface="+mn-cs"/>
-              </a:rPr>
-              <a:t>(6 copies)</a:t>
-            </a:r>
-          </a:p>
-          <a:p>
-            <a:pPr marR="21427" algn="ctr" defTabSz="886968">
-              <a:spcAft>
-                <a:spcPts val="600"/>
-              </a:spcAft>
-            </a:pPr>
-            <a:r>
-              <a:rPr lang="en-US" sz="1746" kern="1200" dirty="0">
-                <a:solidFill>
-                  <a:schemeClr val="tx1"/>
-                </a:solidFill>
-                <a:latin typeface="Calibri" panose="020F0502020204030204" pitchFamily="34" charset="0"/>
-                <a:ea typeface="+mn-ea"/>
-                <a:cs typeface="+mn-cs"/>
-              </a:rPr>
-              <a:t>Here data is copied synchronously across three Azure availability zones in the primary region using ZRS. It then copies your data asynchronously to a single physical location in the secondary region. Within the secondary region, your data is copied synchronously three times using LRS.</a:t>
-            </a:r>
-            <a:endParaRPr lang="en-US" dirty="0"/>
-          </a:p>
-        </p:txBody>
-      </p:sp>
-      <p:sp>
-        <p:nvSpPr>
-          <p:cNvPr id="4" name="Content Placeholder 2">
-            <a:extLst>
-              <a:ext uri="{FF2B5EF4-FFF2-40B4-BE49-F238E27FC236}">
-                <a16:creationId xmlns:a16="http://schemas.microsoft.com/office/drawing/2014/main" id="{B6AF0EA4-B0D4-481D-D138-44D8DED98005}"/>
-              </a:ext>
-            </a:extLst>
-          </p:cNvPr>
-          <p:cNvSpPr txBox="1">
-            <a:spLocks/>
-          </p:cNvSpPr>
-          <p:nvPr/>
-        </p:nvSpPr>
-        <p:spPr>
-          <a:xfrm>
-            <a:off x="3466639" y="2028825"/>
-            <a:ext cx="2561109" cy="4148138"/>
-          </a:xfrm>
-          <a:prstGeom prst="rect">
-            <a:avLst/>
-          </a:prstGeom>
-        </p:spPr>
-        <p:txBody>
-          <a:bodyPr vert="horz" lIns="91440" tIns="45720" rIns="91440" bIns="45720" rtlCol="0">
-            <a:normAutofit/>
-          </a:bodyPr>
-          <a:lstStyle>
-            <a:lvl1pPr marL="228600" indent="-228600" algn="l" defTabSz="914400" rtl="0" eaLnBrk="1" latinLnBrk="0" hangingPunct="1">
-              <a:lnSpc>
-                <a:spcPct val="90000"/>
-              </a:lnSpc>
-              <a:spcBef>
-                <a:spcPts val="1000"/>
-              </a:spcBef>
-              <a:buFont typeface="Arial" panose="020B0604020202020204" pitchFamily="34" charset="0"/>
-              <a:buChar char="•"/>
-              <a:defRPr sz="2800" kern="1200">
-                <a:solidFill>
-                  <a:schemeClr val="tx1"/>
-                </a:solidFill>
-                <a:latin typeface="+mn-lt"/>
-                <a:ea typeface="+mn-ea"/>
-                <a:cs typeface="+mn-cs"/>
-              </a:defRPr>
-            </a:lvl1pPr>
-            <a:lvl2pPr marL="685800" indent="-228600" algn="l" defTabSz="914400" rtl="0" eaLnBrk="1" latinLnBrk="0" hangingPunct="1">
-              <a:lnSpc>
-                <a:spcPct val="90000"/>
-              </a:lnSpc>
-              <a:spcBef>
-                <a:spcPts val="500"/>
-              </a:spcBef>
-              <a:buFont typeface="Arial" panose="020B0604020202020204" pitchFamily="34" charset="0"/>
-              <a:buChar char="•"/>
-              <a:defRPr sz="2400" kern="1200">
-                <a:solidFill>
-                  <a:schemeClr val="tx1"/>
-                </a:solidFill>
-                <a:latin typeface="+mn-lt"/>
-                <a:ea typeface="+mn-ea"/>
-                <a:cs typeface="+mn-cs"/>
-              </a:defRPr>
-            </a:lvl2pPr>
-            <a:lvl3pPr marL="1143000" indent="-228600" algn="l" defTabSz="914400" rtl="0" eaLnBrk="1" latinLnBrk="0" hangingPunct="1">
-              <a:lnSpc>
-                <a:spcPct val="90000"/>
-              </a:lnSpc>
-              <a:spcBef>
-                <a:spcPts val="500"/>
-              </a:spcBef>
-              <a:buFont typeface="Arial" panose="020B0604020202020204" pitchFamily="34" charset="0"/>
-              <a:buChar char="•"/>
-              <a:defRPr sz="2000" kern="1200">
-                <a:solidFill>
-                  <a:schemeClr val="tx1"/>
-                </a:solidFill>
-                <a:latin typeface="+mn-lt"/>
-                <a:ea typeface="+mn-ea"/>
-                <a:cs typeface="+mn-cs"/>
-              </a:defRPr>
-            </a:lvl3pPr>
-            <a:lvl4pPr marL="1600200" indent="-228600" algn="l" defTabSz="914400" rtl="0" eaLnBrk="1" latinLnBrk="0" hangingPunct="1">
-              <a:lnSpc>
-                <a:spcPct val="90000"/>
-              </a:lnSpc>
-              <a:spcBef>
-                <a:spcPts val="500"/>
-              </a:spcBef>
-              <a:buFont typeface="Arial" panose="020B0604020202020204" pitchFamily="34" charset="0"/>
-              <a:buChar char="•"/>
-              <a:defRPr sz="1800" kern="1200">
-                <a:solidFill>
-                  <a:schemeClr val="tx1"/>
-                </a:solidFill>
-                <a:latin typeface="+mn-lt"/>
-                <a:ea typeface="+mn-ea"/>
-                <a:cs typeface="+mn-cs"/>
-              </a:defRPr>
-            </a:lvl4pPr>
-            <a:lvl5pPr marL="2057400" indent="-228600" algn="l" defTabSz="914400" rtl="0" eaLnBrk="1" latinLnBrk="0" hangingPunct="1">
-              <a:lnSpc>
-                <a:spcPct val="90000"/>
-              </a:lnSpc>
-              <a:spcBef>
-                <a:spcPts val="500"/>
-              </a:spcBef>
-              <a:buFont typeface="Arial" panose="020B0604020202020204" pitchFamily="34" charset="0"/>
-              <a:buChar char="•"/>
-              <a:defRPr sz="1800" kern="1200">
-                <a:solidFill>
-                  <a:schemeClr val="tx1"/>
-                </a:solidFill>
-                <a:latin typeface="+mn-lt"/>
-                <a:ea typeface="+mn-ea"/>
-                <a:cs typeface="+mn-cs"/>
-              </a:defRPr>
-            </a:lvl5pPr>
-            <a:lvl6pPr marL="2514600" indent="-228600" algn="l" defTabSz="914400" rtl="0" eaLnBrk="1" latinLnBrk="0" hangingPunct="1">
-              <a:lnSpc>
-                <a:spcPct val="90000"/>
-              </a:lnSpc>
-              <a:spcBef>
-                <a:spcPts val="500"/>
-              </a:spcBef>
-              <a:buFont typeface="Arial" panose="020B0604020202020204" pitchFamily="34" charset="0"/>
-              <a:buChar char="•"/>
-              <a:defRPr sz="1800" kern="1200">
-                <a:solidFill>
-                  <a:schemeClr val="tx1"/>
-                </a:solidFill>
-                <a:latin typeface="+mn-lt"/>
-                <a:ea typeface="+mn-ea"/>
-                <a:cs typeface="+mn-cs"/>
-              </a:defRPr>
-            </a:lvl6pPr>
-            <a:lvl7pPr marL="2971800" indent="-228600" algn="l" defTabSz="914400" rtl="0" eaLnBrk="1" latinLnBrk="0" hangingPunct="1">
-              <a:lnSpc>
-                <a:spcPct val="90000"/>
-              </a:lnSpc>
-              <a:spcBef>
-                <a:spcPts val="500"/>
-              </a:spcBef>
-              <a:buFont typeface="Arial" panose="020B0604020202020204" pitchFamily="34" charset="0"/>
-              <a:buChar char="•"/>
-              <a:defRPr sz="1800" kern="1200">
-                <a:solidFill>
-                  <a:schemeClr val="tx1"/>
-                </a:solidFill>
-                <a:latin typeface="+mn-lt"/>
-                <a:ea typeface="+mn-ea"/>
-                <a:cs typeface="+mn-cs"/>
-              </a:defRPr>
-            </a:lvl7pPr>
-            <a:lvl8pPr marL="3429000" indent="-228600" algn="l" defTabSz="914400" rtl="0" eaLnBrk="1" latinLnBrk="0" hangingPunct="1">
-              <a:lnSpc>
-                <a:spcPct val="90000"/>
-              </a:lnSpc>
-              <a:spcBef>
-                <a:spcPts val="500"/>
-              </a:spcBef>
-              <a:buFont typeface="Arial" panose="020B0604020202020204" pitchFamily="34" charset="0"/>
-              <a:buChar char="•"/>
-              <a:defRPr sz="1800" kern="1200">
-                <a:solidFill>
-                  <a:schemeClr val="tx1"/>
-                </a:solidFill>
-                <a:latin typeface="+mn-lt"/>
-                <a:ea typeface="+mn-ea"/>
-                <a:cs typeface="+mn-cs"/>
-              </a:defRPr>
-            </a:lvl8pPr>
-            <a:lvl9pPr marL="3886200" indent="-228600" algn="l" defTabSz="914400" rtl="0" eaLnBrk="1" latinLnBrk="0" hangingPunct="1">
-              <a:lnSpc>
-                <a:spcPct val="90000"/>
-              </a:lnSpc>
-              <a:spcBef>
-                <a:spcPts val="500"/>
-              </a:spcBef>
-              <a:buFont typeface="Arial" panose="020B0604020202020204" pitchFamily="34" charset="0"/>
-              <a:buChar char="•"/>
-              <a:defRPr sz="1800" kern="1200">
-                <a:solidFill>
-                  <a:schemeClr val="tx1"/>
-                </a:solidFill>
-                <a:latin typeface="+mn-lt"/>
-                <a:ea typeface="+mn-ea"/>
-                <a:cs typeface="+mn-cs"/>
-              </a:defRPr>
-            </a:lvl9pPr>
-          </a:lstStyle>
-          <a:p>
-            <a:pPr marL="221742" indent="-221742" defTabSz="886968">
-              <a:spcBef>
-                <a:spcPts val="970"/>
-              </a:spcBef>
-            </a:pPr>
-            <a:endParaRPr lang="en-US" sz="1746" kern="1200" dirty="0">
-              <a:solidFill>
-                <a:srgbClr val="000000"/>
-              </a:solidFill>
-              <a:latin typeface="Segoe UI" panose="020B0502040204020203" pitchFamily="34" charset="0"/>
-              <a:ea typeface="+mn-ea"/>
-              <a:cs typeface="+mn-cs"/>
-            </a:endParaRPr>
-          </a:p>
-          <a:p>
-            <a:pPr marL="0" marR="143744" indent="0" algn="ctr" defTabSz="886968">
-              <a:spcBef>
-                <a:spcPts val="970"/>
-              </a:spcBef>
-              <a:buNone/>
-            </a:pPr>
-            <a:r>
-              <a:rPr lang="en-US" sz="1746" b="1" kern="1200" dirty="0">
-                <a:solidFill>
-                  <a:schemeClr val="tx1"/>
-                </a:solidFill>
-                <a:latin typeface="Segoe UI" panose="020B0502040204020203" pitchFamily="34" charset="0"/>
-                <a:ea typeface="+mn-ea"/>
-                <a:cs typeface="+mn-cs"/>
-              </a:rPr>
-              <a:t>Zone-redundant storage (ZRS)</a:t>
-            </a:r>
-            <a:endParaRPr lang="en-US" sz="1746" kern="1200" dirty="0">
-              <a:solidFill>
-                <a:srgbClr val="000000"/>
-              </a:solidFill>
-              <a:latin typeface="Calibri" panose="020F0502020204030204" pitchFamily="34" charset="0"/>
-              <a:ea typeface="+mn-ea"/>
-              <a:cs typeface="+mn-cs"/>
-            </a:endParaRPr>
-          </a:p>
-          <a:p>
-            <a:pPr marL="0" indent="0" algn="ctr" defTabSz="886968">
-              <a:spcBef>
-                <a:spcPts val="970"/>
-              </a:spcBef>
-              <a:buNone/>
-            </a:pPr>
-            <a:r>
-              <a:rPr lang="en-US" sz="1746" dirty="0">
-                <a:solidFill>
-                  <a:srgbClr val="000000"/>
-                </a:solidFill>
-                <a:latin typeface="Calibri" panose="020F0502020204030204" pitchFamily="34" charset="0"/>
-              </a:rPr>
-              <a:t>(3 copies)</a:t>
-            </a:r>
-            <a:endParaRPr lang="en-US" sz="1746" kern="1200" dirty="0">
-              <a:solidFill>
-                <a:srgbClr val="000000"/>
-              </a:solidFill>
-              <a:latin typeface="Calibri" panose="020F0502020204030204" pitchFamily="34" charset="0"/>
-              <a:ea typeface="+mn-ea"/>
-              <a:cs typeface="+mn-cs"/>
-            </a:endParaRPr>
-          </a:p>
-          <a:p>
-            <a:pPr marL="0" marR="102645" indent="0" algn="ctr" defTabSz="886968">
-              <a:spcBef>
-                <a:spcPts val="970"/>
-              </a:spcBef>
-              <a:buNone/>
-            </a:pPr>
-            <a:r>
-              <a:rPr lang="en-US" sz="1746" kern="1200" dirty="0">
-                <a:solidFill>
-                  <a:schemeClr val="tx1"/>
-                </a:solidFill>
-                <a:latin typeface="Calibri" panose="020F0502020204030204" pitchFamily="34" charset="0"/>
-                <a:ea typeface="+mn-ea"/>
-                <a:cs typeface="+mn-cs"/>
-              </a:rPr>
-              <a:t>Here data is copied synchronously across three Azure availability zones in the primary region</a:t>
-            </a:r>
-            <a:endParaRPr lang="en-US" dirty="0"/>
-          </a:p>
-        </p:txBody>
-      </p:sp>
-      <p:sp>
-        <p:nvSpPr>
-          <p:cNvPr id="5" name="Content Placeholder 2">
-            <a:extLst>
-              <a:ext uri="{FF2B5EF4-FFF2-40B4-BE49-F238E27FC236}">
-                <a16:creationId xmlns:a16="http://schemas.microsoft.com/office/drawing/2014/main" id="{02E70E78-FFFA-F9DD-2903-A01042CA8CDC}"/>
-              </a:ext>
-            </a:extLst>
-          </p:cNvPr>
-          <p:cNvSpPr txBox="1">
-            <a:spLocks/>
-          </p:cNvSpPr>
-          <p:nvPr/>
-        </p:nvSpPr>
-        <p:spPr>
-          <a:xfrm>
-            <a:off x="6096000" y="2028825"/>
-            <a:ext cx="2561109" cy="4148138"/>
-          </a:xfrm>
-          <a:prstGeom prst="rect">
-            <a:avLst/>
-          </a:prstGeom>
-        </p:spPr>
-        <p:txBody>
-          <a:bodyPr vert="horz" lIns="91440" tIns="45720" rIns="91440" bIns="45720" rtlCol="0">
-            <a:normAutofit lnSpcReduction="10000"/>
-          </a:bodyPr>
-          <a:lstStyle>
-            <a:lvl1pPr marL="228600" indent="-228600" algn="l" defTabSz="914400" rtl="0" eaLnBrk="1" latinLnBrk="0" hangingPunct="1">
-              <a:lnSpc>
-                <a:spcPct val="90000"/>
-              </a:lnSpc>
-              <a:spcBef>
-                <a:spcPts val="1000"/>
-              </a:spcBef>
-              <a:buFont typeface="Arial" panose="020B0604020202020204" pitchFamily="34" charset="0"/>
-              <a:buChar char="•"/>
-              <a:defRPr sz="2800" kern="1200">
-                <a:solidFill>
-                  <a:schemeClr val="tx1"/>
-                </a:solidFill>
-                <a:latin typeface="+mn-lt"/>
-                <a:ea typeface="+mn-ea"/>
-                <a:cs typeface="+mn-cs"/>
-              </a:defRPr>
-            </a:lvl1pPr>
-            <a:lvl2pPr marL="685800" indent="-228600" algn="l" defTabSz="914400" rtl="0" eaLnBrk="1" latinLnBrk="0" hangingPunct="1">
-              <a:lnSpc>
-                <a:spcPct val="90000"/>
-              </a:lnSpc>
-              <a:spcBef>
-                <a:spcPts val="500"/>
-              </a:spcBef>
-              <a:buFont typeface="Arial" panose="020B0604020202020204" pitchFamily="34" charset="0"/>
-              <a:buChar char="•"/>
-              <a:defRPr sz="2400" kern="1200">
-                <a:solidFill>
-                  <a:schemeClr val="tx1"/>
-                </a:solidFill>
-                <a:latin typeface="+mn-lt"/>
-                <a:ea typeface="+mn-ea"/>
-                <a:cs typeface="+mn-cs"/>
-              </a:defRPr>
-            </a:lvl2pPr>
-            <a:lvl3pPr marL="1143000" indent="-228600" algn="l" defTabSz="914400" rtl="0" eaLnBrk="1" latinLnBrk="0" hangingPunct="1">
-              <a:lnSpc>
-                <a:spcPct val="90000"/>
-              </a:lnSpc>
-              <a:spcBef>
-                <a:spcPts val="500"/>
-              </a:spcBef>
-              <a:buFont typeface="Arial" panose="020B0604020202020204" pitchFamily="34" charset="0"/>
-              <a:buChar char="•"/>
-              <a:defRPr sz="2000" kern="1200">
-                <a:solidFill>
-                  <a:schemeClr val="tx1"/>
-                </a:solidFill>
-                <a:latin typeface="+mn-lt"/>
-                <a:ea typeface="+mn-ea"/>
-                <a:cs typeface="+mn-cs"/>
-              </a:defRPr>
-            </a:lvl3pPr>
-            <a:lvl4pPr marL="1600200" indent="-228600" algn="l" defTabSz="914400" rtl="0" eaLnBrk="1" latinLnBrk="0" hangingPunct="1">
-              <a:lnSpc>
-                <a:spcPct val="90000"/>
-              </a:lnSpc>
-              <a:spcBef>
-                <a:spcPts val="500"/>
-              </a:spcBef>
-              <a:buFont typeface="Arial" panose="020B0604020202020204" pitchFamily="34" charset="0"/>
-              <a:buChar char="•"/>
-              <a:defRPr sz="1800" kern="1200">
-                <a:solidFill>
-                  <a:schemeClr val="tx1"/>
-                </a:solidFill>
-                <a:latin typeface="+mn-lt"/>
-                <a:ea typeface="+mn-ea"/>
-                <a:cs typeface="+mn-cs"/>
-              </a:defRPr>
-            </a:lvl4pPr>
-            <a:lvl5pPr marL="2057400" indent="-228600" algn="l" defTabSz="914400" rtl="0" eaLnBrk="1" latinLnBrk="0" hangingPunct="1">
-              <a:lnSpc>
-                <a:spcPct val="90000"/>
-              </a:lnSpc>
-              <a:spcBef>
-                <a:spcPts val="500"/>
-              </a:spcBef>
-              <a:buFont typeface="Arial" panose="020B0604020202020204" pitchFamily="34" charset="0"/>
-              <a:buChar char="•"/>
-              <a:defRPr sz="1800" kern="1200">
-                <a:solidFill>
-                  <a:schemeClr val="tx1"/>
-                </a:solidFill>
-                <a:latin typeface="+mn-lt"/>
-                <a:ea typeface="+mn-ea"/>
-                <a:cs typeface="+mn-cs"/>
-              </a:defRPr>
-            </a:lvl5pPr>
-            <a:lvl6pPr marL="2514600" indent="-228600" algn="l" defTabSz="914400" rtl="0" eaLnBrk="1" latinLnBrk="0" hangingPunct="1">
-              <a:lnSpc>
-                <a:spcPct val="90000"/>
-              </a:lnSpc>
-              <a:spcBef>
-                <a:spcPts val="500"/>
-              </a:spcBef>
-              <a:buFont typeface="Arial" panose="020B0604020202020204" pitchFamily="34" charset="0"/>
-              <a:buChar char="•"/>
-              <a:defRPr sz="1800" kern="1200">
-                <a:solidFill>
-                  <a:schemeClr val="tx1"/>
-                </a:solidFill>
-                <a:latin typeface="+mn-lt"/>
-                <a:ea typeface="+mn-ea"/>
-                <a:cs typeface="+mn-cs"/>
-              </a:defRPr>
-            </a:lvl6pPr>
-            <a:lvl7pPr marL="2971800" indent="-228600" algn="l" defTabSz="914400" rtl="0" eaLnBrk="1" latinLnBrk="0" hangingPunct="1">
-              <a:lnSpc>
-                <a:spcPct val="90000"/>
-              </a:lnSpc>
-              <a:spcBef>
-                <a:spcPts val="500"/>
-              </a:spcBef>
-              <a:buFont typeface="Arial" panose="020B0604020202020204" pitchFamily="34" charset="0"/>
-              <a:buChar char="•"/>
-              <a:defRPr sz="1800" kern="1200">
-                <a:solidFill>
-                  <a:schemeClr val="tx1"/>
-                </a:solidFill>
-                <a:latin typeface="+mn-lt"/>
-                <a:ea typeface="+mn-ea"/>
-                <a:cs typeface="+mn-cs"/>
-              </a:defRPr>
-            </a:lvl7pPr>
-            <a:lvl8pPr marL="3429000" indent="-228600" algn="l" defTabSz="914400" rtl="0" eaLnBrk="1" latinLnBrk="0" hangingPunct="1">
-              <a:lnSpc>
-                <a:spcPct val="90000"/>
-              </a:lnSpc>
-              <a:spcBef>
-                <a:spcPts val="500"/>
-              </a:spcBef>
-              <a:buFont typeface="Arial" panose="020B0604020202020204" pitchFamily="34" charset="0"/>
-              <a:buChar char="•"/>
-              <a:defRPr sz="1800" kern="1200">
-                <a:solidFill>
-                  <a:schemeClr val="tx1"/>
-                </a:solidFill>
-                <a:latin typeface="+mn-lt"/>
-                <a:ea typeface="+mn-ea"/>
-                <a:cs typeface="+mn-cs"/>
-              </a:defRPr>
-            </a:lvl8pPr>
-            <a:lvl9pPr marL="3886200" indent="-228600" algn="l" defTabSz="914400" rtl="0" eaLnBrk="1" latinLnBrk="0" hangingPunct="1">
-              <a:lnSpc>
-                <a:spcPct val="90000"/>
-              </a:lnSpc>
-              <a:spcBef>
-                <a:spcPts val="500"/>
-              </a:spcBef>
-              <a:buFont typeface="Arial" panose="020B0604020202020204" pitchFamily="34" charset="0"/>
-              <a:buChar char="•"/>
-              <a:defRPr sz="1800" kern="1200">
-                <a:solidFill>
-                  <a:schemeClr val="tx1"/>
-                </a:solidFill>
-                <a:latin typeface="+mn-lt"/>
-                <a:ea typeface="+mn-ea"/>
-                <a:cs typeface="+mn-cs"/>
-              </a:defRPr>
-            </a:lvl9pPr>
-          </a:lstStyle>
-          <a:p>
-            <a:pPr marL="221742" indent="-221742" defTabSz="886968">
-              <a:spcBef>
-                <a:spcPts val="970"/>
-              </a:spcBef>
-            </a:pPr>
-            <a:endParaRPr lang="en-US" sz="1746" kern="1200" dirty="0">
-              <a:solidFill>
-                <a:srgbClr val="000000"/>
-              </a:solidFill>
-              <a:latin typeface="Segoe UI" panose="020B0502040204020203" pitchFamily="34" charset="0"/>
-              <a:ea typeface="+mn-ea"/>
-              <a:cs typeface="+mn-cs"/>
-            </a:endParaRPr>
-          </a:p>
-          <a:p>
-            <a:pPr marL="0" marR="143744" indent="0" algn="ctr" defTabSz="886968">
-              <a:spcBef>
-                <a:spcPts val="970"/>
-              </a:spcBef>
-              <a:buNone/>
-            </a:pPr>
-            <a:r>
-              <a:rPr lang="en-US" sz="1746" b="1" kern="1200" dirty="0">
-                <a:solidFill>
-                  <a:schemeClr val="tx1"/>
-                </a:solidFill>
-                <a:latin typeface="Segoe UI" panose="020B0502040204020203" pitchFamily="34" charset="0"/>
-                <a:ea typeface="+mn-ea"/>
-                <a:cs typeface="+mn-cs"/>
-              </a:rPr>
-              <a:t>Geo-redundant storage (GRS)</a:t>
-            </a:r>
-            <a:endParaRPr lang="en-US" sz="1746" kern="1200" dirty="0">
-              <a:solidFill>
-                <a:srgbClr val="000000"/>
-              </a:solidFill>
-              <a:latin typeface="Calibri" panose="020F0502020204030204" pitchFamily="34" charset="0"/>
-              <a:ea typeface="+mn-ea"/>
-              <a:cs typeface="+mn-cs"/>
-            </a:endParaRPr>
-          </a:p>
-          <a:p>
-            <a:pPr marL="0" indent="0" algn="ctr" defTabSz="886968">
-              <a:spcBef>
-                <a:spcPts val="970"/>
-              </a:spcBef>
-              <a:buNone/>
-            </a:pPr>
-            <a:r>
-              <a:rPr lang="en-US" sz="1746" kern="1200" dirty="0">
-                <a:solidFill>
-                  <a:srgbClr val="000000"/>
-                </a:solidFill>
-                <a:latin typeface="Calibri" panose="020F0502020204030204" pitchFamily="34" charset="0"/>
-                <a:ea typeface="+mn-ea"/>
-                <a:cs typeface="+mn-cs"/>
-              </a:rPr>
-              <a:t>(6 copies)</a:t>
-            </a:r>
-          </a:p>
-          <a:p>
-            <a:pPr marL="0" marR="57657" indent="0" algn="ctr" defTabSz="886968">
-              <a:spcBef>
-                <a:spcPts val="970"/>
-              </a:spcBef>
-              <a:buNone/>
-            </a:pPr>
-            <a:r>
-              <a:rPr lang="en-US" sz="1746" kern="1200" dirty="0">
-                <a:solidFill>
-                  <a:schemeClr val="tx1"/>
-                </a:solidFill>
-                <a:latin typeface="Calibri" panose="020F0502020204030204" pitchFamily="34" charset="0"/>
-                <a:ea typeface="+mn-ea"/>
-                <a:cs typeface="+mn-cs"/>
-              </a:rPr>
-              <a:t>Here data is copied synchronously three times within a single physical location in the primary region using LRS. It then copies your data asynchronously to a single physical location in the secondary region. Within the secondary region, your data is copied synchronously three times using LRS.</a:t>
-            </a:r>
-            <a:endParaRPr lang="en-US" dirty="0"/>
-          </a:p>
-        </p:txBody>
-      </p:sp>
-      <p:sp>
-        <p:nvSpPr>
-          <p:cNvPr id="6" name="Content Placeholder 2">
-            <a:extLst>
-              <a:ext uri="{FF2B5EF4-FFF2-40B4-BE49-F238E27FC236}">
-                <a16:creationId xmlns:a16="http://schemas.microsoft.com/office/drawing/2014/main" id="{7FC173BA-BE8C-EAEC-E837-07BE47D0E00D}"/>
-              </a:ext>
-            </a:extLst>
-          </p:cNvPr>
-          <p:cNvSpPr txBox="1">
-            <a:spLocks/>
-          </p:cNvSpPr>
-          <p:nvPr/>
-        </p:nvSpPr>
-        <p:spPr>
-          <a:xfrm>
-            <a:off x="973782" y="2028825"/>
-            <a:ext cx="2561109" cy="4148138"/>
-          </a:xfrm>
-          <a:prstGeom prst="rect">
-            <a:avLst/>
-          </a:prstGeom>
-        </p:spPr>
-        <p:txBody>
-          <a:bodyPr vert="horz" lIns="91440" tIns="45720" rIns="91440" bIns="45720" rtlCol="0">
-            <a:normAutofit/>
-          </a:bodyPr>
-          <a:lstStyle>
-            <a:lvl1pPr marL="228600" indent="-228600" algn="l" defTabSz="914400" rtl="0" eaLnBrk="1" latinLnBrk="0" hangingPunct="1">
-              <a:lnSpc>
-                <a:spcPct val="90000"/>
-              </a:lnSpc>
-              <a:spcBef>
-                <a:spcPts val="1000"/>
-              </a:spcBef>
-              <a:buFont typeface="Arial" panose="020B0604020202020204" pitchFamily="34" charset="0"/>
-              <a:buChar char="•"/>
-              <a:defRPr sz="2800" kern="1200">
-                <a:solidFill>
-                  <a:schemeClr val="tx1"/>
-                </a:solidFill>
-                <a:latin typeface="+mn-lt"/>
-                <a:ea typeface="+mn-ea"/>
-                <a:cs typeface="+mn-cs"/>
-              </a:defRPr>
-            </a:lvl1pPr>
-            <a:lvl2pPr marL="685800" indent="-228600" algn="l" defTabSz="914400" rtl="0" eaLnBrk="1" latinLnBrk="0" hangingPunct="1">
-              <a:lnSpc>
-                <a:spcPct val="90000"/>
-              </a:lnSpc>
-              <a:spcBef>
-                <a:spcPts val="500"/>
-              </a:spcBef>
-              <a:buFont typeface="Arial" panose="020B0604020202020204" pitchFamily="34" charset="0"/>
-              <a:buChar char="•"/>
-              <a:defRPr sz="2400" kern="1200">
-                <a:solidFill>
-                  <a:schemeClr val="tx1"/>
-                </a:solidFill>
-                <a:latin typeface="+mn-lt"/>
-                <a:ea typeface="+mn-ea"/>
-                <a:cs typeface="+mn-cs"/>
-              </a:defRPr>
-            </a:lvl2pPr>
-            <a:lvl3pPr marL="1143000" indent="-228600" algn="l" defTabSz="914400" rtl="0" eaLnBrk="1" latinLnBrk="0" hangingPunct="1">
-              <a:lnSpc>
-                <a:spcPct val="90000"/>
-              </a:lnSpc>
-              <a:spcBef>
-                <a:spcPts val="500"/>
-              </a:spcBef>
-              <a:buFont typeface="Arial" panose="020B0604020202020204" pitchFamily="34" charset="0"/>
-              <a:buChar char="•"/>
-              <a:defRPr sz="2000" kern="1200">
-                <a:solidFill>
-                  <a:schemeClr val="tx1"/>
-                </a:solidFill>
-                <a:latin typeface="+mn-lt"/>
-                <a:ea typeface="+mn-ea"/>
-                <a:cs typeface="+mn-cs"/>
-              </a:defRPr>
-            </a:lvl3pPr>
-            <a:lvl4pPr marL="1600200" indent="-228600" algn="l" defTabSz="914400" rtl="0" eaLnBrk="1" latinLnBrk="0" hangingPunct="1">
-              <a:lnSpc>
-                <a:spcPct val="90000"/>
-              </a:lnSpc>
-              <a:spcBef>
-                <a:spcPts val="500"/>
-              </a:spcBef>
-              <a:buFont typeface="Arial" panose="020B0604020202020204" pitchFamily="34" charset="0"/>
-              <a:buChar char="•"/>
-              <a:defRPr sz="1800" kern="1200">
-                <a:solidFill>
-                  <a:schemeClr val="tx1"/>
-                </a:solidFill>
-                <a:latin typeface="+mn-lt"/>
-                <a:ea typeface="+mn-ea"/>
-                <a:cs typeface="+mn-cs"/>
-              </a:defRPr>
-            </a:lvl4pPr>
-            <a:lvl5pPr marL="2057400" indent="-228600" algn="l" defTabSz="914400" rtl="0" eaLnBrk="1" latinLnBrk="0" hangingPunct="1">
-              <a:lnSpc>
-                <a:spcPct val="90000"/>
-              </a:lnSpc>
-              <a:spcBef>
-                <a:spcPts val="500"/>
-              </a:spcBef>
-              <a:buFont typeface="Arial" panose="020B0604020202020204" pitchFamily="34" charset="0"/>
-              <a:buChar char="•"/>
-              <a:defRPr sz="1800" kern="1200">
-                <a:solidFill>
-                  <a:schemeClr val="tx1"/>
-                </a:solidFill>
-                <a:latin typeface="+mn-lt"/>
-                <a:ea typeface="+mn-ea"/>
-                <a:cs typeface="+mn-cs"/>
-              </a:defRPr>
-            </a:lvl5pPr>
-            <a:lvl6pPr marL="2514600" indent="-228600" algn="l" defTabSz="914400" rtl="0" eaLnBrk="1" latinLnBrk="0" hangingPunct="1">
-              <a:lnSpc>
-                <a:spcPct val="90000"/>
-              </a:lnSpc>
-              <a:spcBef>
-                <a:spcPts val="500"/>
-              </a:spcBef>
-              <a:buFont typeface="Arial" panose="020B0604020202020204" pitchFamily="34" charset="0"/>
-              <a:buChar char="•"/>
-              <a:defRPr sz="1800" kern="1200">
-                <a:solidFill>
-                  <a:schemeClr val="tx1"/>
-                </a:solidFill>
-                <a:latin typeface="+mn-lt"/>
-                <a:ea typeface="+mn-ea"/>
-                <a:cs typeface="+mn-cs"/>
-              </a:defRPr>
-            </a:lvl6pPr>
-            <a:lvl7pPr marL="2971800" indent="-228600" algn="l" defTabSz="914400" rtl="0" eaLnBrk="1" latinLnBrk="0" hangingPunct="1">
-              <a:lnSpc>
-                <a:spcPct val="90000"/>
-              </a:lnSpc>
-              <a:spcBef>
-                <a:spcPts val="500"/>
-              </a:spcBef>
-              <a:buFont typeface="Arial" panose="020B0604020202020204" pitchFamily="34" charset="0"/>
-              <a:buChar char="•"/>
-              <a:defRPr sz="1800" kern="1200">
-                <a:solidFill>
-                  <a:schemeClr val="tx1"/>
-                </a:solidFill>
-                <a:latin typeface="+mn-lt"/>
-                <a:ea typeface="+mn-ea"/>
-                <a:cs typeface="+mn-cs"/>
-              </a:defRPr>
-            </a:lvl7pPr>
-            <a:lvl8pPr marL="3429000" indent="-228600" algn="l" defTabSz="914400" rtl="0" eaLnBrk="1" latinLnBrk="0" hangingPunct="1">
-              <a:lnSpc>
-                <a:spcPct val="90000"/>
-              </a:lnSpc>
-              <a:spcBef>
-                <a:spcPts val="500"/>
-              </a:spcBef>
-              <a:buFont typeface="Arial" panose="020B0604020202020204" pitchFamily="34" charset="0"/>
-              <a:buChar char="•"/>
-              <a:defRPr sz="1800" kern="1200">
-                <a:solidFill>
-                  <a:schemeClr val="tx1"/>
-                </a:solidFill>
-                <a:latin typeface="+mn-lt"/>
-                <a:ea typeface="+mn-ea"/>
-                <a:cs typeface="+mn-cs"/>
-              </a:defRPr>
-            </a:lvl8pPr>
-            <a:lvl9pPr marL="3886200" indent="-228600" algn="l" defTabSz="914400" rtl="0" eaLnBrk="1" latinLnBrk="0" hangingPunct="1">
-              <a:lnSpc>
-                <a:spcPct val="90000"/>
-              </a:lnSpc>
-              <a:spcBef>
-                <a:spcPts val="500"/>
-              </a:spcBef>
-              <a:buFont typeface="Arial" panose="020B0604020202020204" pitchFamily="34" charset="0"/>
-              <a:buChar char="•"/>
-              <a:defRPr sz="1800" kern="1200">
-                <a:solidFill>
-                  <a:schemeClr val="tx1"/>
-                </a:solidFill>
-                <a:latin typeface="+mn-lt"/>
-                <a:ea typeface="+mn-ea"/>
-                <a:cs typeface="+mn-cs"/>
-              </a:defRPr>
-            </a:lvl9pPr>
-          </a:lstStyle>
-          <a:p>
-            <a:pPr marL="221742" indent="-221742" defTabSz="886968">
-              <a:spcBef>
-                <a:spcPts val="970"/>
-              </a:spcBef>
-            </a:pPr>
-            <a:endParaRPr lang="en-US" sz="1746" kern="1200" dirty="0">
-              <a:solidFill>
-                <a:srgbClr val="000000"/>
-              </a:solidFill>
-              <a:latin typeface="Segoe UI" panose="020B0502040204020203" pitchFamily="34" charset="0"/>
-              <a:ea typeface="+mn-ea"/>
-              <a:cs typeface="+mn-cs"/>
-            </a:endParaRPr>
-          </a:p>
-          <a:p>
-            <a:pPr marL="0" marR="143744" indent="0" algn="ctr" defTabSz="886968">
-              <a:spcBef>
-                <a:spcPts val="970"/>
-              </a:spcBef>
-              <a:buNone/>
-            </a:pPr>
-            <a:r>
-              <a:rPr lang="en-US" sz="1746" b="1" kern="1200" dirty="0">
-                <a:solidFill>
-                  <a:schemeClr val="tx1"/>
-                </a:solidFill>
-                <a:latin typeface="Segoe UI" panose="020B0502040204020203" pitchFamily="34" charset="0"/>
-                <a:ea typeface="+mn-ea"/>
-                <a:cs typeface="+mn-cs"/>
-              </a:rPr>
-              <a:t>Locally redundant storage (LRS)</a:t>
-            </a:r>
-          </a:p>
-          <a:p>
-            <a:pPr marL="0" indent="0" algn="ctr" defTabSz="886968">
-              <a:spcBef>
-                <a:spcPts val="970"/>
-              </a:spcBef>
-              <a:buNone/>
-            </a:pPr>
-            <a:r>
-              <a:rPr lang="en-US" sz="1746" dirty="0">
-                <a:solidFill>
-                  <a:srgbClr val="000000"/>
-                </a:solidFill>
-                <a:latin typeface="Calibri" panose="020F0502020204030204" pitchFamily="34" charset="0"/>
-              </a:rPr>
-              <a:t>(3 copies)</a:t>
-            </a:r>
-            <a:endParaRPr lang="en-US" sz="1746" kern="1200" dirty="0">
-              <a:solidFill>
-                <a:srgbClr val="000000"/>
-              </a:solidFill>
-              <a:latin typeface="Calibri" panose="020F0502020204030204" pitchFamily="34" charset="0"/>
-              <a:ea typeface="+mn-ea"/>
-              <a:cs typeface="+mn-cs"/>
-            </a:endParaRPr>
-          </a:p>
-          <a:p>
-            <a:pPr marL="0" marR="141756" indent="0" algn="ctr" defTabSz="886968">
-              <a:spcBef>
-                <a:spcPts val="970"/>
-              </a:spcBef>
-              <a:buNone/>
-            </a:pPr>
-            <a:r>
-              <a:rPr lang="en-US" sz="1746" kern="1200" dirty="0">
-                <a:solidFill>
-                  <a:schemeClr val="tx1"/>
-                </a:solidFill>
-                <a:latin typeface="Calibri" panose="020F0502020204030204" pitchFamily="34" charset="0"/>
-                <a:ea typeface="+mn-ea"/>
-                <a:cs typeface="+mn-cs"/>
-              </a:rPr>
-              <a:t>Here data is copied synchronously three times within a single physical location in the primary region</a:t>
-            </a:r>
-            <a:endParaRPr lang="en-US" dirty="0"/>
-          </a:p>
-        </p:txBody>
-      </p:sp>
-    </p:spTree>
-    <p:extLst>
-      <p:ext uri="{BB962C8B-B14F-4D97-AF65-F5344CB8AC3E}">
-        <p14:creationId xmlns:p14="http://schemas.microsoft.com/office/powerpoint/2010/main" val="2627071567"/>
-      </p:ext>
-    </p:extLst>
-  </p:cSld>
-  <p:clrMapOvr>
-    <a:masterClrMapping/>
-  </p:clrMapOvr>
-</p:sld>
-</file>
-
 <file path=ppt/tags/tag1.xml><?xml version="1.0" encoding="utf-8"?>
 <p:tagLst xmlns:a="http://schemas.openxmlformats.org/drawingml/2006/main" xmlns:r="http://schemas.openxmlformats.org/officeDocument/2006/relationships" xmlns:p="http://schemas.openxmlformats.org/presentationml/2006/main">
-  <p:tag name="LASTSLIDEVIEWED" val="277,2,Prerequisites"/>
+  <p:tag name="LASTSLIDEVIEWED" val="256,1,AZ-104 Azure Storage Administration"/>
 </p:tagLst>
 </file>
 

--- a/AZ-104 Azure storage - Ahmed Wahid.pptx
+++ b/AZ-104 Azure storage - Ahmed Wahid.pptx
@@ -141,7 +141,7 @@
 <file path=ppt/revisionInfo.xml><?xml version="1.0" encoding="utf-8"?>
 <p1510:revInfo xmlns:a="http://schemas.openxmlformats.org/drawingml/2006/main" xmlns:r="http://schemas.openxmlformats.org/officeDocument/2006/relationships" xmlns:p1510="http://schemas.microsoft.com/office/powerpoint/2015/10/main">
   <p1510:revLst>
-    <p1510:client id="{D91C64BC-6BD5-4105-82A4-7516B22A28F6}" v="78" dt="2024-03-09T07:41:49.037"/>
+    <p1510:client id="{D91C64BC-6BD5-4105-82A4-7516B22A28F6}" v="79" dt="2024-03-09T08:28:11.917"/>
   </p1510:revLst>
 </p1510:revInfo>
 </file>
@@ -151,7 +151,7 @@
   <pc:docChgLst>
     <pc:chgData name="Ahmed Wahid (MiddleEast)" userId="25dae0fa-eb51-4ad2-93ca-2c111508eac5" providerId="ADAL" clId="{D91C64BC-6BD5-4105-82A4-7516B22A28F6}"/>
     <pc:docChg chg="undo custSel modSld sldOrd replTag">
-      <pc:chgData name="Ahmed Wahid (MiddleEast)" userId="25dae0fa-eb51-4ad2-93ca-2c111508eac5" providerId="ADAL" clId="{D91C64BC-6BD5-4105-82A4-7516B22A28F6}" dt="2024-03-09T08:17:44.162" v="311"/>
+      <pc:chgData name="Ahmed Wahid (MiddleEast)" userId="25dae0fa-eb51-4ad2-93ca-2c111508eac5" providerId="ADAL" clId="{D91C64BC-6BD5-4105-82A4-7516B22A28F6}" dt="2024-03-09T08:28:11.917" v="318" actId="20577"/>
       <pc:docMkLst>
         <pc:docMk/>
       </pc:docMkLst>
@@ -224,6 +224,21 @@
             <pc:docMk/>
             <pc:sldMk cId="403051804" sldId="273"/>
             <ac:graphicFrameMk id="5" creationId="{6EE35DA0-804C-D5A4-7773-4A3CA6001A94}"/>
+          </ac:graphicFrameMkLst>
+        </pc:graphicFrameChg>
+      </pc:sldChg>
+      <pc:sldChg chg="modSp">
+        <pc:chgData name="Ahmed Wahid (MiddleEast)" userId="25dae0fa-eb51-4ad2-93ca-2c111508eac5" providerId="ADAL" clId="{D91C64BC-6BD5-4105-82A4-7516B22A28F6}" dt="2024-03-09T08:28:11.917" v="318" actId="20577"/>
+        <pc:sldMkLst>
+          <pc:docMk/>
+          <pc:sldMk cId="2609349348" sldId="276"/>
+        </pc:sldMkLst>
+        <pc:graphicFrameChg chg="mod">
+          <ac:chgData name="Ahmed Wahid (MiddleEast)" userId="25dae0fa-eb51-4ad2-93ca-2c111508eac5" providerId="ADAL" clId="{D91C64BC-6BD5-4105-82A4-7516B22A28F6}" dt="2024-03-09T08:28:11.917" v="318" actId="20577"/>
+          <ac:graphicFrameMkLst>
+            <pc:docMk/>
+            <pc:sldMk cId="2609349348" sldId="276"/>
+            <ac:graphicFrameMk id="5" creationId="{48D8BC92-B011-10F0-2A5F-15AEF0255CB9}"/>
           </ac:graphicFrameMkLst>
         </pc:graphicFrameChg>
       </pc:sldChg>
@@ -6832,7 +6847,15 @@
         <a:p>
           <a:r>
             <a:rPr lang="en-US" dirty="0"/>
-            <a:t>Being able to choose the right storage and replication type to increase cost efficiency </a:t>
+            <a:t>Being able to choose the right </a:t>
+          </a:r>
+          <a:r>
+            <a:rPr lang="en-US"/>
+            <a:t>storage to </a:t>
+          </a:r>
+          <a:r>
+            <a:rPr lang="en-US" dirty="0"/>
+            <a:t>increase cost efficiency </a:t>
           </a:r>
         </a:p>
       </dgm:t>
@@ -10214,7 +10237,7 @@
         </a:bodyPr>
         <a:lstStyle/>
         <a:p>
-          <a:pPr marL="0" lvl="0" indent="0" algn="l" defTabSz="1022350">
+          <a:pPr marL="0" lvl="0" indent="0" algn="l" defTabSz="1066800">
             <a:lnSpc>
               <a:spcPct val="90000"/>
             </a:lnSpc>
@@ -10227,7 +10250,7 @@
             <a:buNone/>
           </a:pPr>
           <a:r>
-            <a:rPr lang="en-US" sz="2300" kern="1200"/>
+            <a:rPr lang="en-US" sz="2400" kern="1200"/>
             <a:t>Being confident in dealing with storage service over Azure cloud</a:t>
           </a:r>
         </a:p>
@@ -10363,7 +10386,7 @@
         </a:bodyPr>
         <a:lstStyle/>
         <a:p>
-          <a:pPr marL="0" lvl="0" indent="0" algn="l" defTabSz="1022350">
+          <a:pPr marL="0" lvl="0" indent="0" algn="l" defTabSz="1066800">
             <a:lnSpc>
               <a:spcPct val="90000"/>
             </a:lnSpc>
@@ -10376,8 +10399,16 @@
             <a:buNone/>
           </a:pPr>
           <a:r>
-            <a:rPr lang="en-US" sz="2300" kern="1200" dirty="0"/>
-            <a:t>Being able to choose the right storage and replication type to increase cost efficiency </a:t>
+            <a:rPr lang="en-US" sz="2400" kern="1200" dirty="0"/>
+            <a:t>Being able to choose the right </a:t>
+          </a:r>
+          <a:r>
+            <a:rPr lang="en-US" sz="2400" kern="1200"/>
+            <a:t>storage to </a:t>
+          </a:r>
+          <a:r>
+            <a:rPr lang="en-US" sz="2400" kern="1200" dirty="0"/>
+            <a:t>increase cost efficiency </a:t>
           </a:r>
         </a:p>
       </dsp:txBody>
@@ -10512,7 +10543,7 @@
         </a:bodyPr>
         <a:lstStyle/>
         <a:p>
-          <a:pPr marL="0" lvl="0" indent="0" algn="l" defTabSz="1022350">
+          <a:pPr marL="0" lvl="0" indent="0" algn="l" defTabSz="1066800">
             <a:lnSpc>
               <a:spcPct val="90000"/>
             </a:lnSpc>
@@ -10525,7 +10556,7 @@
             <a:buNone/>
           </a:pPr>
           <a:r>
-            <a:rPr lang="en-US" sz="2300" kern="1200"/>
+            <a:rPr lang="en-US" sz="2400" kern="1200"/>
             <a:t>Being able to configure Blob storage and work with it</a:t>
           </a:r>
         </a:p>
@@ -10661,7 +10692,7 @@
         </a:bodyPr>
         <a:lstStyle/>
         <a:p>
-          <a:pPr marL="0" lvl="0" indent="0" algn="l" defTabSz="1022350">
+          <a:pPr marL="0" lvl="0" indent="0" algn="l" defTabSz="1066800">
             <a:lnSpc>
               <a:spcPct val="90000"/>
             </a:lnSpc>
@@ -10674,7 +10705,7 @@
             <a:buNone/>
           </a:pPr>
           <a:r>
-            <a:rPr lang="en-US" sz="2300" kern="1200"/>
+            <a:rPr lang="en-US" sz="2400" kern="1200"/>
             <a:t>Being able to create file shares over Azure Cloud</a:t>
           </a:r>
         </a:p>
@@ -43233,7 +43264,7 @@
             <p:ph idx="1"/>
             <p:extLst>
               <p:ext uri="{D42A27DB-BD31-4B8C-83A1-F6EECF244321}">
-                <p14:modId xmlns:p14="http://schemas.microsoft.com/office/powerpoint/2010/main" val="2497432553"/>
+                <p14:modId xmlns:p14="http://schemas.microsoft.com/office/powerpoint/2010/main" val="2769929776"/>
               </p:ext>
             </p:extLst>
           </p:nvPr>
@@ -48516,7 +48547,7 @@
 
 <file path=ppt/tags/tag1.xml><?xml version="1.0" encoding="utf-8"?>
 <p:tagLst xmlns:a="http://schemas.openxmlformats.org/drawingml/2006/main" xmlns:r="http://schemas.openxmlformats.org/officeDocument/2006/relationships" xmlns:p="http://schemas.openxmlformats.org/presentationml/2006/main">
-  <p:tag name="LASTSLIDEVIEWED" val="256,1,AZ-104 Azure Storage Administration"/>
+  <p:tag name="LASTSLIDEVIEWED" val="276,4,Objectives"/>
 </p:tagLst>
 </file>
 
